--- a/Организация проекта/Теория игр.pptx
+++ b/Организация проекта/Теория игр.pptx
@@ -223,7 +223,7 @@
           <a:p>
             <a:fld id="{94E1C538-87E4-4DE4-99E6-9B8ECB63D56D}" type="datetimeFigureOut">
               <a:rPr lang="ru-RU" smtClean="0"/>
-              <a:t>19.09.2022</a:t>
+              <a:t>19.10.2022</a:t>
             </a:fld>
             <a:endParaRPr lang="ru-RU"/>
           </a:p>
@@ -1195,7 +1195,7 @@
           <a:p>
             <a:fld id="{58587613-E176-4450-A606-FD9966C4FF53}" type="datetimeFigureOut">
               <a:rPr lang="ru-RU" smtClean="0"/>
-              <a:t>19.09.2022</a:t>
+              <a:t>19.10.2022</a:t>
             </a:fld>
             <a:endParaRPr lang="ru-RU"/>
           </a:p>
@@ -1385,7 +1385,7 @@
           <a:p>
             <a:fld id="{58587613-E176-4450-A606-FD9966C4FF53}" type="datetimeFigureOut">
               <a:rPr lang="ru-RU" smtClean="0"/>
-              <a:t>19.09.2022</a:t>
+              <a:t>19.10.2022</a:t>
             </a:fld>
             <a:endParaRPr lang="ru-RU"/>
           </a:p>
@@ -1565,7 +1565,7 @@
           <a:p>
             <a:fld id="{58587613-E176-4450-A606-FD9966C4FF53}" type="datetimeFigureOut">
               <a:rPr lang="ru-RU" smtClean="0"/>
-              <a:t>19.09.2022</a:t>
+              <a:t>19.10.2022</a:t>
             </a:fld>
             <a:endParaRPr lang="ru-RU"/>
           </a:p>
@@ -1735,7 +1735,7 @@
           <a:p>
             <a:fld id="{58587613-E176-4450-A606-FD9966C4FF53}" type="datetimeFigureOut">
               <a:rPr lang="ru-RU" smtClean="0"/>
-              <a:t>19.09.2022</a:t>
+              <a:t>19.10.2022</a:t>
             </a:fld>
             <a:endParaRPr lang="ru-RU"/>
           </a:p>
@@ -1991,7 +1991,7 @@
           <a:p>
             <a:fld id="{58587613-E176-4450-A606-FD9966C4FF53}" type="datetimeFigureOut">
               <a:rPr lang="ru-RU" smtClean="0"/>
-              <a:t>19.09.2022</a:t>
+              <a:t>19.10.2022</a:t>
             </a:fld>
             <a:endParaRPr lang="ru-RU"/>
           </a:p>
@@ -2279,7 +2279,7 @@
           <a:p>
             <a:fld id="{58587613-E176-4450-A606-FD9966C4FF53}" type="datetimeFigureOut">
               <a:rPr lang="ru-RU" smtClean="0"/>
-              <a:t>19.09.2022</a:t>
+              <a:t>19.10.2022</a:t>
             </a:fld>
             <a:endParaRPr lang="ru-RU"/>
           </a:p>
@@ -2717,7 +2717,7 @@
           <a:p>
             <a:fld id="{58587613-E176-4450-A606-FD9966C4FF53}" type="datetimeFigureOut">
               <a:rPr lang="ru-RU" smtClean="0"/>
-              <a:t>19.09.2022</a:t>
+              <a:t>19.10.2022</a:t>
             </a:fld>
             <a:endParaRPr lang="ru-RU"/>
           </a:p>
@@ -2835,7 +2835,7 @@
           <a:p>
             <a:fld id="{58587613-E176-4450-A606-FD9966C4FF53}" type="datetimeFigureOut">
               <a:rPr lang="ru-RU" smtClean="0"/>
-              <a:t>19.09.2022</a:t>
+              <a:t>19.10.2022</a:t>
             </a:fld>
             <a:endParaRPr lang="ru-RU"/>
           </a:p>
@@ -2930,7 +2930,7 @@
           <a:p>
             <a:fld id="{58587613-E176-4450-A606-FD9966C4FF53}" type="datetimeFigureOut">
               <a:rPr lang="ru-RU" smtClean="0"/>
-              <a:t>19.09.2022</a:t>
+              <a:t>19.10.2022</a:t>
             </a:fld>
             <a:endParaRPr lang="ru-RU"/>
           </a:p>
@@ -3286,7 +3286,7 @@
           <a:p>
             <a:fld id="{58587613-E176-4450-A606-FD9966C4FF53}" type="datetimeFigureOut">
               <a:rPr lang="ru-RU" smtClean="0"/>
-              <a:t>19.09.2022</a:t>
+              <a:t>19.10.2022</a:t>
             </a:fld>
             <a:endParaRPr lang="ru-RU"/>
           </a:p>
@@ -3602,7 +3602,7 @@
           <a:p>
             <a:fld id="{58587613-E176-4450-A606-FD9966C4FF53}" type="datetimeFigureOut">
               <a:rPr lang="ru-RU" smtClean="0"/>
-              <a:t>19.09.2022</a:t>
+              <a:t>19.10.2022</a:t>
             </a:fld>
             <a:endParaRPr lang="ru-RU"/>
           </a:p>
@@ -3835,7 +3835,7 @@
           <a:p>
             <a:fld id="{58587613-E176-4450-A606-FD9966C4FF53}" type="datetimeFigureOut">
               <a:rPr lang="ru-RU" smtClean="0"/>
-              <a:t>19.09.2022</a:t>
+              <a:t>19.10.2022</a:t>
             </a:fld>
             <a:endParaRPr lang="ru-RU"/>
           </a:p>
@@ -11105,8 +11105,8 @@
         </p:blipFill>
         <p:spPr>
           <a:xfrm>
-            <a:off x="6068216" y="1067474"/>
-            <a:ext cx="5966296" cy="4976284"/>
+            <a:off x="6087999" y="1138304"/>
+            <a:ext cx="5975047" cy="4983582"/>
           </a:xfrm>
           <a:prstGeom prst="rect">
             <a:avLst/>
@@ -11841,40 +11841,12 @@
               <a:t>результате работы над проектом были выполнены все </a:t>
             </a:r>
             <a:r>
-              <a:rPr lang="ru-RU" altLang="ru-RU" sz="2600" i="1" dirty="0" smtClean="0"/>
+              <a:rPr lang="ru-RU" altLang="ru-RU" sz="2600" dirty="0" smtClean="0"/>
               <a:t>поставленные </a:t>
             </a:r>
             <a:r>
-              <a:rPr lang="ru-RU" altLang="ru-RU" sz="2600" i="1" dirty="0"/>
-              <a:t>задачи </a:t>
-            </a:r>
-            <a:r>
               <a:rPr lang="ru-RU" altLang="ru-RU" sz="2600" dirty="0"/>
-              <a:t>и </a:t>
-            </a:r>
-            <a:r>
-              <a:rPr lang="ru-RU" altLang="ru-RU" sz="2600" i="1" dirty="0"/>
-              <a:t>приобретены навыки отбора </a:t>
-            </a:r>
-            <a:r>
-              <a:rPr lang="ru-RU" altLang="ru-RU" sz="2600" dirty="0"/>
-              <a:t>и с</a:t>
-            </a:r>
-            <a:r>
-              <a:rPr lang="ru-RU" altLang="ru-RU" sz="2600" i="1" dirty="0"/>
-              <a:t>истематизации</a:t>
-            </a:r>
-            <a:r>
-              <a:rPr lang="ru-RU" altLang="ru-RU" sz="2600" dirty="0"/>
-              <a:t> нужной </a:t>
-            </a:r>
-            <a:r>
-              <a:rPr lang="ru-RU" altLang="ru-RU" sz="2600" i="1" dirty="0"/>
-              <a:t>информации из множества источников</a:t>
-            </a:r>
-            <a:r>
-              <a:rPr lang="ru-RU" altLang="ru-RU" sz="2600" dirty="0"/>
-              <a:t>.</a:t>
+              <a:t>задачи и приобретены навыки отбора и систематизации нужной информации из множества источников.</a:t>
             </a:r>
           </a:p>
           <a:p>

--- a/Организация проекта/Теория игр.pptx
+++ b/Организация проекта/Теория игр.pptx
@@ -5,7 +5,7 @@
     <p:sldMasterId id="2147483660" r:id="rId1"/>
   </p:sldMasterIdLst>
   <p:notesMasterIdLst>
-    <p:notesMasterId r:id="rId29"/>
+    <p:notesMasterId r:id="rId28"/>
   </p:notesMasterIdLst>
   <p:sldIdLst>
     <p:sldId id="256" r:id="rId2"/>
@@ -14,27 +14,26 @@
     <p:sldId id="259" r:id="rId5"/>
     <p:sldId id="260" r:id="rId6"/>
     <p:sldId id="275" r:id="rId7"/>
-    <p:sldId id="261" r:id="rId8"/>
-    <p:sldId id="277" r:id="rId9"/>
-    <p:sldId id="279" r:id="rId10"/>
-    <p:sldId id="281" r:id="rId11"/>
-    <p:sldId id="282" r:id="rId12"/>
-    <p:sldId id="278" r:id="rId13"/>
-    <p:sldId id="283" r:id="rId14"/>
-    <p:sldId id="284" r:id="rId15"/>
-    <p:sldId id="285" r:id="rId16"/>
-    <p:sldId id="286" r:id="rId17"/>
-    <p:sldId id="262" r:id="rId18"/>
-    <p:sldId id="270" r:id="rId19"/>
-    <p:sldId id="271" r:id="rId20"/>
-    <p:sldId id="273" r:id="rId21"/>
-    <p:sldId id="274" r:id="rId22"/>
-    <p:sldId id="264" r:id="rId23"/>
-    <p:sldId id="265" r:id="rId24"/>
-    <p:sldId id="266" r:id="rId25"/>
-    <p:sldId id="267" r:id="rId26"/>
-    <p:sldId id="268" r:id="rId27"/>
-    <p:sldId id="287" r:id="rId28"/>
+    <p:sldId id="277" r:id="rId8"/>
+    <p:sldId id="262" r:id="rId9"/>
+    <p:sldId id="270" r:id="rId10"/>
+    <p:sldId id="271" r:id="rId11"/>
+    <p:sldId id="273" r:id="rId12"/>
+    <p:sldId id="274" r:id="rId13"/>
+    <p:sldId id="261" r:id="rId14"/>
+    <p:sldId id="290" r:id="rId15"/>
+    <p:sldId id="279" r:id="rId16"/>
+    <p:sldId id="288" r:id="rId17"/>
+    <p:sldId id="278" r:id="rId18"/>
+    <p:sldId id="289" r:id="rId19"/>
+    <p:sldId id="286" r:id="rId20"/>
+    <p:sldId id="264" r:id="rId21"/>
+    <p:sldId id="265" r:id="rId22"/>
+    <p:sldId id="266" r:id="rId23"/>
+    <p:sldId id="267" r:id="rId24"/>
+    <p:sldId id="268" r:id="rId25"/>
+    <p:sldId id="291" r:id="rId26"/>
+    <p:sldId id="287" r:id="rId27"/>
   </p:sldIdLst>
   <p:sldSz cx="12192000" cy="6858000"/>
   <p:notesSz cx="6858000" cy="9144000"/>
@@ -223,7 +222,7 @@
           <a:p>
             <a:fld id="{94E1C538-87E4-4DE4-99E6-9B8ECB63D56D}" type="datetimeFigureOut">
               <a:rPr lang="ru-RU" smtClean="0"/>
-              <a:t>19.10.2022</a:t>
+              <a:t>22.10.2022</a:t>
             </a:fld>
             <a:endParaRPr lang="ru-RU"/>
           </a:p>
@@ -649,7 +648,7 @@
     </p:spTree>
     <p:extLst>
       <p:ext uri="{BB962C8B-B14F-4D97-AF65-F5344CB8AC3E}">
-        <p14:creationId xmlns:p14="http://schemas.microsoft.com/office/powerpoint/2010/main" val="3707305505"/>
+        <p14:creationId xmlns:p14="http://schemas.microsoft.com/office/powerpoint/2010/main" val="3699650322"/>
       </p:ext>
     </p:extLst>
   </p:cSld>
@@ -724,7 +723,7 @@
           <a:p>
             <a:fld id="{BCA39248-8A7A-4A72-9D9C-0A929E740399}" type="slidenum">
               <a:rPr lang="ru-RU" smtClean="0"/>
-              <a:t>10</a:t>
+              <a:t>15</a:t>
             </a:fld>
             <a:endParaRPr lang="ru-RU"/>
           </a:p>
@@ -733,7 +732,7 @@
     </p:spTree>
     <p:extLst>
       <p:ext uri="{BB962C8B-B14F-4D97-AF65-F5344CB8AC3E}">
-        <p14:creationId xmlns:p14="http://schemas.microsoft.com/office/powerpoint/2010/main" val="3877527104"/>
+        <p14:creationId xmlns:p14="http://schemas.microsoft.com/office/powerpoint/2010/main" val="3707305505"/>
       </p:ext>
     </p:extLst>
   </p:cSld>
@@ -808,175 +807,7 @@
           <a:p>
             <a:fld id="{BCA39248-8A7A-4A72-9D9C-0A929E740399}" type="slidenum">
               <a:rPr lang="ru-RU" smtClean="0"/>
-              <a:t>11</a:t>
-            </a:fld>
-            <a:endParaRPr lang="ru-RU"/>
-          </a:p>
-        </p:txBody>
-      </p:sp>
-    </p:spTree>
-    <p:extLst>
-      <p:ext uri="{BB962C8B-B14F-4D97-AF65-F5344CB8AC3E}">
-        <p14:creationId xmlns:p14="http://schemas.microsoft.com/office/powerpoint/2010/main" val="2413962220"/>
-      </p:ext>
-    </p:extLst>
-  </p:cSld>
-  <p:clrMapOvr>
-    <a:masterClrMapping/>
-  </p:clrMapOvr>
-</p:notes>
-</file>
-
-<file path=ppt/notesSlides/notesSlide5.xml><?xml version="1.0" encoding="utf-8"?>
-<p:notes xmlns:a="http://schemas.openxmlformats.org/drawingml/2006/main" xmlns:r="http://schemas.openxmlformats.org/officeDocument/2006/relationships" xmlns:p="http://schemas.openxmlformats.org/presentationml/2006/main">
-  <p:cSld>
-    <p:spTree>
-      <p:nvGrpSpPr>
-        <p:cNvPr id="1" name=""/>
-        <p:cNvGrpSpPr/>
-        <p:nvPr/>
-      </p:nvGrpSpPr>
-      <p:grpSpPr>
-        <a:xfrm>
-          <a:off x="0" y="0"/>
-          <a:ext cx="0" cy="0"/>
-          <a:chOff x="0" y="0"/>
-          <a:chExt cx="0" cy="0"/>
-        </a:xfrm>
-      </p:grpSpPr>
-      <p:sp>
-        <p:nvSpPr>
-          <p:cNvPr id="2" name="Образ слайда 1"/>
-          <p:cNvSpPr>
-            <a:spLocks noGrp="1" noRot="1" noChangeAspect="1"/>
-          </p:cNvSpPr>
-          <p:nvPr>
-            <p:ph type="sldImg"/>
-          </p:nvPr>
-        </p:nvSpPr>
-        <p:spPr/>
-      </p:sp>
-      <p:sp>
-        <p:nvSpPr>
-          <p:cNvPr id="3" name="Заметки 2"/>
-          <p:cNvSpPr>
-            <a:spLocks noGrp="1"/>
-          </p:cNvSpPr>
-          <p:nvPr>
-            <p:ph type="body" idx="1"/>
-          </p:nvPr>
-        </p:nvSpPr>
-        <p:spPr/>
-        <p:txBody>
-          <a:bodyPr/>
-          <a:lstStyle/>
-          <a:p>
-            <a:endParaRPr lang="ru-RU" dirty="0"/>
-          </a:p>
-        </p:txBody>
-      </p:sp>
-      <p:sp>
-        <p:nvSpPr>
-          <p:cNvPr id="4" name="Номер слайда 3"/>
-          <p:cNvSpPr>
-            <a:spLocks noGrp="1"/>
-          </p:cNvSpPr>
-          <p:nvPr>
-            <p:ph type="sldNum" sz="quarter" idx="10"/>
-          </p:nvPr>
-        </p:nvSpPr>
-        <p:spPr/>
-        <p:txBody>
-          <a:bodyPr/>
-          <a:lstStyle/>
-          <a:p>
-            <a:fld id="{BCA39248-8A7A-4A72-9D9C-0A929E740399}" type="slidenum">
-              <a:rPr lang="ru-RU" smtClean="0"/>
-              <a:t>18</a:t>
-            </a:fld>
-            <a:endParaRPr lang="ru-RU"/>
-          </a:p>
-        </p:txBody>
-      </p:sp>
-    </p:spTree>
-    <p:extLst>
-      <p:ext uri="{BB962C8B-B14F-4D97-AF65-F5344CB8AC3E}">
-        <p14:creationId xmlns:p14="http://schemas.microsoft.com/office/powerpoint/2010/main" val="3699650322"/>
-      </p:ext>
-    </p:extLst>
-  </p:cSld>
-  <p:clrMapOvr>
-    <a:masterClrMapping/>
-  </p:clrMapOvr>
-</p:notes>
-</file>
-
-<file path=ppt/notesSlides/notesSlide6.xml><?xml version="1.0" encoding="utf-8"?>
-<p:notes xmlns:a="http://schemas.openxmlformats.org/drawingml/2006/main" xmlns:r="http://schemas.openxmlformats.org/officeDocument/2006/relationships" xmlns:p="http://schemas.openxmlformats.org/presentationml/2006/main">
-  <p:cSld>
-    <p:spTree>
-      <p:nvGrpSpPr>
-        <p:cNvPr id="1" name=""/>
-        <p:cNvGrpSpPr/>
-        <p:nvPr/>
-      </p:nvGrpSpPr>
-      <p:grpSpPr>
-        <a:xfrm>
-          <a:off x="0" y="0"/>
-          <a:ext cx="0" cy="0"/>
-          <a:chOff x="0" y="0"/>
-          <a:chExt cx="0" cy="0"/>
-        </a:xfrm>
-      </p:grpSpPr>
-      <p:sp>
-        <p:nvSpPr>
-          <p:cNvPr id="2" name="Образ слайда 1"/>
-          <p:cNvSpPr>
-            <a:spLocks noGrp="1" noRot="1" noChangeAspect="1"/>
-          </p:cNvSpPr>
-          <p:nvPr>
-            <p:ph type="sldImg"/>
-          </p:nvPr>
-        </p:nvSpPr>
-        <p:spPr/>
-      </p:sp>
-      <p:sp>
-        <p:nvSpPr>
-          <p:cNvPr id="3" name="Заметки 2"/>
-          <p:cNvSpPr>
-            <a:spLocks noGrp="1"/>
-          </p:cNvSpPr>
-          <p:nvPr>
-            <p:ph type="body" idx="1"/>
-          </p:nvPr>
-        </p:nvSpPr>
-        <p:spPr/>
-        <p:txBody>
-          <a:bodyPr/>
-          <a:lstStyle/>
-          <a:p>
-            <a:endParaRPr lang="ru-RU" dirty="0"/>
-          </a:p>
-        </p:txBody>
-      </p:sp>
-      <p:sp>
-        <p:nvSpPr>
-          <p:cNvPr id="4" name="Номер слайда 3"/>
-          <p:cNvSpPr>
-            <a:spLocks noGrp="1"/>
-          </p:cNvSpPr>
-          <p:nvPr>
-            <p:ph type="sldNum" sz="quarter" idx="10"/>
-          </p:nvPr>
-        </p:nvSpPr>
-        <p:spPr/>
-        <p:txBody>
-          <a:bodyPr/>
-          <a:lstStyle/>
-          <a:p>
-            <a:fld id="{BCA39248-8A7A-4A72-9D9C-0A929E740399}" type="slidenum">
-              <a:rPr lang="ru-RU" smtClean="0"/>
-              <a:t>27</a:t>
+              <a:t>26</a:t>
             </a:fld>
             <a:endParaRPr lang="ru-RU"/>
           </a:p>
@@ -1195,7 +1026,7 @@
           <a:p>
             <a:fld id="{58587613-E176-4450-A606-FD9966C4FF53}" type="datetimeFigureOut">
               <a:rPr lang="ru-RU" smtClean="0"/>
-              <a:t>19.10.2022</a:t>
+              <a:t>22.10.2022</a:t>
             </a:fld>
             <a:endParaRPr lang="ru-RU"/>
           </a:p>
@@ -1385,7 +1216,7 @@
           <a:p>
             <a:fld id="{58587613-E176-4450-A606-FD9966C4FF53}" type="datetimeFigureOut">
               <a:rPr lang="ru-RU" smtClean="0"/>
-              <a:t>19.10.2022</a:t>
+              <a:t>22.10.2022</a:t>
             </a:fld>
             <a:endParaRPr lang="ru-RU"/>
           </a:p>
@@ -1565,7 +1396,7 @@
           <a:p>
             <a:fld id="{58587613-E176-4450-A606-FD9966C4FF53}" type="datetimeFigureOut">
               <a:rPr lang="ru-RU" smtClean="0"/>
-              <a:t>19.10.2022</a:t>
+              <a:t>22.10.2022</a:t>
             </a:fld>
             <a:endParaRPr lang="ru-RU"/>
           </a:p>
@@ -1735,7 +1566,7 @@
           <a:p>
             <a:fld id="{58587613-E176-4450-A606-FD9966C4FF53}" type="datetimeFigureOut">
               <a:rPr lang="ru-RU" smtClean="0"/>
-              <a:t>19.10.2022</a:t>
+              <a:t>22.10.2022</a:t>
             </a:fld>
             <a:endParaRPr lang="ru-RU"/>
           </a:p>
@@ -1991,7 +1822,7 @@
           <a:p>
             <a:fld id="{58587613-E176-4450-A606-FD9966C4FF53}" type="datetimeFigureOut">
               <a:rPr lang="ru-RU" smtClean="0"/>
-              <a:t>19.10.2022</a:t>
+              <a:t>22.10.2022</a:t>
             </a:fld>
             <a:endParaRPr lang="ru-RU"/>
           </a:p>
@@ -2279,7 +2110,7 @@
           <a:p>
             <a:fld id="{58587613-E176-4450-A606-FD9966C4FF53}" type="datetimeFigureOut">
               <a:rPr lang="ru-RU" smtClean="0"/>
-              <a:t>19.10.2022</a:t>
+              <a:t>22.10.2022</a:t>
             </a:fld>
             <a:endParaRPr lang="ru-RU"/>
           </a:p>
@@ -2717,7 +2548,7 @@
           <a:p>
             <a:fld id="{58587613-E176-4450-A606-FD9966C4FF53}" type="datetimeFigureOut">
               <a:rPr lang="ru-RU" smtClean="0"/>
-              <a:t>19.10.2022</a:t>
+              <a:t>22.10.2022</a:t>
             </a:fld>
             <a:endParaRPr lang="ru-RU"/>
           </a:p>
@@ -2835,7 +2666,7 @@
           <a:p>
             <a:fld id="{58587613-E176-4450-A606-FD9966C4FF53}" type="datetimeFigureOut">
               <a:rPr lang="ru-RU" smtClean="0"/>
-              <a:t>19.10.2022</a:t>
+              <a:t>22.10.2022</a:t>
             </a:fld>
             <a:endParaRPr lang="ru-RU"/>
           </a:p>
@@ -2930,7 +2761,7 @@
           <a:p>
             <a:fld id="{58587613-E176-4450-A606-FD9966C4FF53}" type="datetimeFigureOut">
               <a:rPr lang="ru-RU" smtClean="0"/>
-              <a:t>19.10.2022</a:t>
+              <a:t>22.10.2022</a:t>
             </a:fld>
             <a:endParaRPr lang="ru-RU"/>
           </a:p>
@@ -3286,7 +3117,7 @@
           <a:p>
             <a:fld id="{58587613-E176-4450-A606-FD9966C4FF53}" type="datetimeFigureOut">
               <a:rPr lang="ru-RU" smtClean="0"/>
-              <a:t>19.10.2022</a:t>
+              <a:t>22.10.2022</a:t>
             </a:fld>
             <a:endParaRPr lang="ru-RU"/>
           </a:p>
@@ -3602,7 +3433,7 @@
           <a:p>
             <a:fld id="{58587613-E176-4450-A606-FD9966C4FF53}" type="datetimeFigureOut">
               <a:rPr lang="ru-RU" smtClean="0"/>
-              <a:t>19.10.2022</a:t>
+              <a:t>22.10.2022</a:t>
             </a:fld>
             <a:endParaRPr lang="ru-RU"/>
           </a:p>
@@ -3835,7 +3666,7 @@
           <a:p>
             <a:fld id="{58587613-E176-4450-A606-FD9966C4FF53}" type="datetimeFigureOut">
               <a:rPr lang="ru-RU" smtClean="0"/>
-              <a:t>19.10.2022</a:t>
+              <a:t>22.10.2022</a:t>
             </a:fld>
             <a:endParaRPr lang="ru-RU"/>
           </a:p>
@@ -4344,8 +4175,8 @@
         </p:nvSpPr>
         <p:spPr>
           <a:xfrm>
-            <a:off x="603504" y="3991381"/>
-            <a:ext cx="9228201" cy="1210784"/>
+            <a:off x="603505" y="3991381"/>
+            <a:ext cx="6580926" cy="1160911"/>
           </a:xfrm>
         </p:spPr>
         <p:txBody>
@@ -4370,17 +4201,9 @@
           </a:p>
           <a:p>
             <a:r>
-              <a:rPr lang="ru-RU" b="1" dirty="0"/>
-              <a:t>П</a:t>
-            </a:r>
-            <a:r>
-              <a:rPr lang="ru-RU" b="1" dirty="0" smtClean="0"/>
-              <a:t>рактико-ориентированный</a:t>
-            </a:r>
-            <a:endParaRPr lang="ru-RU" b="1" dirty="0"/>
-          </a:p>
-          <a:p>
-            <a:endParaRPr lang="ru-RU" dirty="0"/>
+              <a:rPr lang="ru-RU" dirty="0"/>
+              <a:t>Информационно-познавательный</a:t>
+            </a:r>
           </a:p>
         </p:txBody>
       </p:sp>
@@ -4392,7 +4215,7 @@
         </p:nvSpPr>
         <p:spPr>
           <a:xfrm>
-            <a:off x="5994653" y="6076483"/>
+            <a:off x="5023892" y="6053401"/>
             <a:ext cx="811825" cy="646331"/>
           </a:xfrm>
           <a:prstGeom prst="rect">
@@ -4442,7 +4265,7 @@
         </p:nvSpPr>
         <p:spPr>
           <a:xfrm>
-            <a:off x="1196315" y="6099568"/>
+            <a:off x="603505" y="6099568"/>
             <a:ext cx="4032910" cy="600164"/>
           </a:xfrm>
           <a:prstGeom prst="rect">
@@ -4515,7 +4338,7 @@
         </p:nvSpPr>
         <p:spPr>
           <a:xfrm>
-            <a:off x="7193957" y="6079110"/>
+            <a:off x="6223196" y="6056028"/>
             <a:ext cx="4766048" cy="369332"/>
           </a:xfrm>
           <a:prstGeom prst="rect">
@@ -4578,7 +4401,7 @@
         </p:blipFill>
         <p:spPr>
           <a:xfrm>
-            <a:off x="5607176" y="6123386"/>
+            <a:off x="4636415" y="6100304"/>
             <a:ext cx="9526" cy="552527"/>
           </a:xfrm>
           <a:prstGeom prst="rect">
@@ -4594,7 +4417,7 @@
         </p:nvSpPr>
         <p:spPr>
           <a:xfrm>
-            <a:off x="7203483" y="6353482"/>
+            <a:off x="6232722" y="6330400"/>
             <a:ext cx="4261103" cy="369332"/>
           </a:xfrm>
           <a:prstGeom prst="rect">
@@ -4652,7 +4475,7 @@
         </p:blipFill>
         <p:spPr>
           <a:xfrm>
-            <a:off x="7184431" y="6147205"/>
+            <a:off x="6213670" y="6124123"/>
             <a:ext cx="9526" cy="552527"/>
           </a:xfrm>
           <a:prstGeom prst="rect">
@@ -4689,3847 +4512,6 @@
 </file>
 
 <file path=ppt/slides/slide10.xml><?xml version="1.0" encoding="utf-8"?>
-<p:sld xmlns:a="http://schemas.openxmlformats.org/drawingml/2006/main" xmlns:r="http://schemas.openxmlformats.org/officeDocument/2006/relationships" xmlns:p="http://schemas.openxmlformats.org/presentationml/2006/main">
-  <p:cSld>
-    <p:spTree>
-      <p:nvGrpSpPr>
-        <p:cNvPr id="1" name=""/>
-        <p:cNvGrpSpPr/>
-        <p:nvPr/>
-      </p:nvGrpSpPr>
-      <p:grpSpPr>
-        <a:xfrm>
-          <a:off x="0" y="0"/>
-          <a:ext cx="0" cy="0"/>
-          <a:chOff x="0" y="0"/>
-          <a:chExt cx="0" cy="0"/>
-        </a:xfrm>
-      </p:grpSpPr>
-      <p:sp>
-        <p:nvSpPr>
-          <p:cNvPr id="3" name="Объект 2"/>
-          <p:cNvSpPr>
-            <a:spLocks noGrp="1"/>
-          </p:cNvSpPr>
-          <p:nvPr>
-            <p:ph idx="1"/>
-          </p:nvPr>
-        </p:nvSpPr>
-        <p:spPr>
-          <a:xfrm>
-            <a:off x="0" y="1579302"/>
-            <a:ext cx="12192000" cy="639671"/>
-          </a:xfrm>
-        </p:spPr>
-        <p:txBody>
-          <a:bodyPr>
-            <a:normAutofit fontScale="85000" lnSpcReduction="10000"/>
-          </a:bodyPr>
-          <a:lstStyle/>
-          <a:p>
-            <a:r>
-              <a:rPr lang="ru-RU" dirty="0"/>
-              <a:t>Дальше мы должны создать вектор (Динамический массив), чтобы туда записывать всевозможные ходы игры.  Также добавим в нашу программу функцию, которая будет взаимодействовать с данными.</a:t>
-            </a:r>
-          </a:p>
-        </p:txBody>
-      </p:sp>
-      <p:sp>
-        <p:nvSpPr>
-          <p:cNvPr id="4" name="Заголовок 1"/>
-          <p:cNvSpPr txBox="1">
-            <a:spLocks/>
-          </p:cNvSpPr>
-          <p:nvPr/>
-        </p:nvSpPr>
-        <p:spPr>
-          <a:xfrm>
-            <a:off x="0" y="0"/>
-            <a:ext cx="11983915" cy="1019908"/>
-          </a:xfrm>
-          <a:prstGeom prst="rect">
-            <a:avLst/>
-          </a:prstGeom>
-        </p:spPr>
-        <p:txBody>
-          <a:bodyPr vert="horz" lIns="91440" tIns="45720" rIns="91440" bIns="45720" rtlCol="0" anchor="ctr">
-            <a:normAutofit/>
-          </a:bodyPr>
-          <a:lstStyle>
-            <a:lvl1pPr algn="l" defTabSz="914400" rtl="0" eaLnBrk="1" latinLnBrk="0" hangingPunct="1">
-              <a:lnSpc>
-                <a:spcPct val="85000"/>
-              </a:lnSpc>
-              <a:spcBef>
-                <a:spcPct val="0"/>
-              </a:spcBef>
-              <a:buNone/>
-              <a:defRPr sz="5400" kern="1200" spc="-120" baseline="0">
-                <a:solidFill>
-                  <a:schemeClr val="accent1"/>
-                </a:solidFill>
-                <a:latin typeface="+mj-lt"/>
-                <a:ea typeface="+mj-ea"/>
-                <a:cs typeface="+mj-cs"/>
-              </a:defRPr>
-            </a:lvl1pPr>
-          </a:lstStyle>
-          <a:p>
-            <a:r>
-              <a:rPr lang="ru-RU" sz="4400" smtClean="0"/>
-              <a:t>Рациональный способ решения(Поляков)</a:t>
-            </a:r>
-            <a:endParaRPr lang="ru-RU" sz="4400" dirty="0"/>
-          </a:p>
-        </p:txBody>
-      </p:sp>
-      <p:pic>
-        <p:nvPicPr>
-          <p:cNvPr id="6" name="Рисунок 5"/>
-          <p:cNvPicPr/>
-          <p:nvPr/>
-        </p:nvPicPr>
-        <p:blipFill>
-          <a:blip r:embed="rId3"/>
-          <a:stretch>
-            <a:fillRect/>
-          </a:stretch>
-        </p:blipFill>
-        <p:spPr>
-          <a:xfrm>
-            <a:off x="3576090" y="2778367"/>
-            <a:ext cx="4829356" cy="3842241"/>
-          </a:xfrm>
-          <a:prstGeom prst="rect">
-            <a:avLst/>
-          </a:prstGeom>
-        </p:spPr>
-      </p:pic>
-    </p:spTree>
-    <p:extLst>
-      <p:ext uri="{BB962C8B-B14F-4D97-AF65-F5344CB8AC3E}">
-        <p14:creationId xmlns:p14="http://schemas.microsoft.com/office/powerpoint/2010/main" val="4044549866"/>
-      </p:ext>
-    </p:extLst>
-  </p:cSld>
-  <p:clrMapOvr>
-    <a:masterClrMapping/>
-  </p:clrMapOvr>
-  <p:timing>
-    <p:tnLst>
-      <p:par>
-        <p:cTn id="1" dur="indefinite" restart="never" nodeType="tmRoot"/>
-      </p:par>
-    </p:tnLst>
-  </p:timing>
-</p:sld>
-</file>
-
-<file path=ppt/slides/slide11.xml><?xml version="1.0" encoding="utf-8"?>
-<p:sld xmlns:a="http://schemas.openxmlformats.org/drawingml/2006/main" xmlns:r="http://schemas.openxmlformats.org/officeDocument/2006/relationships" xmlns:p="http://schemas.openxmlformats.org/presentationml/2006/main">
-  <p:cSld>
-    <p:spTree>
-      <p:nvGrpSpPr>
-        <p:cNvPr id="1" name=""/>
-        <p:cNvGrpSpPr/>
-        <p:nvPr/>
-      </p:nvGrpSpPr>
-      <p:grpSpPr>
-        <a:xfrm>
-          <a:off x="0" y="0"/>
-          <a:ext cx="0" cy="0"/>
-          <a:chOff x="0" y="0"/>
-          <a:chExt cx="0" cy="0"/>
-        </a:xfrm>
-      </p:grpSpPr>
-      <p:sp>
-        <p:nvSpPr>
-          <p:cNvPr id="3" name="Объект 2"/>
-          <p:cNvSpPr>
-            <a:spLocks noGrp="1"/>
-          </p:cNvSpPr>
-          <p:nvPr>
-            <p:ph idx="1"/>
-          </p:nvPr>
-        </p:nvSpPr>
-        <p:spPr>
-          <a:xfrm>
-            <a:off x="0" y="1350702"/>
-            <a:ext cx="12192000" cy="639671"/>
-          </a:xfrm>
-        </p:spPr>
-        <p:txBody>
-          <a:bodyPr>
-            <a:normAutofit fontScale="92500" lnSpcReduction="10000"/>
-          </a:bodyPr>
-          <a:lstStyle/>
-          <a:p>
-            <a:r>
-              <a:rPr lang="ru-RU" dirty="0"/>
-              <a:t>Далее в основной функции </a:t>
-            </a:r>
-            <a:r>
-              <a:rPr lang="en-US" dirty="0"/>
-              <a:t>main</a:t>
-            </a:r>
-            <a:r>
-              <a:rPr lang="ru-RU" dirty="0"/>
-              <a:t> мы должны создать цикл, который переберет </a:t>
-            </a:r>
-            <a:r>
-              <a:rPr lang="ru-RU"/>
-              <a:t>количество </a:t>
-            </a:r>
-            <a:r>
-              <a:rPr lang="ru-RU" smtClean="0"/>
-              <a:t>камней</a:t>
-            </a:r>
-            <a:r>
-              <a:rPr lang="ru-RU" dirty="0"/>
-              <a:t>, также нужно добавить условие для вывода ответа.</a:t>
-            </a:r>
-          </a:p>
-        </p:txBody>
-      </p:sp>
-      <p:sp>
-        <p:nvSpPr>
-          <p:cNvPr id="4" name="Заголовок 1"/>
-          <p:cNvSpPr txBox="1">
-            <a:spLocks/>
-          </p:cNvSpPr>
-          <p:nvPr/>
-        </p:nvSpPr>
-        <p:spPr>
-          <a:xfrm>
-            <a:off x="0" y="0"/>
-            <a:ext cx="11983915" cy="1019908"/>
-          </a:xfrm>
-          <a:prstGeom prst="rect">
-            <a:avLst/>
-          </a:prstGeom>
-        </p:spPr>
-        <p:txBody>
-          <a:bodyPr vert="horz" lIns="91440" tIns="45720" rIns="91440" bIns="45720" rtlCol="0" anchor="ctr">
-            <a:normAutofit/>
-          </a:bodyPr>
-          <a:lstStyle>
-            <a:lvl1pPr algn="l" defTabSz="914400" rtl="0" eaLnBrk="1" latinLnBrk="0" hangingPunct="1">
-              <a:lnSpc>
-                <a:spcPct val="85000"/>
-              </a:lnSpc>
-              <a:spcBef>
-                <a:spcPct val="0"/>
-              </a:spcBef>
-              <a:buNone/>
-              <a:defRPr sz="5400" kern="1200" spc="-120" baseline="0">
-                <a:solidFill>
-                  <a:schemeClr val="accent1"/>
-                </a:solidFill>
-                <a:latin typeface="+mj-lt"/>
-                <a:ea typeface="+mj-ea"/>
-                <a:cs typeface="+mj-cs"/>
-              </a:defRPr>
-            </a:lvl1pPr>
-          </a:lstStyle>
-          <a:p>
-            <a:r>
-              <a:rPr lang="ru-RU" sz="4400" dirty="0" smtClean="0"/>
-              <a:t>Рациональный способ решения(Поляков)</a:t>
-            </a:r>
-            <a:endParaRPr lang="ru-RU" sz="4400" dirty="0"/>
-          </a:p>
-        </p:txBody>
-      </p:sp>
-      <p:pic>
-        <p:nvPicPr>
-          <p:cNvPr id="2" name="Рисунок 1"/>
-          <p:cNvPicPr>
-            <a:picLocks noChangeAspect="1"/>
-          </p:cNvPicPr>
-          <p:nvPr/>
-        </p:nvPicPr>
-        <p:blipFill>
-          <a:blip r:embed="rId3"/>
-          <a:stretch>
-            <a:fillRect/>
-          </a:stretch>
-        </p:blipFill>
-        <p:spPr>
-          <a:xfrm>
-            <a:off x="2184231" y="2321167"/>
-            <a:ext cx="7615452" cy="4234679"/>
-          </a:xfrm>
-          <a:prstGeom prst="rect">
-            <a:avLst/>
-          </a:prstGeom>
-        </p:spPr>
-      </p:pic>
-    </p:spTree>
-    <p:extLst>
-      <p:ext uri="{BB962C8B-B14F-4D97-AF65-F5344CB8AC3E}">
-        <p14:creationId xmlns:p14="http://schemas.microsoft.com/office/powerpoint/2010/main" val="2550839394"/>
-      </p:ext>
-    </p:extLst>
-  </p:cSld>
-  <p:clrMapOvr>
-    <a:masterClrMapping/>
-  </p:clrMapOvr>
-  <p:timing>
-    <p:tnLst>
-      <p:par>
-        <p:cTn id="1" dur="indefinite" restart="never" nodeType="tmRoot"/>
-      </p:par>
-    </p:tnLst>
-  </p:timing>
-</p:sld>
-</file>
-
-<file path=ppt/slides/slide12.xml><?xml version="1.0" encoding="utf-8"?>
-<p:sld xmlns:a="http://schemas.openxmlformats.org/drawingml/2006/main" xmlns:r="http://schemas.openxmlformats.org/officeDocument/2006/relationships" xmlns:p="http://schemas.openxmlformats.org/presentationml/2006/main">
-  <p:cSld>
-    <p:spTree>
-      <p:nvGrpSpPr>
-        <p:cNvPr id="1" name=""/>
-        <p:cNvGrpSpPr/>
-        <p:nvPr/>
-      </p:nvGrpSpPr>
-      <p:grpSpPr>
-        <a:xfrm>
-          <a:off x="0" y="0"/>
-          <a:ext cx="0" cy="0"/>
-          <a:chOff x="0" y="0"/>
-          <a:chExt cx="0" cy="0"/>
-        </a:xfrm>
-      </p:grpSpPr>
-      <p:sp>
-        <p:nvSpPr>
-          <p:cNvPr id="2" name="Заголовок 1"/>
-          <p:cNvSpPr>
-            <a:spLocks noGrp="1"/>
-          </p:cNvSpPr>
-          <p:nvPr>
-            <p:ph type="title"/>
-          </p:nvPr>
-        </p:nvSpPr>
-        <p:spPr>
-          <a:xfrm>
-            <a:off x="0" y="0"/>
-            <a:ext cx="11534776" cy="1213338"/>
-          </a:xfrm>
-        </p:spPr>
-        <p:txBody>
-          <a:bodyPr>
-            <a:normAutofit/>
-          </a:bodyPr>
-          <a:lstStyle/>
-          <a:p>
-            <a:r>
-              <a:rPr lang="ru-RU" sz="4400" dirty="0"/>
-              <a:t>Самый распространенный способ </a:t>
-            </a:r>
-            <a:r>
-              <a:rPr lang="ru-RU" sz="4400" dirty="0" smtClean="0"/>
-              <a:t>решения</a:t>
-            </a:r>
-            <a:endParaRPr lang="ru-RU" sz="4400" dirty="0"/>
-          </a:p>
-        </p:txBody>
-      </p:sp>
-      <p:sp>
-        <p:nvSpPr>
-          <p:cNvPr id="7" name="Объект 2"/>
-          <p:cNvSpPr>
-            <a:spLocks noGrp="1"/>
-          </p:cNvSpPr>
-          <p:nvPr>
-            <p:ph idx="1"/>
-          </p:nvPr>
-        </p:nvSpPr>
-        <p:spPr>
-          <a:xfrm>
-            <a:off x="285573" y="1318846"/>
-            <a:ext cx="11412767" cy="4914900"/>
-          </a:xfrm>
-        </p:spPr>
-        <p:txBody>
-          <a:bodyPr>
-            <a:normAutofit lnSpcReduction="10000"/>
-          </a:bodyPr>
-          <a:lstStyle/>
-          <a:p>
-            <a:r>
-              <a:rPr lang="ru-RU" sz="2000" dirty="0"/>
-              <a:t>Два игрока, Петя и Ваня, играют в следующую игру. Перед игроками лежат две кучи камней. Игроки ходят по очереди, первый ход делает Петя. За один ход игрок может добавить в одну из куч один камень или увеличить количество камней в куче в два раза. Чтобы делать ходы, у каждого игрока есть неограниченное количество камней. Игра завершается в тот момент, когда суммарное количество камней в кучах становится не менее 69. Победителем считается игрок, сделавший последний ход, т. е. первым получивший позицию, в которой в кучах будет 69 или больше камней.</a:t>
-            </a:r>
-            <a:br>
-              <a:rPr lang="ru-RU" sz="2000" dirty="0"/>
-            </a:br>
-            <a:r>
-              <a:rPr lang="ru-RU" sz="2000" dirty="0"/>
-              <a:t>В начальный момент в первой куче было 5 камней, во второй куче – S камней, 1 ≤ S ≤ 63. Будем говорить, что игрок имеет выигрышную стратегию, если он может выиграть при любых ходах </a:t>
-            </a:r>
-            <a:r>
-              <a:rPr lang="ru-RU" sz="2000" dirty="0" smtClean="0"/>
-              <a:t>противника.</a:t>
-            </a:r>
-            <a:endParaRPr lang="ru-RU" sz="2000" dirty="0"/>
-          </a:p>
-          <a:p>
-            <a:r>
-              <a:rPr lang="ru-RU" sz="2000" b="1" dirty="0" smtClean="0"/>
-              <a:t>Задание 19</a:t>
-            </a:r>
-            <a:r>
-              <a:rPr lang="ru-RU" sz="2000" dirty="0" smtClean="0"/>
-              <a:t>.Известно</a:t>
-            </a:r>
-            <a:r>
-              <a:rPr lang="ru-RU" sz="2000" dirty="0"/>
-              <a:t>, что Ваня выиграл своим первым ходом после неудачного первого хода Пети. Назовите минимальное значение S, при котором это </a:t>
-            </a:r>
-            <a:r>
-              <a:rPr lang="ru-RU" sz="2000" dirty="0" smtClean="0"/>
-              <a:t>возможно.</a:t>
-            </a:r>
-            <a:endParaRPr lang="ru-RU" sz="2000" dirty="0"/>
-          </a:p>
-          <a:p>
-            <a:r>
-              <a:rPr lang="ru-RU" sz="2000" b="1" dirty="0" smtClean="0"/>
-              <a:t>Задание </a:t>
-            </a:r>
-            <a:r>
-              <a:rPr lang="ru-RU" sz="2000" b="1" dirty="0"/>
-              <a:t>20</a:t>
-            </a:r>
-            <a:r>
-              <a:rPr lang="ru-RU" sz="2000" dirty="0"/>
-              <a:t>.</a:t>
-            </a:r>
-            <a:r>
-              <a:rPr lang="ru-RU" sz="2000" b="1" dirty="0"/>
-              <a:t> </a:t>
-            </a:r>
-            <a:r>
-              <a:rPr lang="ru-RU" sz="2000" dirty="0"/>
-              <a:t>Найдите два таких значения S, при которых у Пети есть выигрышная стратегия, причём Петя не может выиграть первым ходом, но может выиграть своим вторым ходом независимо от того, как будет ходить Ваня. Найденные значения запишите в ответе в порядке возрастания</a:t>
-            </a:r>
-            <a:r>
-              <a:rPr lang="ru-RU" sz="2000" dirty="0" smtClean="0"/>
-              <a:t>.</a:t>
-            </a:r>
-          </a:p>
-          <a:p>
-            <a:r>
-              <a:rPr lang="ru-RU" sz="2000" b="1" dirty="0"/>
-              <a:t/>
-            </a:r>
-            <a:br>
-              <a:rPr lang="ru-RU" sz="2000" b="1" dirty="0"/>
-            </a:br>
-            <a:r>
-              <a:rPr lang="ru-RU" sz="2000" b="1" dirty="0"/>
-              <a:t>Задание 21</a:t>
-            </a:r>
-            <a:r>
-              <a:rPr lang="ru-RU" sz="2000" dirty="0"/>
-              <a:t>. Укажите минимальное значение S, при котором у Вани есть выигрышная стратегия, позволяющая ему выиграть первым или вторым ходом при любой игре Пети, и при этом у Вани нет стратегии, которая позволит ему гарантированно выиграть первым ходом.</a:t>
-            </a:r>
-          </a:p>
-          <a:p>
-            <a:endParaRPr lang="ru-RU" dirty="0"/>
-          </a:p>
-        </p:txBody>
-      </p:sp>
-    </p:spTree>
-    <p:extLst>
-      <p:ext uri="{BB962C8B-B14F-4D97-AF65-F5344CB8AC3E}">
-        <p14:creationId xmlns:p14="http://schemas.microsoft.com/office/powerpoint/2010/main" val="1675576619"/>
-      </p:ext>
-    </p:extLst>
-  </p:cSld>
-  <p:clrMapOvr>
-    <a:masterClrMapping/>
-  </p:clrMapOvr>
-  <p:timing>
-    <p:tnLst>
-      <p:par>
-        <p:cTn id="1" dur="indefinite" restart="never" nodeType="tmRoot"/>
-      </p:par>
-    </p:tnLst>
-  </p:timing>
-</p:sld>
-</file>
-
-<file path=ppt/slides/slide13.xml><?xml version="1.0" encoding="utf-8"?>
-<p:sld xmlns:a="http://schemas.openxmlformats.org/drawingml/2006/main" xmlns:r="http://schemas.openxmlformats.org/officeDocument/2006/relationships" xmlns:p="http://schemas.openxmlformats.org/presentationml/2006/main">
-  <p:cSld>
-    <p:spTree>
-      <p:nvGrpSpPr>
-        <p:cNvPr id="1" name=""/>
-        <p:cNvGrpSpPr/>
-        <p:nvPr/>
-      </p:nvGrpSpPr>
-      <p:grpSpPr>
-        <a:xfrm>
-          <a:off x="0" y="0"/>
-          <a:ext cx="0" cy="0"/>
-          <a:chOff x="0" y="0"/>
-          <a:chExt cx="0" cy="0"/>
-        </a:xfrm>
-      </p:grpSpPr>
-      <p:pic>
-        <p:nvPicPr>
-          <p:cNvPr id="5" name="Рисунок 4"/>
-          <p:cNvPicPr/>
-          <p:nvPr/>
-        </p:nvPicPr>
-        <p:blipFill>
-          <a:blip r:embed="rId2"/>
-          <a:stretch>
-            <a:fillRect/>
-          </a:stretch>
-        </p:blipFill>
-        <p:spPr>
-          <a:xfrm>
-            <a:off x="2280156" y="1213337"/>
-            <a:ext cx="6974463" cy="1822828"/>
-          </a:xfrm>
-          <a:prstGeom prst="rect">
-            <a:avLst/>
-          </a:prstGeom>
-        </p:spPr>
-      </p:pic>
-      <p:sp>
-        <p:nvSpPr>
-          <p:cNvPr id="6" name="Заголовок 1"/>
-          <p:cNvSpPr>
-            <a:spLocks noGrp="1"/>
-          </p:cNvSpPr>
-          <p:nvPr>
-            <p:ph type="title"/>
-          </p:nvPr>
-        </p:nvSpPr>
-        <p:spPr>
-          <a:xfrm>
-            <a:off x="0" y="0"/>
-            <a:ext cx="11534776" cy="1213338"/>
-          </a:xfrm>
-        </p:spPr>
-        <p:txBody>
-          <a:bodyPr>
-            <a:normAutofit/>
-          </a:bodyPr>
-          <a:lstStyle/>
-          <a:p>
-            <a:r>
-              <a:rPr lang="ru-RU" sz="4400" dirty="0"/>
-              <a:t>Самый распространенный способ </a:t>
-            </a:r>
-            <a:r>
-              <a:rPr lang="ru-RU" sz="4400" dirty="0" smtClean="0"/>
-              <a:t>решения</a:t>
-            </a:r>
-            <a:endParaRPr lang="ru-RU" sz="4400" dirty="0"/>
-          </a:p>
-        </p:txBody>
-      </p:sp>
-      <p:sp>
-        <p:nvSpPr>
-          <p:cNvPr id="9" name="Объект 2"/>
-          <p:cNvSpPr>
-            <a:spLocks noGrp="1"/>
-          </p:cNvSpPr>
-          <p:nvPr>
-            <p:ph idx="1"/>
-          </p:nvPr>
-        </p:nvSpPr>
-        <p:spPr>
-          <a:xfrm>
-            <a:off x="0" y="3074155"/>
-            <a:ext cx="12192000" cy="3783845"/>
-          </a:xfrm>
-        </p:spPr>
-        <p:txBody>
-          <a:bodyPr>
-            <a:normAutofit/>
-          </a:bodyPr>
-          <a:lstStyle/>
-          <a:p>
-            <a:r>
-              <a:rPr lang="ru-RU" sz="2000" dirty="0"/>
-              <a:t>Функция f принимает 3 аргумента: x - число камней в первой куче, y - число камней во второй куче, h - чей ход (1 - начало игры, 2 - ход Пети, 3 - ход Вани, 4 - ход Пети и т.д.)</a:t>
-            </a:r>
-          </a:p>
-          <a:p>
-            <a:r>
-              <a:rPr lang="ru-RU" sz="2000" dirty="0"/>
-              <a:t>Строки 2-3. Если число камней в двух кучах больше или равно 69 и ход Вани, то вернуть истину.</a:t>
-            </a:r>
-          </a:p>
-          <a:p>
-            <a:r>
-              <a:rPr lang="ru-RU" sz="2000" dirty="0"/>
-              <a:t>Строки 4-5. Если ход Вани, но число камней в куче меньше 69, то вернуть ложь.</a:t>
-            </a:r>
-          </a:p>
-          <a:p>
-            <a:r>
-              <a:rPr lang="ru-RU" sz="2000" dirty="0"/>
-              <a:t>Строки 6-7. Если выиграл кто-то раньше, чем ход Вани, то вернуть ложь.</a:t>
-            </a:r>
-          </a:p>
-          <a:p>
-            <a:r>
-              <a:rPr lang="ru-RU" sz="2000" dirty="0"/>
-              <a:t>Строка 8. Продолжаем игру: функция вызывает саму себя по четырем направлениям, увеличивая при этом ход. Функция OR служит связкой этих направлений и означает "Хотя бы одно из этих направлений должно выдать истину". Если бы в условии было сказано, что "Ваня должен выиграть своим первым ходом при любом ходе Пети", то мы бы использовали функцию AND вместо OR.</a:t>
-            </a:r>
-          </a:p>
-          <a:p>
-            <a:r>
-              <a:rPr lang="ru-RU" sz="2000" dirty="0"/>
-              <a:t>Строки 10-12. Подбираем число X (число камней в первой куче), если при таком значении функция выдает истину, печатаем его. (Промежуток, который указан в коде, мы взяли не из головы, а из задачи)</a:t>
-            </a:r>
-          </a:p>
-          <a:p>
-            <a:endParaRPr lang="ru-RU" dirty="0"/>
-          </a:p>
-        </p:txBody>
-      </p:sp>
-      <p:sp>
-        <p:nvSpPr>
-          <p:cNvPr id="10" name="Объект 2"/>
-          <p:cNvSpPr txBox="1">
-            <a:spLocks/>
-          </p:cNvSpPr>
-          <p:nvPr/>
-        </p:nvSpPr>
-        <p:spPr>
-          <a:xfrm>
-            <a:off x="0" y="1024192"/>
-            <a:ext cx="1948962" cy="378291"/>
-          </a:xfrm>
-          <a:prstGeom prst="rect">
-            <a:avLst/>
-          </a:prstGeom>
-        </p:spPr>
-        <p:txBody>
-          <a:bodyPr vert="horz" lIns="91440" tIns="45720" rIns="91440" bIns="45720" rtlCol="0">
-            <a:normAutofit lnSpcReduction="10000"/>
-          </a:bodyPr>
-          <a:lstStyle>
-            <a:lvl1pPr marL="91440" indent="-91440" algn="l" defTabSz="914400" rtl="0" eaLnBrk="1" latinLnBrk="0" hangingPunct="1">
-              <a:lnSpc>
-                <a:spcPct val="85000"/>
-              </a:lnSpc>
-              <a:spcBef>
-                <a:spcPts val="1300"/>
-              </a:spcBef>
-              <a:buFont typeface="Arial" pitchFamily="34" charset="0"/>
-              <a:buChar char=" "/>
-              <a:defRPr sz="2400" kern="1200">
-                <a:solidFill>
-                  <a:schemeClr val="tx1">
-                    <a:lumMod val="85000"/>
-                    <a:lumOff val="15000"/>
-                  </a:schemeClr>
-                </a:solidFill>
-                <a:latin typeface="+mn-lt"/>
-                <a:ea typeface="+mn-ea"/>
-                <a:cs typeface="+mn-cs"/>
-              </a:defRPr>
-            </a:lvl1pPr>
-            <a:lvl2pPr marL="347472" indent="-342900" algn="l" defTabSz="914400" rtl="0" eaLnBrk="1" latinLnBrk="0" hangingPunct="1">
-              <a:lnSpc>
-                <a:spcPct val="85000"/>
-              </a:lnSpc>
-              <a:spcBef>
-                <a:spcPts val="600"/>
-              </a:spcBef>
-              <a:buFont typeface="Arial" pitchFamily="34" charset="0"/>
-              <a:buChar char=" "/>
-              <a:defRPr sz="2400" kern="1200">
-                <a:solidFill>
-                  <a:schemeClr val="tx1">
-                    <a:lumMod val="85000"/>
-                    <a:lumOff val="15000"/>
-                  </a:schemeClr>
-                </a:solidFill>
-                <a:latin typeface="+mn-lt"/>
-                <a:ea typeface="+mn-ea"/>
-                <a:cs typeface="+mn-cs"/>
-              </a:defRPr>
-            </a:lvl2pPr>
-            <a:lvl3pPr marL="548640" indent="-548640" algn="l" defTabSz="914400" rtl="0" eaLnBrk="1" latinLnBrk="0" hangingPunct="1">
-              <a:lnSpc>
-                <a:spcPct val="85000"/>
-              </a:lnSpc>
-              <a:spcBef>
-                <a:spcPts val="600"/>
-              </a:spcBef>
-              <a:buFont typeface="Arial" pitchFamily="34" charset="0"/>
-              <a:buChar char=" "/>
-              <a:defRPr sz="2000" i="1" kern="1200">
-                <a:solidFill>
-                  <a:schemeClr val="tx1">
-                    <a:lumMod val="85000"/>
-                    <a:lumOff val="15000"/>
-                  </a:schemeClr>
-                </a:solidFill>
-                <a:latin typeface="+mn-lt"/>
-                <a:ea typeface="+mn-ea"/>
-                <a:cs typeface="+mn-cs"/>
-              </a:defRPr>
-            </a:lvl3pPr>
-            <a:lvl4pPr marL="822960" indent="-822960" algn="l" defTabSz="914400" rtl="0" eaLnBrk="1" latinLnBrk="0" hangingPunct="1">
-              <a:lnSpc>
-                <a:spcPct val="85000"/>
-              </a:lnSpc>
-              <a:spcBef>
-                <a:spcPts val="600"/>
-              </a:spcBef>
-              <a:buFont typeface="Arial" pitchFamily="34" charset="0"/>
-              <a:buChar char=" "/>
-              <a:defRPr sz="1800" kern="1200">
-                <a:solidFill>
-                  <a:schemeClr val="tx1">
-                    <a:lumMod val="85000"/>
-                    <a:lumOff val="15000"/>
-                  </a:schemeClr>
-                </a:solidFill>
-                <a:latin typeface="+mn-lt"/>
-                <a:ea typeface="+mn-ea"/>
-                <a:cs typeface="+mn-cs"/>
-              </a:defRPr>
-            </a:lvl4pPr>
-            <a:lvl5pPr marL="1097280" indent="-1097280" algn="l" defTabSz="914400" rtl="0" eaLnBrk="1" latinLnBrk="0" hangingPunct="1">
-              <a:lnSpc>
-                <a:spcPct val="85000"/>
-              </a:lnSpc>
-              <a:spcBef>
-                <a:spcPts val="600"/>
-              </a:spcBef>
-              <a:buFont typeface="Arial" pitchFamily="34" charset="0"/>
-              <a:buChar char=" "/>
-              <a:defRPr sz="1800" kern="1200">
-                <a:solidFill>
-                  <a:schemeClr val="tx1">
-                    <a:lumMod val="85000"/>
-                    <a:lumOff val="15000"/>
-                  </a:schemeClr>
-                </a:solidFill>
-                <a:latin typeface="+mn-lt"/>
-                <a:ea typeface="+mn-ea"/>
-                <a:cs typeface="+mn-cs"/>
-              </a:defRPr>
-            </a:lvl5pPr>
-            <a:lvl6pPr marL="1200000" indent="-228600" algn="l" defTabSz="914400" rtl="0" eaLnBrk="1" latinLnBrk="0" hangingPunct="1">
-              <a:lnSpc>
-                <a:spcPct val="85000"/>
-              </a:lnSpc>
-              <a:spcBef>
-                <a:spcPts val="600"/>
-              </a:spcBef>
-              <a:buFont typeface="Arial" pitchFamily="34" charset="0"/>
-              <a:buChar char=" "/>
-              <a:defRPr sz="1800" kern="1200">
-                <a:solidFill>
-                  <a:schemeClr val="tx1">
-                    <a:lumMod val="85000"/>
-                    <a:lumOff val="15000"/>
-                  </a:schemeClr>
-                </a:solidFill>
-                <a:latin typeface="+mn-lt"/>
-                <a:ea typeface="+mn-ea"/>
-                <a:cs typeface="+mn-cs"/>
-              </a:defRPr>
-            </a:lvl6pPr>
-            <a:lvl7pPr marL="1400000" indent="-228600" algn="l" defTabSz="914400" rtl="0" eaLnBrk="1" latinLnBrk="0" hangingPunct="1">
-              <a:lnSpc>
-                <a:spcPct val="85000"/>
-              </a:lnSpc>
-              <a:spcBef>
-                <a:spcPts val="600"/>
-              </a:spcBef>
-              <a:buFont typeface="Arial" pitchFamily="34" charset="0"/>
-              <a:buChar char=" "/>
-              <a:defRPr sz="1800" kern="1200">
-                <a:solidFill>
-                  <a:schemeClr val="tx1">
-                    <a:lumMod val="85000"/>
-                    <a:lumOff val="15000"/>
-                  </a:schemeClr>
-                </a:solidFill>
-                <a:latin typeface="+mn-lt"/>
-                <a:ea typeface="+mn-ea"/>
-                <a:cs typeface="+mn-cs"/>
-              </a:defRPr>
-            </a:lvl7pPr>
-            <a:lvl8pPr marL="1600000" indent="-228600" algn="l" defTabSz="914400" rtl="0" eaLnBrk="1" latinLnBrk="0" hangingPunct="1">
-              <a:lnSpc>
-                <a:spcPct val="85000"/>
-              </a:lnSpc>
-              <a:spcBef>
-                <a:spcPts val="600"/>
-              </a:spcBef>
-              <a:buFont typeface="Arial" pitchFamily="34" charset="0"/>
-              <a:buChar char=" "/>
-              <a:defRPr sz="1800" kern="1200">
-                <a:solidFill>
-                  <a:schemeClr val="tx1">
-                    <a:lumMod val="85000"/>
-                    <a:lumOff val="15000"/>
-                  </a:schemeClr>
-                </a:solidFill>
-                <a:latin typeface="+mn-lt"/>
-                <a:ea typeface="+mn-ea"/>
-                <a:cs typeface="+mn-cs"/>
-              </a:defRPr>
-            </a:lvl8pPr>
-            <a:lvl9pPr marL="1800000" indent="-228600" algn="l" defTabSz="914400" rtl="0" eaLnBrk="1" latinLnBrk="0" hangingPunct="1">
-              <a:lnSpc>
-                <a:spcPct val="85000"/>
-              </a:lnSpc>
-              <a:spcBef>
-                <a:spcPts val="600"/>
-              </a:spcBef>
-              <a:buFont typeface="Arial" pitchFamily="34" charset="0"/>
-              <a:buChar char=" "/>
-              <a:defRPr sz="1800" kern="1200">
-                <a:solidFill>
-                  <a:schemeClr val="tx1">
-                    <a:lumMod val="85000"/>
-                    <a:lumOff val="15000"/>
-                  </a:schemeClr>
-                </a:solidFill>
-                <a:latin typeface="+mn-lt"/>
-                <a:ea typeface="+mn-ea"/>
-                <a:cs typeface="+mn-cs"/>
-              </a:defRPr>
-            </a:lvl9pPr>
-          </a:lstStyle>
-          <a:p>
-            <a:r>
-              <a:rPr lang="ru-RU" dirty="0" smtClean="0"/>
-              <a:t>Задание 19.</a:t>
-            </a:r>
-            <a:endParaRPr lang="ru-RU" dirty="0"/>
-          </a:p>
-        </p:txBody>
-      </p:sp>
-    </p:spTree>
-    <p:extLst>
-      <p:ext uri="{BB962C8B-B14F-4D97-AF65-F5344CB8AC3E}">
-        <p14:creationId xmlns:p14="http://schemas.microsoft.com/office/powerpoint/2010/main" val="747862369"/>
-      </p:ext>
-    </p:extLst>
-  </p:cSld>
-  <p:clrMapOvr>
-    <a:masterClrMapping/>
-  </p:clrMapOvr>
-  <p:timing>
-    <p:tnLst>
-      <p:par>
-        <p:cTn id="1" dur="indefinite" restart="never" nodeType="tmRoot"/>
-      </p:par>
-    </p:tnLst>
-  </p:timing>
-</p:sld>
-</file>
-
-<file path=ppt/slides/slide14.xml><?xml version="1.0" encoding="utf-8"?>
-<p:sld xmlns:a="http://schemas.openxmlformats.org/drawingml/2006/main" xmlns:r="http://schemas.openxmlformats.org/officeDocument/2006/relationships" xmlns:p="http://schemas.openxmlformats.org/presentationml/2006/main">
-  <p:cSld>
-    <p:spTree>
-      <p:nvGrpSpPr>
-        <p:cNvPr id="1" name=""/>
-        <p:cNvGrpSpPr/>
-        <p:nvPr/>
-      </p:nvGrpSpPr>
-      <p:grpSpPr>
-        <a:xfrm>
-          <a:off x="0" y="0"/>
-          <a:ext cx="0" cy="0"/>
-          <a:chOff x="0" y="0"/>
-          <a:chExt cx="0" cy="0"/>
-        </a:xfrm>
-      </p:grpSpPr>
-      <p:sp>
-        <p:nvSpPr>
-          <p:cNvPr id="6" name="Заголовок 1"/>
-          <p:cNvSpPr>
-            <a:spLocks noGrp="1"/>
-          </p:cNvSpPr>
-          <p:nvPr>
-            <p:ph type="title"/>
-          </p:nvPr>
-        </p:nvSpPr>
-        <p:spPr>
-          <a:xfrm>
-            <a:off x="0" y="0"/>
-            <a:ext cx="11534776" cy="1213338"/>
-          </a:xfrm>
-        </p:spPr>
-        <p:txBody>
-          <a:bodyPr>
-            <a:normAutofit/>
-          </a:bodyPr>
-          <a:lstStyle/>
-          <a:p>
-            <a:r>
-              <a:rPr lang="ru-RU" sz="4400" dirty="0"/>
-              <a:t>Самый распространенный способ </a:t>
-            </a:r>
-            <a:r>
-              <a:rPr lang="ru-RU" sz="4400" dirty="0" smtClean="0"/>
-              <a:t>решения</a:t>
-            </a:r>
-            <a:endParaRPr lang="ru-RU" sz="4400" dirty="0"/>
-          </a:p>
-        </p:txBody>
-      </p:sp>
-      <p:sp>
-        <p:nvSpPr>
-          <p:cNvPr id="9" name="Объект 2"/>
-          <p:cNvSpPr>
-            <a:spLocks noGrp="1"/>
-          </p:cNvSpPr>
-          <p:nvPr>
-            <p:ph idx="1"/>
-          </p:nvPr>
-        </p:nvSpPr>
-        <p:spPr>
-          <a:xfrm>
-            <a:off x="0" y="3962178"/>
-            <a:ext cx="12058827" cy="2895822"/>
-          </a:xfrm>
-        </p:spPr>
-        <p:txBody>
-          <a:bodyPr>
-            <a:normAutofit/>
-          </a:bodyPr>
-          <a:lstStyle/>
-          <a:p>
-            <a:r>
-              <a:rPr lang="ru-RU" dirty="0"/>
-              <a:t>Для ответа на второй вопрос нужно изменить код нашей программы. Петя должен выиграть вторым ходом (h == 4)! “…два значения S… Петя не может выиграть первым ходом, но может выиграть своим вторым ходом независимо от того, как будет ходить Ваня…”</a:t>
-            </a:r>
-          </a:p>
-          <a:p>
-            <a:r>
-              <a:rPr lang="ru-RU" dirty="0"/>
-              <a:t>Значит, что Петя ходит как ему нужно (достаточно одного правильного хода из четырёх), а Ваня - как ему вздумается (все четыре хода должны привести Петю к выигрышу). Ходы Пети чётные (2, 4), ходы Вани - нечётные (3, 5). Значит после нечётного h (после Вани ходит Петя) мы будем использовать "или" (OR), а после чётного - "и" (AND). </a:t>
-            </a:r>
-          </a:p>
-          <a:p>
-            <a:endParaRPr lang="ru-RU" dirty="0"/>
-          </a:p>
-        </p:txBody>
-      </p:sp>
-      <p:pic>
-        <p:nvPicPr>
-          <p:cNvPr id="7" name="Рисунок 6"/>
-          <p:cNvPicPr/>
-          <p:nvPr/>
-        </p:nvPicPr>
-        <p:blipFill>
-          <a:blip r:embed="rId2"/>
-          <a:stretch>
-            <a:fillRect/>
-          </a:stretch>
-        </p:blipFill>
-        <p:spPr>
-          <a:xfrm>
-            <a:off x="1948962" y="1616497"/>
-            <a:ext cx="8018392" cy="2131666"/>
-          </a:xfrm>
-          <a:prstGeom prst="rect">
-            <a:avLst/>
-          </a:prstGeom>
-        </p:spPr>
-      </p:pic>
-      <p:sp>
-        <p:nvSpPr>
-          <p:cNvPr id="8" name="Объект 2"/>
-          <p:cNvSpPr txBox="1">
-            <a:spLocks/>
-          </p:cNvSpPr>
-          <p:nvPr/>
-        </p:nvSpPr>
-        <p:spPr>
-          <a:xfrm>
-            <a:off x="0" y="1024192"/>
-            <a:ext cx="1948962" cy="378291"/>
-          </a:xfrm>
-          <a:prstGeom prst="rect">
-            <a:avLst/>
-          </a:prstGeom>
-        </p:spPr>
-        <p:txBody>
-          <a:bodyPr vert="horz" lIns="91440" tIns="45720" rIns="91440" bIns="45720" rtlCol="0">
-            <a:normAutofit lnSpcReduction="10000"/>
-          </a:bodyPr>
-          <a:lstStyle>
-            <a:lvl1pPr marL="91440" indent="-91440" algn="l" defTabSz="914400" rtl="0" eaLnBrk="1" latinLnBrk="0" hangingPunct="1">
-              <a:lnSpc>
-                <a:spcPct val="85000"/>
-              </a:lnSpc>
-              <a:spcBef>
-                <a:spcPts val="1300"/>
-              </a:spcBef>
-              <a:buFont typeface="Arial" pitchFamily="34" charset="0"/>
-              <a:buChar char=" "/>
-              <a:defRPr sz="2400" kern="1200">
-                <a:solidFill>
-                  <a:schemeClr val="tx1">
-                    <a:lumMod val="85000"/>
-                    <a:lumOff val="15000"/>
-                  </a:schemeClr>
-                </a:solidFill>
-                <a:latin typeface="+mn-lt"/>
-                <a:ea typeface="+mn-ea"/>
-                <a:cs typeface="+mn-cs"/>
-              </a:defRPr>
-            </a:lvl1pPr>
-            <a:lvl2pPr marL="347472" indent="-342900" algn="l" defTabSz="914400" rtl="0" eaLnBrk="1" latinLnBrk="0" hangingPunct="1">
-              <a:lnSpc>
-                <a:spcPct val="85000"/>
-              </a:lnSpc>
-              <a:spcBef>
-                <a:spcPts val="600"/>
-              </a:spcBef>
-              <a:buFont typeface="Arial" pitchFamily="34" charset="0"/>
-              <a:buChar char=" "/>
-              <a:defRPr sz="2400" kern="1200">
-                <a:solidFill>
-                  <a:schemeClr val="tx1">
-                    <a:lumMod val="85000"/>
-                    <a:lumOff val="15000"/>
-                  </a:schemeClr>
-                </a:solidFill>
-                <a:latin typeface="+mn-lt"/>
-                <a:ea typeface="+mn-ea"/>
-                <a:cs typeface="+mn-cs"/>
-              </a:defRPr>
-            </a:lvl2pPr>
-            <a:lvl3pPr marL="548640" indent="-548640" algn="l" defTabSz="914400" rtl="0" eaLnBrk="1" latinLnBrk="0" hangingPunct="1">
-              <a:lnSpc>
-                <a:spcPct val="85000"/>
-              </a:lnSpc>
-              <a:spcBef>
-                <a:spcPts val="600"/>
-              </a:spcBef>
-              <a:buFont typeface="Arial" pitchFamily="34" charset="0"/>
-              <a:buChar char=" "/>
-              <a:defRPr sz="2000" i="1" kern="1200">
-                <a:solidFill>
-                  <a:schemeClr val="tx1">
-                    <a:lumMod val="85000"/>
-                    <a:lumOff val="15000"/>
-                  </a:schemeClr>
-                </a:solidFill>
-                <a:latin typeface="+mn-lt"/>
-                <a:ea typeface="+mn-ea"/>
-                <a:cs typeface="+mn-cs"/>
-              </a:defRPr>
-            </a:lvl3pPr>
-            <a:lvl4pPr marL="822960" indent="-822960" algn="l" defTabSz="914400" rtl="0" eaLnBrk="1" latinLnBrk="0" hangingPunct="1">
-              <a:lnSpc>
-                <a:spcPct val="85000"/>
-              </a:lnSpc>
-              <a:spcBef>
-                <a:spcPts val="600"/>
-              </a:spcBef>
-              <a:buFont typeface="Arial" pitchFamily="34" charset="0"/>
-              <a:buChar char=" "/>
-              <a:defRPr sz="1800" kern="1200">
-                <a:solidFill>
-                  <a:schemeClr val="tx1">
-                    <a:lumMod val="85000"/>
-                    <a:lumOff val="15000"/>
-                  </a:schemeClr>
-                </a:solidFill>
-                <a:latin typeface="+mn-lt"/>
-                <a:ea typeface="+mn-ea"/>
-                <a:cs typeface="+mn-cs"/>
-              </a:defRPr>
-            </a:lvl4pPr>
-            <a:lvl5pPr marL="1097280" indent="-1097280" algn="l" defTabSz="914400" rtl="0" eaLnBrk="1" latinLnBrk="0" hangingPunct="1">
-              <a:lnSpc>
-                <a:spcPct val="85000"/>
-              </a:lnSpc>
-              <a:spcBef>
-                <a:spcPts val="600"/>
-              </a:spcBef>
-              <a:buFont typeface="Arial" pitchFamily="34" charset="0"/>
-              <a:buChar char=" "/>
-              <a:defRPr sz="1800" kern="1200">
-                <a:solidFill>
-                  <a:schemeClr val="tx1">
-                    <a:lumMod val="85000"/>
-                    <a:lumOff val="15000"/>
-                  </a:schemeClr>
-                </a:solidFill>
-                <a:latin typeface="+mn-lt"/>
-                <a:ea typeface="+mn-ea"/>
-                <a:cs typeface="+mn-cs"/>
-              </a:defRPr>
-            </a:lvl5pPr>
-            <a:lvl6pPr marL="1200000" indent="-228600" algn="l" defTabSz="914400" rtl="0" eaLnBrk="1" latinLnBrk="0" hangingPunct="1">
-              <a:lnSpc>
-                <a:spcPct val="85000"/>
-              </a:lnSpc>
-              <a:spcBef>
-                <a:spcPts val="600"/>
-              </a:spcBef>
-              <a:buFont typeface="Arial" pitchFamily="34" charset="0"/>
-              <a:buChar char=" "/>
-              <a:defRPr sz="1800" kern="1200">
-                <a:solidFill>
-                  <a:schemeClr val="tx1">
-                    <a:lumMod val="85000"/>
-                    <a:lumOff val="15000"/>
-                  </a:schemeClr>
-                </a:solidFill>
-                <a:latin typeface="+mn-lt"/>
-                <a:ea typeface="+mn-ea"/>
-                <a:cs typeface="+mn-cs"/>
-              </a:defRPr>
-            </a:lvl6pPr>
-            <a:lvl7pPr marL="1400000" indent="-228600" algn="l" defTabSz="914400" rtl="0" eaLnBrk="1" latinLnBrk="0" hangingPunct="1">
-              <a:lnSpc>
-                <a:spcPct val="85000"/>
-              </a:lnSpc>
-              <a:spcBef>
-                <a:spcPts val="600"/>
-              </a:spcBef>
-              <a:buFont typeface="Arial" pitchFamily="34" charset="0"/>
-              <a:buChar char=" "/>
-              <a:defRPr sz="1800" kern="1200">
-                <a:solidFill>
-                  <a:schemeClr val="tx1">
-                    <a:lumMod val="85000"/>
-                    <a:lumOff val="15000"/>
-                  </a:schemeClr>
-                </a:solidFill>
-                <a:latin typeface="+mn-lt"/>
-                <a:ea typeface="+mn-ea"/>
-                <a:cs typeface="+mn-cs"/>
-              </a:defRPr>
-            </a:lvl7pPr>
-            <a:lvl8pPr marL="1600000" indent="-228600" algn="l" defTabSz="914400" rtl="0" eaLnBrk="1" latinLnBrk="0" hangingPunct="1">
-              <a:lnSpc>
-                <a:spcPct val="85000"/>
-              </a:lnSpc>
-              <a:spcBef>
-                <a:spcPts val="600"/>
-              </a:spcBef>
-              <a:buFont typeface="Arial" pitchFamily="34" charset="0"/>
-              <a:buChar char=" "/>
-              <a:defRPr sz="1800" kern="1200">
-                <a:solidFill>
-                  <a:schemeClr val="tx1">
-                    <a:lumMod val="85000"/>
-                    <a:lumOff val="15000"/>
-                  </a:schemeClr>
-                </a:solidFill>
-                <a:latin typeface="+mn-lt"/>
-                <a:ea typeface="+mn-ea"/>
-                <a:cs typeface="+mn-cs"/>
-              </a:defRPr>
-            </a:lvl8pPr>
-            <a:lvl9pPr marL="1800000" indent="-228600" algn="l" defTabSz="914400" rtl="0" eaLnBrk="1" latinLnBrk="0" hangingPunct="1">
-              <a:lnSpc>
-                <a:spcPct val="85000"/>
-              </a:lnSpc>
-              <a:spcBef>
-                <a:spcPts val="600"/>
-              </a:spcBef>
-              <a:buFont typeface="Arial" pitchFamily="34" charset="0"/>
-              <a:buChar char=" "/>
-              <a:defRPr sz="1800" kern="1200">
-                <a:solidFill>
-                  <a:schemeClr val="tx1">
-                    <a:lumMod val="85000"/>
-                    <a:lumOff val="15000"/>
-                  </a:schemeClr>
-                </a:solidFill>
-                <a:latin typeface="+mn-lt"/>
-                <a:ea typeface="+mn-ea"/>
-                <a:cs typeface="+mn-cs"/>
-              </a:defRPr>
-            </a:lvl9pPr>
-          </a:lstStyle>
-          <a:p>
-            <a:r>
-              <a:rPr lang="ru-RU" dirty="0" smtClean="0"/>
-              <a:t>Задание 20.</a:t>
-            </a:r>
-            <a:endParaRPr lang="ru-RU" dirty="0"/>
-          </a:p>
-        </p:txBody>
-      </p:sp>
-    </p:spTree>
-    <p:extLst>
-      <p:ext uri="{BB962C8B-B14F-4D97-AF65-F5344CB8AC3E}">
-        <p14:creationId xmlns:p14="http://schemas.microsoft.com/office/powerpoint/2010/main" val="2540117931"/>
-      </p:ext>
-    </p:extLst>
-  </p:cSld>
-  <p:clrMapOvr>
-    <a:masterClrMapping/>
-  </p:clrMapOvr>
-  <p:timing>
-    <p:tnLst>
-      <p:par>
-        <p:cTn id="1" dur="indefinite" restart="never" nodeType="tmRoot"/>
-      </p:par>
-    </p:tnLst>
-  </p:timing>
-</p:sld>
-</file>
-
-<file path=ppt/slides/slide15.xml><?xml version="1.0" encoding="utf-8"?>
-<p:sld xmlns:a="http://schemas.openxmlformats.org/drawingml/2006/main" xmlns:r="http://schemas.openxmlformats.org/officeDocument/2006/relationships" xmlns:p="http://schemas.openxmlformats.org/presentationml/2006/main">
-  <p:cSld>
-    <p:spTree>
-      <p:nvGrpSpPr>
-        <p:cNvPr id="1" name=""/>
-        <p:cNvGrpSpPr/>
-        <p:nvPr/>
-      </p:nvGrpSpPr>
-      <p:grpSpPr>
-        <a:xfrm>
-          <a:off x="0" y="0"/>
-          <a:ext cx="0" cy="0"/>
-          <a:chOff x="0" y="0"/>
-          <a:chExt cx="0" cy="0"/>
-        </a:xfrm>
-      </p:grpSpPr>
-      <p:sp>
-        <p:nvSpPr>
-          <p:cNvPr id="6" name="Заголовок 1"/>
-          <p:cNvSpPr>
-            <a:spLocks noGrp="1"/>
-          </p:cNvSpPr>
-          <p:nvPr>
-            <p:ph type="title"/>
-          </p:nvPr>
-        </p:nvSpPr>
-        <p:spPr>
-          <a:xfrm>
-            <a:off x="0" y="0"/>
-            <a:ext cx="11534776" cy="1213338"/>
-          </a:xfrm>
-        </p:spPr>
-        <p:txBody>
-          <a:bodyPr>
-            <a:normAutofit/>
-          </a:bodyPr>
-          <a:lstStyle/>
-          <a:p>
-            <a:r>
-              <a:rPr lang="ru-RU" sz="4400" dirty="0"/>
-              <a:t>Самый распространенный способ </a:t>
-            </a:r>
-            <a:r>
-              <a:rPr lang="ru-RU" sz="4400" dirty="0" smtClean="0"/>
-              <a:t>решения</a:t>
-            </a:r>
-            <a:endParaRPr lang="ru-RU" sz="4400" dirty="0"/>
-          </a:p>
-        </p:txBody>
-      </p:sp>
-      <p:sp>
-        <p:nvSpPr>
-          <p:cNvPr id="9" name="Объект 2"/>
-          <p:cNvSpPr>
-            <a:spLocks noGrp="1"/>
-          </p:cNvSpPr>
-          <p:nvPr>
-            <p:ph idx="1"/>
-          </p:nvPr>
-        </p:nvSpPr>
-        <p:spPr>
-          <a:xfrm>
-            <a:off x="0" y="4151160"/>
-            <a:ext cx="12058827" cy="2706839"/>
-          </a:xfrm>
-        </p:spPr>
-        <p:txBody>
-          <a:bodyPr>
-            <a:normAutofit/>
-          </a:bodyPr>
-          <a:lstStyle/>
-          <a:p>
-            <a:r>
-              <a:rPr lang="ru-RU" dirty="0"/>
-              <a:t>Теперь мы должен выиграть Ваня первым или вторым ходом (h == 3 или h == 5). Значит, Ваня ходит так, как ему нужно, а Петя - как ему вздумается. Ваня ходит после чётного (</a:t>
-            </a:r>
-          </a:p>
-          <a:p>
-            <a:r>
-              <a:rPr lang="ru-RU" dirty="0"/>
-              <a:t>1-Исходное; 2-Петя; 3-Ваня…, таким образом, если h чётный, то пишем "или", а если нечётный - "и".</a:t>
-            </a:r>
-          </a:p>
-          <a:p>
-            <a:endParaRPr lang="ru-RU" dirty="0"/>
-          </a:p>
-        </p:txBody>
-      </p:sp>
-      <p:sp>
-        <p:nvSpPr>
-          <p:cNvPr id="8" name="Объект 2"/>
-          <p:cNvSpPr txBox="1">
-            <a:spLocks/>
-          </p:cNvSpPr>
-          <p:nvPr/>
-        </p:nvSpPr>
-        <p:spPr>
-          <a:xfrm>
-            <a:off x="0" y="1024192"/>
-            <a:ext cx="1948962" cy="378291"/>
-          </a:xfrm>
-          <a:prstGeom prst="rect">
-            <a:avLst/>
-          </a:prstGeom>
-        </p:spPr>
-        <p:txBody>
-          <a:bodyPr vert="horz" lIns="91440" tIns="45720" rIns="91440" bIns="45720" rtlCol="0">
-            <a:normAutofit lnSpcReduction="10000"/>
-          </a:bodyPr>
-          <a:lstStyle>
-            <a:lvl1pPr marL="91440" indent="-91440" algn="l" defTabSz="914400" rtl="0" eaLnBrk="1" latinLnBrk="0" hangingPunct="1">
-              <a:lnSpc>
-                <a:spcPct val="85000"/>
-              </a:lnSpc>
-              <a:spcBef>
-                <a:spcPts val="1300"/>
-              </a:spcBef>
-              <a:buFont typeface="Arial" pitchFamily="34" charset="0"/>
-              <a:buChar char=" "/>
-              <a:defRPr sz="2400" kern="1200">
-                <a:solidFill>
-                  <a:schemeClr val="tx1">
-                    <a:lumMod val="85000"/>
-                    <a:lumOff val="15000"/>
-                  </a:schemeClr>
-                </a:solidFill>
-                <a:latin typeface="+mn-lt"/>
-                <a:ea typeface="+mn-ea"/>
-                <a:cs typeface="+mn-cs"/>
-              </a:defRPr>
-            </a:lvl1pPr>
-            <a:lvl2pPr marL="347472" indent="-342900" algn="l" defTabSz="914400" rtl="0" eaLnBrk="1" latinLnBrk="0" hangingPunct="1">
-              <a:lnSpc>
-                <a:spcPct val="85000"/>
-              </a:lnSpc>
-              <a:spcBef>
-                <a:spcPts val="600"/>
-              </a:spcBef>
-              <a:buFont typeface="Arial" pitchFamily="34" charset="0"/>
-              <a:buChar char=" "/>
-              <a:defRPr sz="2400" kern="1200">
-                <a:solidFill>
-                  <a:schemeClr val="tx1">
-                    <a:lumMod val="85000"/>
-                    <a:lumOff val="15000"/>
-                  </a:schemeClr>
-                </a:solidFill>
-                <a:latin typeface="+mn-lt"/>
-                <a:ea typeface="+mn-ea"/>
-                <a:cs typeface="+mn-cs"/>
-              </a:defRPr>
-            </a:lvl2pPr>
-            <a:lvl3pPr marL="548640" indent="-548640" algn="l" defTabSz="914400" rtl="0" eaLnBrk="1" latinLnBrk="0" hangingPunct="1">
-              <a:lnSpc>
-                <a:spcPct val="85000"/>
-              </a:lnSpc>
-              <a:spcBef>
-                <a:spcPts val="600"/>
-              </a:spcBef>
-              <a:buFont typeface="Arial" pitchFamily="34" charset="0"/>
-              <a:buChar char=" "/>
-              <a:defRPr sz="2000" i="1" kern="1200">
-                <a:solidFill>
-                  <a:schemeClr val="tx1">
-                    <a:lumMod val="85000"/>
-                    <a:lumOff val="15000"/>
-                  </a:schemeClr>
-                </a:solidFill>
-                <a:latin typeface="+mn-lt"/>
-                <a:ea typeface="+mn-ea"/>
-                <a:cs typeface="+mn-cs"/>
-              </a:defRPr>
-            </a:lvl3pPr>
-            <a:lvl4pPr marL="822960" indent="-822960" algn="l" defTabSz="914400" rtl="0" eaLnBrk="1" latinLnBrk="0" hangingPunct="1">
-              <a:lnSpc>
-                <a:spcPct val="85000"/>
-              </a:lnSpc>
-              <a:spcBef>
-                <a:spcPts val="600"/>
-              </a:spcBef>
-              <a:buFont typeface="Arial" pitchFamily="34" charset="0"/>
-              <a:buChar char=" "/>
-              <a:defRPr sz="1800" kern="1200">
-                <a:solidFill>
-                  <a:schemeClr val="tx1">
-                    <a:lumMod val="85000"/>
-                    <a:lumOff val="15000"/>
-                  </a:schemeClr>
-                </a:solidFill>
-                <a:latin typeface="+mn-lt"/>
-                <a:ea typeface="+mn-ea"/>
-                <a:cs typeface="+mn-cs"/>
-              </a:defRPr>
-            </a:lvl4pPr>
-            <a:lvl5pPr marL="1097280" indent="-1097280" algn="l" defTabSz="914400" rtl="0" eaLnBrk="1" latinLnBrk="0" hangingPunct="1">
-              <a:lnSpc>
-                <a:spcPct val="85000"/>
-              </a:lnSpc>
-              <a:spcBef>
-                <a:spcPts val="600"/>
-              </a:spcBef>
-              <a:buFont typeface="Arial" pitchFamily="34" charset="0"/>
-              <a:buChar char=" "/>
-              <a:defRPr sz="1800" kern="1200">
-                <a:solidFill>
-                  <a:schemeClr val="tx1">
-                    <a:lumMod val="85000"/>
-                    <a:lumOff val="15000"/>
-                  </a:schemeClr>
-                </a:solidFill>
-                <a:latin typeface="+mn-lt"/>
-                <a:ea typeface="+mn-ea"/>
-                <a:cs typeface="+mn-cs"/>
-              </a:defRPr>
-            </a:lvl5pPr>
-            <a:lvl6pPr marL="1200000" indent="-228600" algn="l" defTabSz="914400" rtl="0" eaLnBrk="1" latinLnBrk="0" hangingPunct="1">
-              <a:lnSpc>
-                <a:spcPct val="85000"/>
-              </a:lnSpc>
-              <a:spcBef>
-                <a:spcPts val="600"/>
-              </a:spcBef>
-              <a:buFont typeface="Arial" pitchFamily="34" charset="0"/>
-              <a:buChar char=" "/>
-              <a:defRPr sz="1800" kern="1200">
-                <a:solidFill>
-                  <a:schemeClr val="tx1">
-                    <a:lumMod val="85000"/>
-                    <a:lumOff val="15000"/>
-                  </a:schemeClr>
-                </a:solidFill>
-                <a:latin typeface="+mn-lt"/>
-                <a:ea typeface="+mn-ea"/>
-                <a:cs typeface="+mn-cs"/>
-              </a:defRPr>
-            </a:lvl6pPr>
-            <a:lvl7pPr marL="1400000" indent="-228600" algn="l" defTabSz="914400" rtl="0" eaLnBrk="1" latinLnBrk="0" hangingPunct="1">
-              <a:lnSpc>
-                <a:spcPct val="85000"/>
-              </a:lnSpc>
-              <a:spcBef>
-                <a:spcPts val="600"/>
-              </a:spcBef>
-              <a:buFont typeface="Arial" pitchFamily="34" charset="0"/>
-              <a:buChar char=" "/>
-              <a:defRPr sz="1800" kern="1200">
-                <a:solidFill>
-                  <a:schemeClr val="tx1">
-                    <a:lumMod val="85000"/>
-                    <a:lumOff val="15000"/>
-                  </a:schemeClr>
-                </a:solidFill>
-                <a:latin typeface="+mn-lt"/>
-                <a:ea typeface="+mn-ea"/>
-                <a:cs typeface="+mn-cs"/>
-              </a:defRPr>
-            </a:lvl7pPr>
-            <a:lvl8pPr marL="1600000" indent="-228600" algn="l" defTabSz="914400" rtl="0" eaLnBrk="1" latinLnBrk="0" hangingPunct="1">
-              <a:lnSpc>
-                <a:spcPct val="85000"/>
-              </a:lnSpc>
-              <a:spcBef>
-                <a:spcPts val="600"/>
-              </a:spcBef>
-              <a:buFont typeface="Arial" pitchFamily="34" charset="0"/>
-              <a:buChar char=" "/>
-              <a:defRPr sz="1800" kern="1200">
-                <a:solidFill>
-                  <a:schemeClr val="tx1">
-                    <a:lumMod val="85000"/>
-                    <a:lumOff val="15000"/>
-                  </a:schemeClr>
-                </a:solidFill>
-                <a:latin typeface="+mn-lt"/>
-                <a:ea typeface="+mn-ea"/>
-                <a:cs typeface="+mn-cs"/>
-              </a:defRPr>
-            </a:lvl8pPr>
-            <a:lvl9pPr marL="1800000" indent="-228600" algn="l" defTabSz="914400" rtl="0" eaLnBrk="1" latinLnBrk="0" hangingPunct="1">
-              <a:lnSpc>
-                <a:spcPct val="85000"/>
-              </a:lnSpc>
-              <a:spcBef>
-                <a:spcPts val="600"/>
-              </a:spcBef>
-              <a:buFont typeface="Arial" pitchFamily="34" charset="0"/>
-              <a:buChar char=" "/>
-              <a:defRPr sz="1800" kern="1200">
-                <a:solidFill>
-                  <a:schemeClr val="tx1">
-                    <a:lumMod val="85000"/>
-                    <a:lumOff val="15000"/>
-                  </a:schemeClr>
-                </a:solidFill>
-                <a:latin typeface="+mn-lt"/>
-                <a:ea typeface="+mn-ea"/>
-                <a:cs typeface="+mn-cs"/>
-              </a:defRPr>
-            </a:lvl9pPr>
-          </a:lstStyle>
-          <a:p>
-            <a:r>
-              <a:rPr lang="ru-RU" dirty="0" smtClean="0"/>
-              <a:t>Задание 21.</a:t>
-            </a:r>
-            <a:endParaRPr lang="ru-RU" dirty="0"/>
-          </a:p>
-        </p:txBody>
-      </p:sp>
-      <p:pic>
-        <p:nvPicPr>
-          <p:cNvPr id="10" name="Рисунок 9"/>
-          <p:cNvPicPr/>
-          <p:nvPr/>
-        </p:nvPicPr>
-        <p:blipFill>
-          <a:blip r:embed="rId2"/>
-          <a:stretch>
-            <a:fillRect/>
-          </a:stretch>
-        </p:blipFill>
-        <p:spPr>
-          <a:xfrm>
-            <a:off x="1846510" y="1591466"/>
-            <a:ext cx="7841756" cy="2370549"/>
-          </a:xfrm>
-          <a:prstGeom prst="rect">
-            <a:avLst/>
-          </a:prstGeom>
-        </p:spPr>
-      </p:pic>
-    </p:spTree>
-    <p:extLst>
-      <p:ext uri="{BB962C8B-B14F-4D97-AF65-F5344CB8AC3E}">
-        <p14:creationId xmlns:p14="http://schemas.microsoft.com/office/powerpoint/2010/main" val="3149291883"/>
-      </p:ext>
-    </p:extLst>
-  </p:cSld>
-  <p:clrMapOvr>
-    <a:masterClrMapping/>
-  </p:clrMapOvr>
-  <p:timing>
-    <p:tnLst>
-      <p:par>
-        <p:cTn id="1" dur="indefinite" restart="never" nodeType="tmRoot"/>
-      </p:par>
-    </p:tnLst>
-  </p:timing>
-</p:sld>
-</file>
-
-<file path=ppt/slides/slide16.xml><?xml version="1.0" encoding="utf-8"?>
-<p:sld xmlns:a="http://schemas.openxmlformats.org/drawingml/2006/main" xmlns:r="http://schemas.openxmlformats.org/officeDocument/2006/relationships" xmlns:p="http://schemas.openxmlformats.org/presentationml/2006/main">
-  <p:cSld>
-    <p:spTree>
-      <p:nvGrpSpPr>
-        <p:cNvPr id="1" name=""/>
-        <p:cNvGrpSpPr/>
-        <p:nvPr/>
-      </p:nvGrpSpPr>
-      <p:grpSpPr>
-        <a:xfrm>
-          <a:off x="0" y="0"/>
-          <a:ext cx="0" cy="0"/>
-          <a:chOff x="0" y="0"/>
-          <a:chExt cx="0" cy="0"/>
-        </a:xfrm>
-      </p:grpSpPr>
-      <p:sp>
-        <p:nvSpPr>
-          <p:cNvPr id="4" name="Заголовок 3"/>
-          <p:cNvSpPr>
-            <a:spLocks noGrp="1"/>
-          </p:cNvSpPr>
-          <p:nvPr>
-            <p:ph type="title"/>
-          </p:nvPr>
-        </p:nvSpPr>
-        <p:spPr>
-          <a:xfrm>
-            <a:off x="0" y="12409"/>
-            <a:ext cx="10772775" cy="1658198"/>
-          </a:xfrm>
-        </p:spPr>
-        <p:txBody>
-          <a:bodyPr/>
-          <a:lstStyle/>
-          <a:p>
-            <a:r>
-              <a:rPr lang="ru-RU" dirty="0" smtClean="0"/>
-              <a:t>Разница между способами решения</a:t>
-            </a:r>
-            <a:endParaRPr lang="ru-RU" dirty="0"/>
-          </a:p>
-        </p:txBody>
-      </p:sp>
-      <p:sp>
-        <p:nvSpPr>
-          <p:cNvPr id="5" name="Объект 2"/>
-          <p:cNvSpPr txBox="1">
-            <a:spLocks/>
-          </p:cNvSpPr>
-          <p:nvPr/>
-        </p:nvSpPr>
-        <p:spPr>
-          <a:xfrm>
-            <a:off x="1652693" y="1841209"/>
-            <a:ext cx="2761312" cy="520913"/>
-          </a:xfrm>
-          <a:prstGeom prst="rect">
-            <a:avLst/>
-          </a:prstGeom>
-        </p:spPr>
-        <p:txBody>
-          <a:bodyPr vert="horz" lIns="91440" tIns="45720" rIns="91440" bIns="45720" rtlCol="0">
-            <a:normAutofit fontScale="85000" lnSpcReduction="20000"/>
-          </a:bodyPr>
-          <a:lstStyle>
-            <a:lvl1pPr marL="91440" indent="-91440" algn="l" defTabSz="914400" rtl="0" eaLnBrk="1" latinLnBrk="0" hangingPunct="1">
-              <a:lnSpc>
-                <a:spcPct val="85000"/>
-              </a:lnSpc>
-              <a:spcBef>
-                <a:spcPts val="1300"/>
-              </a:spcBef>
-              <a:buFont typeface="Arial" pitchFamily="34" charset="0"/>
-              <a:buChar char=" "/>
-              <a:defRPr sz="2400" kern="1200">
-                <a:solidFill>
-                  <a:schemeClr val="tx1">
-                    <a:lumMod val="85000"/>
-                    <a:lumOff val="15000"/>
-                  </a:schemeClr>
-                </a:solidFill>
-                <a:latin typeface="+mn-lt"/>
-                <a:ea typeface="+mn-ea"/>
-                <a:cs typeface="+mn-cs"/>
-              </a:defRPr>
-            </a:lvl1pPr>
-            <a:lvl2pPr marL="347472" indent="-342900" algn="l" defTabSz="914400" rtl="0" eaLnBrk="1" latinLnBrk="0" hangingPunct="1">
-              <a:lnSpc>
-                <a:spcPct val="85000"/>
-              </a:lnSpc>
-              <a:spcBef>
-                <a:spcPts val="600"/>
-              </a:spcBef>
-              <a:buFont typeface="Arial" pitchFamily="34" charset="0"/>
-              <a:buChar char=" "/>
-              <a:defRPr sz="2400" kern="1200">
-                <a:solidFill>
-                  <a:schemeClr val="tx1">
-                    <a:lumMod val="85000"/>
-                    <a:lumOff val="15000"/>
-                  </a:schemeClr>
-                </a:solidFill>
-                <a:latin typeface="+mn-lt"/>
-                <a:ea typeface="+mn-ea"/>
-                <a:cs typeface="+mn-cs"/>
-              </a:defRPr>
-            </a:lvl2pPr>
-            <a:lvl3pPr marL="548640" indent="-548640" algn="l" defTabSz="914400" rtl="0" eaLnBrk="1" latinLnBrk="0" hangingPunct="1">
-              <a:lnSpc>
-                <a:spcPct val="85000"/>
-              </a:lnSpc>
-              <a:spcBef>
-                <a:spcPts val="600"/>
-              </a:spcBef>
-              <a:buFont typeface="Arial" pitchFamily="34" charset="0"/>
-              <a:buChar char=" "/>
-              <a:defRPr sz="2000" i="1" kern="1200">
-                <a:solidFill>
-                  <a:schemeClr val="tx1">
-                    <a:lumMod val="85000"/>
-                    <a:lumOff val="15000"/>
-                  </a:schemeClr>
-                </a:solidFill>
-                <a:latin typeface="+mn-lt"/>
-                <a:ea typeface="+mn-ea"/>
-                <a:cs typeface="+mn-cs"/>
-              </a:defRPr>
-            </a:lvl3pPr>
-            <a:lvl4pPr marL="822960" indent="-822960" algn="l" defTabSz="914400" rtl="0" eaLnBrk="1" latinLnBrk="0" hangingPunct="1">
-              <a:lnSpc>
-                <a:spcPct val="85000"/>
-              </a:lnSpc>
-              <a:spcBef>
-                <a:spcPts val="600"/>
-              </a:spcBef>
-              <a:buFont typeface="Arial" pitchFamily="34" charset="0"/>
-              <a:buChar char=" "/>
-              <a:defRPr sz="1800" kern="1200">
-                <a:solidFill>
-                  <a:schemeClr val="tx1">
-                    <a:lumMod val="85000"/>
-                    <a:lumOff val="15000"/>
-                  </a:schemeClr>
-                </a:solidFill>
-                <a:latin typeface="+mn-lt"/>
-                <a:ea typeface="+mn-ea"/>
-                <a:cs typeface="+mn-cs"/>
-              </a:defRPr>
-            </a:lvl4pPr>
-            <a:lvl5pPr marL="1097280" indent="-1097280" algn="l" defTabSz="914400" rtl="0" eaLnBrk="1" latinLnBrk="0" hangingPunct="1">
-              <a:lnSpc>
-                <a:spcPct val="85000"/>
-              </a:lnSpc>
-              <a:spcBef>
-                <a:spcPts val="600"/>
-              </a:spcBef>
-              <a:buFont typeface="Arial" pitchFamily="34" charset="0"/>
-              <a:buChar char=" "/>
-              <a:defRPr sz="1800" kern="1200">
-                <a:solidFill>
-                  <a:schemeClr val="tx1">
-                    <a:lumMod val="85000"/>
-                    <a:lumOff val="15000"/>
-                  </a:schemeClr>
-                </a:solidFill>
-                <a:latin typeface="+mn-lt"/>
-                <a:ea typeface="+mn-ea"/>
-                <a:cs typeface="+mn-cs"/>
-              </a:defRPr>
-            </a:lvl5pPr>
-            <a:lvl6pPr marL="1200000" indent="-228600" algn="l" defTabSz="914400" rtl="0" eaLnBrk="1" latinLnBrk="0" hangingPunct="1">
-              <a:lnSpc>
-                <a:spcPct val="85000"/>
-              </a:lnSpc>
-              <a:spcBef>
-                <a:spcPts val="600"/>
-              </a:spcBef>
-              <a:buFont typeface="Arial" pitchFamily="34" charset="0"/>
-              <a:buChar char=" "/>
-              <a:defRPr sz="1800" kern="1200">
-                <a:solidFill>
-                  <a:schemeClr val="tx1">
-                    <a:lumMod val="85000"/>
-                    <a:lumOff val="15000"/>
-                  </a:schemeClr>
-                </a:solidFill>
-                <a:latin typeface="+mn-lt"/>
-                <a:ea typeface="+mn-ea"/>
-                <a:cs typeface="+mn-cs"/>
-              </a:defRPr>
-            </a:lvl6pPr>
-            <a:lvl7pPr marL="1400000" indent="-228600" algn="l" defTabSz="914400" rtl="0" eaLnBrk="1" latinLnBrk="0" hangingPunct="1">
-              <a:lnSpc>
-                <a:spcPct val="85000"/>
-              </a:lnSpc>
-              <a:spcBef>
-                <a:spcPts val="600"/>
-              </a:spcBef>
-              <a:buFont typeface="Arial" pitchFamily="34" charset="0"/>
-              <a:buChar char=" "/>
-              <a:defRPr sz="1800" kern="1200">
-                <a:solidFill>
-                  <a:schemeClr val="tx1">
-                    <a:lumMod val="85000"/>
-                    <a:lumOff val="15000"/>
-                  </a:schemeClr>
-                </a:solidFill>
-                <a:latin typeface="+mn-lt"/>
-                <a:ea typeface="+mn-ea"/>
-                <a:cs typeface="+mn-cs"/>
-              </a:defRPr>
-            </a:lvl7pPr>
-            <a:lvl8pPr marL="1600000" indent="-228600" algn="l" defTabSz="914400" rtl="0" eaLnBrk="1" latinLnBrk="0" hangingPunct="1">
-              <a:lnSpc>
-                <a:spcPct val="85000"/>
-              </a:lnSpc>
-              <a:spcBef>
-                <a:spcPts val="600"/>
-              </a:spcBef>
-              <a:buFont typeface="Arial" pitchFamily="34" charset="0"/>
-              <a:buChar char=" "/>
-              <a:defRPr sz="1800" kern="1200">
-                <a:solidFill>
-                  <a:schemeClr val="tx1">
-                    <a:lumMod val="85000"/>
-                    <a:lumOff val="15000"/>
-                  </a:schemeClr>
-                </a:solidFill>
-                <a:latin typeface="+mn-lt"/>
-                <a:ea typeface="+mn-ea"/>
-                <a:cs typeface="+mn-cs"/>
-              </a:defRPr>
-            </a:lvl8pPr>
-            <a:lvl9pPr marL="1800000" indent="-228600" algn="l" defTabSz="914400" rtl="0" eaLnBrk="1" latinLnBrk="0" hangingPunct="1">
-              <a:lnSpc>
-                <a:spcPct val="85000"/>
-              </a:lnSpc>
-              <a:spcBef>
-                <a:spcPts val="600"/>
-              </a:spcBef>
-              <a:buFont typeface="Arial" pitchFamily="34" charset="0"/>
-              <a:buChar char=" "/>
-              <a:defRPr sz="1800" kern="1200">
-                <a:solidFill>
-                  <a:schemeClr val="tx1">
-                    <a:lumMod val="85000"/>
-                    <a:lumOff val="15000"/>
-                  </a:schemeClr>
-                </a:solidFill>
-                <a:latin typeface="+mn-lt"/>
-                <a:ea typeface="+mn-ea"/>
-                <a:cs typeface="+mn-cs"/>
-              </a:defRPr>
-            </a:lvl9pPr>
-          </a:lstStyle>
-          <a:p>
-            <a:r>
-              <a:rPr lang="ru-RU" dirty="0" smtClean="0"/>
-              <a:t>Рациональный способ решения(Поляков)</a:t>
-            </a:r>
-            <a:endParaRPr lang="ru-RU" dirty="0"/>
-          </a:p>
-        </p:txBody>
-      </p:sp>
-      <p:sp>
-        <p:nvSpPr>
-          <p:cNvPr id="6" name="Объект 2"/>
-          <p:cNvSpPr txBox="1">
-            <a:spLocks/>
-          </p:cNvSpPr>
-          <p:nvPr/>
-        </p:nvSpPr>
-        <p:spPr>
-          <a:xfrm>
-            <a:off x="6608110" y="1841208"/>
-            <a:ext cx="2761312" cy="520913"/>
-          </a:xfrm>
-          <a:prstGeom prst="rect">
-            <a:avLst/>
-          </a:prstGeom>
-        </p:spPr>
-        <p:txBody>
-          <a:bodyPr vert="horz" lIns="91440" tIns="45720" rIns="91440" bIns="45720" rtlCol="0">
-            <a:normAutofit fontScale="70000" lnSpcReduction="20000"/>
-          </a:bodyPr>
-          <a:lstStyle>
-            <a:lvl1pPr marL="91440" indent="-91440" algn="l" defTabSz="914400" rtl="0" eaLnBrk="1" latinLnBrk="0" hangingPunct="1">
-              <a:lnSpc>
-                <a:spcPct val="85000"/>
-              </a:lnSpc>
-              <a:spcBef>
-                <a:spcPts val="1300"/>
-              </a:spcBef>
-              <a:buFont typeface="Arial" pitchFamily="34" charset="0"/>
-              <a:buChar char=" "/>
-              <a:defRPr sz="2400" kern="1200">
-                <a:solidFill>
-                  <a:schemeClr val="tx1">
-                    <a:lumMod val="85000"/>
-                    <a:lumOff val="15000"/>
-                  </a:schemeClr>
-                </a:solidFill>
-                <a:latin typeface="+mn-lt"/>
-                <a:ea typeface="+mn-ea"/>
-                <a:cs typeface="+mn-cs"/>
-              </a:defRPr>
-            </a:lvl1pPr>
-            <a:lvl2pPr marL="347472" indent="-342900" algn="l" defTabSz="914400" rtl="0" eaLnBrk="1" latinLnBrk="0" hangingPunct="1">
-              <a:lnSpc>
-                <a:spcPct val="85000"/>
-              </a:lnSpc>
-              <a:spcBef>
-                <a:spcPts val="600"/>
-              </a:spcBef>
-              <a:buFont typeface="Arial" pitchFamily="34" charset="0"/>
-              <a:buChar char=" "/>
-              <a:defRPr sz="2400" kern="1200">
-                <a:solidFill>
-                  <a:schemeClr val="tx1">
-                    <a:lumMod val="85000"/>
-                    <a:lumOff val="15000"/>
-                  </a:schemeClr>
-                </a:solidFill>
-                <a:latin typeface="+mn-lt"/>
-                <a:ea typeface="+mn-ea"/>
-                <a:cs typeface="+mn-cs"/>
-              </a:defRPr>
-            </a:lvl2pPr>
-            <a:lvl3pPr marL="548640" indent="-548640" algn="l" defTabSz="914400" rtl="0" eaLnBrk="1" latinLnBrk="0" hangingPunct="1">
-              <a:lnSpc>
-                <a:spcPct val="85000"/>
-              </a:lnSpc>
-              <a:spcBef>
-                <a:spcPts val="600"/>
-              </a:spcBef>
-              <a:buFont typeface="Arial" pitchFamily="34" charset="0"/>
-              <a:buChar char=" "/>
-              <a:defRPr sz="2000" i="1" kern="1200">
-                <a:solidFill>
-                  <a:schemeClr val="tx1">
-                    <a:lumMod val="85000"/>
-                    <a:lumOff val="15000"/>
-                  </a:schemeClr>
-                </a:solidFill>
-                <a:latin typeface="+mn-lt"/>
-                <a:ea typeface="+mn-ea"/>
-                <a:cs typeface="+mn-cs"/>
-              </a:defRPr>
-            </a:lvl3pPr>
-            <a:lvl4pPr marL="822960" indent="-822960" algn="l" defTabSz="914400" rtl="0" eaLnBrk="1" latinLnBrk="0" hangingPunct="1">
-              <a:lnSpc>
-                <a:spcPct val="85000"/>
-              </a:lnSpc>
-              <a:spcBef>
-                <a:spcPts val="600"/>
-              </a:spcBef>
-              <a:buFont typeface="Arial" pitchFamily="34" charset="0"/>
-              <a:buChar char=" "/>
-              <a:defRPr sz="1800" kern="1200">
-                <a:solidFill>
-                  <a:schemeClr val="tx1">
-                    <a:lumMod val="85000"/>
-                    <a:lumOff val="15000"/>
-                  </a:schemeClr>
-                </a:solidFill>
-                <a:latin typeface="+mn-lt"/>
-                <a:ea typeface="+mn-ea"/>
-                <a:cs typeface="+mn-cs"/>
-              </a:defRPr>
-            </a:lvl4pPr>
-            <a:lvl5pPr marL="1097280" indent="-1097280" algn="l" defTabSz="914400" rtl="0" eaLnBrk="1" latinLnBrk="0" hangingPunct="1">
-              <a:lnSpc>
-                <a:spcPct val="85000"/>
-              </a:lnSpc>
-              <a:spcBef>
-                <a:spcPts val="600"/>
-              </a:spcBef>
-              <a:buFont typeface="Arial" pitchFamily="34" charset="0"/>
-              <a:buChar char=" "/>
-              <a:defRPr sz="1800" kern="1200">
-                <a:solidFill>
-                  <a:schemeClr val="tx1">
-                    <a:lumMod val="85000"/>
-                    <a:lumOff val="15000"/>
-                  </a:schemeClr>
-                </a:solidFill>
-                <a:latin typeface="+mn-lt"/>
-                <a:ea typeface="+mn-ea"/>
-                <a:cs typeface="+mn-cs"/>
-              </a:defRPr>
-            </a:lvl5pPr>
-            <a:lvl6pPr marL="1200000" indent="-228600" algn="l" defTabSz="914400" rtl="0" eaLnBrk="1" latinLnBrk="0" hangingPunct="1">
-              <a:lnSpc>
-                <a:spcPct val="85000"/>
-              </a:lnSpc>
-              <a:spcBef>
-                <a:spcPts val="600"/>
-              </a:spcBef>
-              <a:buFont typeface="Arial" pitchFamily="34" charset="0"/>
-              <a:buChar char=" "/>
-              <a:defRPr sz="1800" kern="1200">
-                <a:solidFill>
-                  <a:schemeClr val="tx1">
-                    <a:lumMod val="85000"/>
-                    <a:lumOff val="15000"/>
-                  </a:schemeClr>
-                </a:solidFill>
-                <a:latin typeface="+mn-lt"/>
-                <a:ea typeface="+mn-ea"/>
-                <a:cs typeface="+mn-cs"/>
-              </a:defRPr>
-            </a:lvl6pPr>
-            <a:lvl7pPr marL="1400000" indent="-228600" algn="l" defTabSz="914400" rtl="0" eaLnBrk="1" latinLnBrk="0" hangingPunct="1">
-              <a:lnSpc>
-                <a:spcPct val="85000"/>
-              </a:lnSpc>
-              <a:spcBef>
-                <a:spcPts val="600"/>
-              </a:spcBef>
-              <a:buFont typeface="Arial" pitchFamily="34" charset="0"/>
-              <a:buChar char=" "/>
-              <a:defRPr sz="1800" kern="1200">
-                <a:solidFill>
-                  <a:schemeClr val="tx1">
-                    <a:lumMod val="85000"/>
-                    <a:lumOff val="15000"/>
-                  </a:schemeClr>
-                </a:solidFill>
-                <a:latin typeface="+mn-lt"/>
-                <a:ea typeface="+mn-ea"/>
-                <a:cs typeface="+mn-cs"/>
-              </a:defRPr>
-            </a:lvl7pPr>
-            <a:lvl8pPr marL="1600000" indent="-228600" algn="l" defTabSz="914400" rtl="0" eaLnBrk="1" latinLnBrk="0" hangingPunct="1">
-              <a:lnSpc>
-                <a:spcPct val="85000"/>
-              </a:lnSpc>
-              <a:spcBef>
-                <a:spcPts val="600"/>
-              </a:spcBef>
-              <a:buFont typeface="Arial" pitchFamily="34" charset="0"/>
-              <a:buChar char=" "/>
-              <a:defRPr sz="1800" kern="1200">
-                <a:solidFill>
-                  <a:schemeClr val="tx1">
-                    <a:lumMod val="85000"/>
-                    <a:lumOff val="15000"/>
-                  </a:schemeClr>
-                </a:solidFill>
-                <a:latin typeface="+mn-lt"/>
-                <a:ea typeface="+mn-ea"/>
-                <a:cs typeface="+mn-cs"/>
-              </a:defRPr>
-            </a:lvl8pPr>
-            <a:lvl9pPr marL="1800000" indent="-228600" algn="l" defTabSz="914400" rtl="0" eaLnBrk="1" latinLnBrk="0" hangingPunct="1">
-              <a:lnSpc>
-                <a:spcPct val="85000"/>
-              </a:lnSpc>
-              <a:spcBef>
-                <a:spcPts val="600"/>
-              </a:spcBef>
-              <a:buFont typeface="Arial" pitchFamily="34" charset="0"/>
-              <a:buChar char=" "/>
-              <a:defRPr sz="1800" kern="1200">
-                <a:solidFill>
-                  <a:schemeClr val="tx1">
-                    <a:lumMod val="85000"/>
-                    <a:lumOff val="15000"/>
-                  </a:schemeClr>
-                </a:solidFill>
-                <a:latin typeface="+mn-lt"/>
-                <a:ea typeface="+mn-ea"/>
-                <a:cs typeface="+mn-cs"/>
-              </a:defRPr>
-            </a:lvl9pPr>
-          </a:lstStyle>
-          <a:p>
-            <a:r>
-              <a:rPr lang="ru-RU" dirty="0" smtClean="0"/>
-              <a:t>Самый распространенный способ решения</a:t>
-            </a:r>
-            <a:endParaRPr lang="ru-RU" dirty="0"/>
-          </a:p>
-        </p:txBody>
-      </p:sp>
-      <p:pic>
-        <p:nvPicPr>
-          <p:cNvPr id="10" name="Рисунок 9"/>
-          <p:cNvPicPr>
-            <a:picLocks noChangeAspect="1"/>
-          </p:cNvPicPr>
-          <p:nvPr/>
-        </p:nvPicPr>
-        <p:blipFill>
-          <a:blip r:embed="rId2"/>
-          <a:stretch>
-            <a:fillRect/>
-          </a:stretch>
-        </p:blipFill>
-        <p:spPr>
-          <a:xfrm>
-            <a:off x="782388" y="2641809"/>
-            <a:ext cx="4501921" cy="778431"/>
-          </a:xfrm>
-          <a:prstGeom prst="rect">
-            <a:avLst/>
-          </a:prstGeom>
-        </p:spPr>
-      </p:pic>
-      <p:pic>
-        <p:nvPicPr>
-          <p:cNvPr id="11" name="Picture 4" descr="https://e7.pngegg.com/pngimages/39/777/png-clipart-globe-internet-computer-icons-site-web-web-design-text.png"/>
-          <p:cNvPicPr>
-            <a:picLocks noChangeAspect="1" noChangeArrowheads="1"/>
-          </p:cNvPicPr>
-          <p:nvPr/>
-        </p:nvPicPr>
-        <p:blipFill>
-          <a:blip r:embed="rId3" cstate="print">
-            <a:extLst>
-              <a:ext uri="{BEBA8EAE-BF5A-486C-A8C5-ECC9F3942E4B}">
-                <a14:imgProps xmlns:a14="http://schemas.microsoft.com/office/drawing/2010/main">
-                  <a14:imgLayer r:embed="rId4">
-                    <a14:imgEffect>
-                      <a14:backgroundRemoval t="0" b="100000" l="10000" r="90000"/>
-                    </a14:imgEffect>
-                  </a14:imgLayer>
-                </a14:imgProps>
-              </a:ext>
-              <a:ext uri="{28A0092B-C50C-407E-A947-70E740481C1C}">
-                <a14:useLocalDpi xmlns:a14="http://schemas.microsoft.com/office/drawing/2010/main" val="0"/>
-              </a:ext>
-            </a:extLst>
-          </a:blip>
-          <a:srcRect/>
-          <a:stretch>
-            <a:fillRect/>
-          </a:stretch>
-        </p:blipFill>
-        <p:spPr bwMode="auto">
-          <a:xfrm>
-            <a:off x="6608110" y="2532722"/>
-            <a:ext cx="1592191" cy="905779"/>
-          </a:xfrm>
-          <a:prstGeom prst="rect">
-            <a:avLst/>
-          </a:prstGeom>
-          <a:ln w="38100" cap="sq">
-            <a:solidFill>
-              <a:srgbClr val="0000FF"/>
-            </a:solidFill>
-            <a:prstDash val="solid"/>
-            <a:miter lim="800000"/>
-          </a:ln>
-          <a:effectLst>
-            <a:outerShdw blurRad="50800" dist="38100" dir="2700000" algn="tl" rotWithShape="0">
-              <a:srgbClr val="000000">
-                <a:alpha val="43000"/>
-              </a:srgbClr>
-            </a:outerShdw>
-          </a:effectLst>
-          <a:extLst>
-            <a:ext uri="{909E8E84-426E-40DD-AFC4-6F175D3DCCD1}">
-              <a14:hiddenFill xmlns:a14="http://schemas.microsoft.com/office/drawing/2010/main">
-                <a:solidFill>
-                  <a:srgbClr val="FFFFFF"/>
-                </a:solidFill>
-              </a14:hiddenFill>
-            </a:ext>
-          </a:extLst>
-        </p:spPr>
-      </p:pic>
-      <p:pic>
-        <p:nvPicPr>
-          <p:cNvPr id="12" name="Рисунок 11"/>
-          <p:cNvPicPr>
-            <a:picLocks noChangeAspect="1"/>
-          </p:cNvPicPr>
-          <p:nvPr/>
-        </p:nvPicPr>
-        <p:blipFill>
-          <a:blip r:embed="rId5" cstate="print">
-            <a:extLst>
-              <a:ext uri="{28A0092B-C50C-407E-A947-70E740481C1C}">
-                <a14:useLocalDpi xmlns:a14="http://schemas.microsoft.com/office/drawing/2010/main" val="0"/>
-              </a:ext>
-            </a:extLst>
-          </a:blip>
-          <a:stretch>
-            <a:fillRect/>
-          </a:stretch>
-        </p:blipFill>
-        <p:spPr>
-          <a:xfrm>
-            <a:off x="6684425" y="3949250"/>
-            <a:ext cx="1515876" cy="1504095"/>
-          </a:xfrm>
-          <a:prstGeom prst="rect">
-            <a:avLst/>
-          </a:prstGeom>
-        </p:spPr>
-      </p:pic>
-      <p:pic>
-        <p:nvPicPr>
-          <p:cNvPr id="13" name="Рисунок 12"/>
-          <p:cNvPicPr>
-            <a:picLocks noChangeAspect="1"/>
-          </p:cNvPicPr>
-          <p:nvPr/>
-        </p:nvPicPr>
-        <p:blipFill>
-          <a:blip r:embed="rId6"/>
-          <a:stretch>
-            <a:fillRect/>
-          </a:stretch>
-        </p:blipFill>
-        <p:spPr>
-          <a:xfrm>
-            <a:off x="8553656" y="3024091"/>
-            <a:ext cx="1940891" cy="1850317"/>
-          </a:xfrm>
-          <a:prstGeom prst="rect">
-            <a:avLst/>
-          </a:prstGeom>
-        </p:spPr>
-      </p:pic>
-      <p:pic>
-        <p:nvPicPr>
-          <p:cNvPr id="15" name="Рисунок 14"/>
-          <p:cNvPicPr>
-            <a:picLocks noChangeAspect="1"/>
-          </p:cNvPicPr>
-          <p:nvPr/>
-        </p:nvPicPr>
-        <p:blipFill>
-          <a:blip r:embed="rId7"/>
-          <a:stretch>
-            <a:fillRect/>
-          </a:stretch>
-        </p:blipFill>
-        <p:spPr>
-          <a:xfrm>
-            <a:off x="10083998" y="263467"/>
-            <a:ext cx="821098" cy="1156081"/>
-          </a:xfrm>
-          <a:prstGeom prst="rect">
-            <a:avLst/>
-          </a:prstGeom>
-        </p:spPr>
-      </p:pic>
-    </p:spTree>
-    <p:extLst>
-      <p:ext uri="{BB962C8B-B14F-4D97-AF65-F5344CB8AC3E}">
-        <p14:creationId xmlns:p14="http://schemas.microsoft.com/office/powerpoint/2010/main" val="3709562725"/>
-      </p:ext>
-    </p:extLst>
-  </p:cSld>
-  <p:clrMapOvr>
-    <a:masterClrMapping/>
-  </p:clrMapOvr>
-  <p:timing>
-    <p:tnLst>
-      <p:par>
-        <p:cTn id="1" dur="indefinite" restart="never" nodeType="tmRoot"/>
-      </p:par>
-    </p:tnLst>
-  </p:timing>
-</p:sld>
-</file>
-
-<file path=ppt/slides/slide17.xml><?xml version="1.0" encoding="utf-8"?>
-<p:sld xmlns:a="http://schemas.openxmlformats.org/drawingml/2006/main" xmlns:r="http://schemas.openxmlformats.org/officeDocument/2006/relationships" xmlns:p="http://schemas.openxmlformats.org/presentationml/2006/main">
-  <p:cSld>
-    <p:spTree>
-      <p:nvGrpSpPr>
-        <p:cNvPr id="1" name=""/>
-        <p:cNvGrpSpPr/>
-        <p:nvPr/>
-      </p:nvGrpSpPr>
-      <p:grpSpPr>
-        <a:xfrm>
-          <a:off x="0" y="0"/>
-          <a:ext cx="0" cy="0"/>
-          <a:chOff x="0" y="0"/>
-          <a:chExt cx="0" cy="0"/>
-        </a:xfrm>
-      </p:grpSpPr>
-      <p:sp>
-        <p:nvSpPr>
-          <p:cNvPr id="8" name="Объект 1"/>
-          <p:cNvSpPr>
-            <a:spLocks noGrp="1"/>
-          </p:cNvSpPr>
-          <p:nvPr>
-            <p:ph idx="1"/>
-          </p:nvPr>
-        </p:nvSpPr>
-        <p:spPr>
-          <a:xfrm>
-            <a:off x="644787" y="6199509"/>
-            <a:ext cx="6884377" cy="486752"/>
-          </a:xfrm>
-        </p:spPr>
-        <p:txBody>
-          <a:bodyPr>
-            <a:noAutofit/>
-          </a:bodyPr>
-          <a:lstStyle/>
-          <a:p>
-            <a:pPr marL="0" indent="0">
-              <a:buNone/>
-            </a:pPr>
-            <a:r>
-              <a:rPr lang="ru-RU" sz="1800" b="1" dirty="0" smtClean="0"/>
-              <a:t>HTML</a:t>
-            </a:r>
-            <a:r>
-              <a:rPr lang="ru-RU" sz="1800" dirty="0" smtClean="0"/>
-              <a:t> </a:t>
-            </a:r>
-            <a:r>
-              <a:rPr lang="ru-RU" sz="1800" i="1" dirty="0"/>
-              <a:t>(Hypertext Markup Language) </a:t>
-            </a:r>
-            <a:r>
-              <a:rPr lang="ru-RU" sz="1800" dirty="0"/>
-              <a:t>- </a:t>
-            </a:r>
-            <a:r>
-              <a:rPr lang="ru-RU" sz="1800" dirty="0" smtClean="0"/>
-              <a:t>Это </a:t>
-            </a:r>
-            <a:r>
-              <a:rPr lang="ru-RU" sz="1800" dirty="0"/>
-              <a:t>код, который используется для структурирования и отображения веб-страницы и её </a:t>
-            </a:r>
-            <a:r>
-              <a:rPr lang="ru-RU" sz="1800" dirty="0" smtClean="0"/>
-              <a:t>контента</a:t>
-            </a:r>
-            <a:endParaRPr lang="ru-RU" sz="1800" dirty="0"/>
-          </a:p>
-        </p:txBody>
-      </p:sp>
-      <p:pic>
-        <p:nvPicPr>
-          <p:cNvPr id="9" name="Picture 2" descr="https://radioprog.ru/uploads/media/articles/0001/01/2cc857f7f034ad92dae834fba16b89999b455fb0.png"/>
-          <p:cNvPicPr>
-            <a:picLocks noChangeAspect="1" noChangeArrowheads="1"/>
-          </p:cNvPicPr>
-          <p:nvPr/>
-        </p:nvPicPr>
-        <p:blipFill>
-          <a:blip r:embed="rId2" cstate="print">
-            <a:extLst>
-              <a:ext uri="{28A0092B-C50C-407E-A947-70E740481C1C}">
-                <a14:useLocalDpi xmlns:a14="http://schemas.microsoft.com/office/drawing/2010/main" val="0"/>
-              </a:ext>
-            </a:extLst>
-          </a:blip>
-          <a:srcRect/>
-          <a:stretch>
-            <a:fillRect/>
-          </a:stretch>
-        </p:blipFill>
-        <p:spPr bwMode="auto">
-          <a:xfrm>
-            <a:off x="0" y="6120492"/>
-            <a:ext cx="644787" cy="644787"/>
-          </a:xfrm>
-          <a:prstGeom prst="rect">
-            <a:avLst/>
-          </a:prstGeom>
-          <a:noFill/>
-          <a:extLst>
-            <a:ext uri="{909E8E84-426E-40DD-AFC4-6F175D3DCCD1}">
-              <a14:hiddenFill xmlns:a14="http://schemas.microsoft.com/office/drawing/2010/main">
-                <a:solidFill>
-                  <a:srgbClr val="FFFFFF"/>
-                </a:solidFill>
-              </a14:hiddenFill>
-            </a:ext>
-          </a:extLst>
-        </p:spPr>
-      </p:pic>
-      <p:sp>
-        <p:nvSpPr>
-          <p:cNvPr id="12" name="Объект 2"/>
-          <p:cNvSpPr txBox="1">
-            <a:spLocks/>
-          </p:cNvSpPr>
-          <p:nvPr/>
-        </p:nvSpPr>
-        <p:spPr>
-          <a:xfrm>
-            <a:off x="0" y="482151"/>
-            <a:ext cx="11649807" cy="407855"/>
-          </a:xfrm>
-          <a:prstGeom prst="rect">
-            <a:avLst/>
-          </a:prstGeom>
-        </p:spPr>
-        <p:txBody>
-          <a:bodyPr vert="horz" lIns="91440" tIns="45720" rIns="91440" bIns="45720" rtlCol="0">
-            <a:normAutofit fontScale="92500" lnSpcReduction="10000"/>
-          </a:bodyPr>
-          <a:lstStyle>
-            <a:lvl1pPr marL="91440" indent="-91440" algn="l" defTabSz="914400" rtl="0" eaLnBrk="1" latinLnBrk="0" hangingPunct="1">
-              <a:lnSpc>
-                <a:spcPct val="85000"/>
-              </a:lnSpc>
-              <a:spcBef>
-                <a:spcPts val="1300"/>
-              </a:spcBef>
-              <a:buFont typeface="Arial" pitchFamily="34" charset="0"/>
-              <a:buChar char=" "/>
-              <a:defRPr sz="2400" kern="1200">
-                <a:solidFill>
-                  <a:schemeClr val="tx1">
-                    <a:lumMod val="85000"/>
-                    <a:lumOff val="15000"/>
-                  </a:schemeClr>
-                </a:solidFill>
-                <a:latin typeface="+mn-lt"/>
-                <a:ea typeface="+mn-ea"/>
-                <a:cs typeface="+mn-cs"/>
-              </a:defRPr>
-            </a:lvl1pPr>
-            <a:lvl2pPr marL="347472" indent="-342900" algn="l" defTabSz="914400" rtl="0" eaLnBrk="1" latinLnBrk="0" hangingPunct="1">
-              <a:lnSpc>
-                <a:spcPct val="85000"/>
-              </a:lnSpc>
-              <a:spcBef>
-                <a:spcPts val="600"/>
-              </a:spcBef>
-              <a:buFont typeface="Arial" pitchFamily="34" charset="0"/>
-              <a:buChar char=" "/>
-              <a:defRPr sz="2400" kern="1200">
-                <a:solidFill>
-                  <a:schemeClr val="tx1">
-                    <a:lumMod val="85000"/>
-                    <a:lumOff val="15000"/>
-                  </a:schemeClr>
-                </a:solidFill>
-                <a:latin typeface="+mn-lt"/>
-                <a:ea typeface="+mn-ea"/>
-                <a:cs typeface="+mn-cs"/>
-              </a:defRPr>
-            </a:lvl2pPr>
-            <a:lvl3pPr marL="548640" indent="-548640" algn="l" defTabSz="914400" rtl="0" eaLnBrk="1" latinLnBrk="0" hangingPunct="1">
-              <a:lnSpc>
-                <a:spcPct val="85000"/>
-              </a:lnSpc>
-              <a:spcBef>
-                <a:spcPts val="600"/>
-              </a:spcBef>
-              <a:buFont typeface="Arial" pitchFamily="34" charset="0"/>
-              <a:buChar char=" "/>
-              <a:defRPr sz="2000" i="1" kern="1200">
-                <a:solidFill>
-                  <a:schemeClr val="tx1">
-                    <a:lumMod val="85000"/>
-                    <a:lumOff val="15000"/>
-                  </a:schemeClr>
-                </a:solidFill>
-                <a:latin typeface="+mn-lt"/>
-                <a:ea typeface="+mn-ea"/>
-                <a:cs typeface="+mn-cs"/>
-              </a:defRPr>
-            </a:lvl3pPr>
-            <a:lvl4pPr marL="822960" indent="-822960" algn="l" defTabSz="914400" rtl="0" eaLnBrk="1" latinLnBrk="0" hangingPunct="1">
-              <a:lnSpc>
-                <a:spcPct val="85000"/>
-              </a:lnSpc>
-              <a:spcBef>
-                <a:spcPts val="600"/>
-              </a:spcBef>
-              <a:buFont typeface="Arial" pitchFamily="34" charset="0"/>
-              <a:buChar char=" "/>
-              <a:defRPr sz="1800" kern="1200">
-                <a:solidFill>
-                  <a:schemeClr val="tx1">
-                    <a:lumMod val="85000"/>
-                    <a:lumOff val="15000"/>
-                  </a:schemeClr>
-                </a:solidFill>
-                <a:latin typeface="+mn-lt"/>
-                <a:ea typeface="+mn-ea"/>
-                <a:cs typeface="+mn-cs"/>
-              </a:defRPr>
-            </a:lvl4pPr>
-            <a:lvl5pPr marL="1097280" indent="-1097280" algn="l" defTabSz="914400" rtl="0" eaLnBrk="1" latinLnBrk="0" hangingPunct="1">
-              <a:lnSpc>
-                <a:spcPct val="85000"/>
-              </a:lnSpc>
-              <a:spcBef>
-                <a:spcPts val="600"/>
-              </a:spcBef>
-              <a:buFont typeface="Arial" pitchFamily="34" charset="0"/>
-              <a:buChar char=" "/>
-              <a:defRPr sz="1800" kern="1200">
-                <a:solidFill>
-                  <a:schemeClr val="tx1">
-                    <a:lumMod val="85000"/>
-                    <a:lumOff val="15000"/>
-                  </a:schemeClr>
-                </a:solidFill>
-                <a:latin typeface="+mn-lt"/>
-                <a:ea typeface="+mn-ea"/>
-                <a:cs typeface="+mn-cs"/>
-              </a:defRPr>
-            </a:lvl5pPr>
-            <a:lvl6pPr marL="1200000" indent="-228600" algn="l" defTabSz="914400" rtl="0" eaLnBrk="1" latinLnBrk="0" hangingPunct="1">
-              <a:lnSpc>
-                <a:spcPct val="85000"/>
-              </a:lnSpc>
-              <a:spcBef>
-                <a:spcPts val="600"/>
-              </a:spcBef>
-              <a:buFont typeface="Arial" pitchFamily="34" charset="0"/>
-              <a:buChar char=" "/>
-              <a:defRPr sz="1800" kern="1200">
-                <a:solidFill>
-                  <a:schemeClr val="tx1">
-                    <a:lumMod val="85000"/>
-                    <a:lumOff val="15000"/>
-                  </a:schemeClr>
-                </a:solidFill>
-                <a:latin typeface="+mn-lt"/>
-                <a:ea typeface="+mn-ea"/>
-                <a:cs typeface="+mn-cs"/>
-              </a:defRPr>
-            </a:lvl6pPr>
-            <a:lvl7pPr marL="1400000" indent="-228600" algn="l" defTabSz="914400" rtl="0" eaLnBrk="1" latinLnBrk="0" hangingPunct="1">
-              <a:lnSpc>
-                <a:spcPct val="85000"/>
-              </a:lnSpc>
-              <a:spcBef>
-                <a:spcPts val="600"/>
-              </a:spcBef>
-              <a:buFont typeface="Arial" pitchFamily="34" charset="0"/>
-              <a:buChar char=" "/>
-              <a:defRPr sz="1800" kern="1200">
-                <a:solidFill>
-                  <a:schemeClr val="tx1">
-                    <a:lumMod val="85000"/>
-                    <a:lumOff val="15000"/>
-                  </a:schemeClr>
-                </a:solidFill>
-                <a:latin typeface="+mn-lt"/>
-                <a:ea typeface="+mn-ea"/>
-                <a:cs typeface="+mn-cs"/>
-              </a:defRPr>
-            </a:lvl7pPr>
-            <a:lvl8pPr marL="1600000" indent="-228600" algn="l" defTabSz="914400" rtl="0" eaLnBrk="1" latinLnBrk="0" hangingPunct="1">
-              <a:lnSpc>
-                <a:spcPct val="85000"/>
-              </a:lnSpc>
-              <a:spcBef>
-                <a:spcPts val="600"/>
-              </a:spcBef>
-              <a:buFont typeface="Arial" pitchFamily="34" charset="0"/>
-              <a:buChar char=" "/>
-              <a:defRPr sz="1800" kern="1200">
-                <a:solidFill>
-                  <a:schemeClr val="tx1">
-                    <a:lumMod val="85000"/>
-                    <a:lumOff val="15000"/>
-                  </a:schemeClr>
-                </a:solidFill>
-                <a:latin typeface="+mn-lt"/>
-                <a:ea typeface="+mn-ea"/>
-                <a:cs typeface="+mn-cs"/>
-              </a:defRPr>
-            </a:lvl8pPr>
-            <a:lvl9pPr marL="1800000" indent="-228600" algn="l" defTabSz="914400" rtl="0" eaLnBrk="1" latinLnBrk="0" hangingPunct="1">
-              <a:lnSpc>
-                <a:spcPct val="85000"/>
-              </a:lnSpc>
-              <a:spcBef>
-                <a:spcPts val="600"/>
-              </a:spcBef>
-              <a:buFont typeface="Arial" pitchFamily="34" charset="0"/>
-              <a:buChar char=" "/>
-              <a:defRPr sz="1800" kern="1200">
-                <a:solidFill>
-                  <a:schemeClr val="tx1">
-                    <a:lumMod val="85000"/>
-                    <a:lumOff val="15000"/>
-                  </a:schemeClr>
-                </a:solidFill>
-                <a:latin typeface="+mn-lt"/>
-                <a:ea typeface="+mn-ea"/>
-                <a:cs typeface="+mn-cs"/>
-              </a:defRPr>
-            </a:lvl9pPr>
-          </a:lstStyle>
-          <a:p>
-            <a:pPr marL="0" indent="0">
-              <a:buNone/>
-            </a:pPr>
-            <a:r>
-              <a:rPr lang="ru-RU" sz="2900" dirty="0" smtClean="0">
-                <a:latin typeface="+mj-lt"/>
-              </a:rPr>
-              <a:t>Для отображения веб-страницы и ее контента был изучен и применен </a:t>
-            </a:r>
-            <a:r>
-              <a:rPr lang="en-US" sz="2900" dirty="0" smtClean="0">
-                <a:latin typeface="+mj-lt"/>
-              </a:rPr>
-              <a:t>HTML*</a:t>
-            </a:r>
-          </a:p>
-          <a:p>
-            <a:pPr marL="0" indent="0">
-              <a:buNone/>
-            </a:pPr>
-            <a:endParaRPr lang="ru-RU" sz="2900" b="1" dirty="0" smtClean="0">
-              <a:latin typeface="+mj-lt"/>
-            </a:endParaRPr>
-          </a:p>
-        </p:txBody>
-      </p:sp>
-      <p:sp>
-        <p:nvSpPr>
-          <p:cNvPr id="13" name="Объект 2"/>
-          <p:cNvSpPr txBox="1">
-            <a:spLocks/>
-          </p:cNvSpPr>
-          <p:nvPr/>
-        </p:nvSpPr>
-        <p:spPr>
-          <a:xfrm>
-            <a:off x="0" y="5707798"/>
-            <a:ext cx="11219335" cy="333676"/>
-          </a:xfrm>
-          <a:prstGeom prst="rect">
-            <a:avLst/>
-          </a:prstGeom>
-        </p:spPr>
-        <p:txBody>
-          <a:bodyPr vert="horz" lIns="91440" tIns="45720" rIns="91440" bIns="45720" rtlCol="0">
-            <a:noAutofit/>
-          </a:bodyPr>
-          <a:lstStyle>
-            <a:lvl1pPr marL="91440" indent="-91440" algn="l" defTabSz="914400" rtl="0" eaLnBrk="1" latinLnBrk="0" hangingPunct="1">
-              <a:lnSpc>
-                <a:spcPct val="85000"/>
-              </a:lnSpc>
-              <a:spcBef>
-                <a:spcPts val="1300"/>
-              </a:spcBef>
-              <a:buFont typeface="Arial" pitchFamily="34" charset="0"/>
-              <a:buChar char=" "/>
-              <a:defRPr sz="2400" kern="1200">
-                <a:solidFill>
-                  <a:schemeClr val="tx1">
-                    <a:lumMod val="85000"/>
-                    <a:lumOff val="15000"/>
-                  </a:schemeClr>
-                </a:solidFill>
-                <a:latin typeface="+mn-lt"/>
-                <a:ea typeface="+mn-ea"/>
-                <a:cs typeface="+mn-cs"/>
-              </a:defRPr>
-            </a:lvl1pPr>
-            <a:lvl2pPr marL="347472" indent="-342900" algn="l" defTabSz="914400" rtl="0" eaLnBrk="1" latinLnBrk="0" hangingPunct="1">
-              <a:lnSpc>
-                <a:spcPct val="85000"/>
-              </a:lnSpc>
-              <a:spcBef>
-                <a:spcPts val="600"/>
-              </a:spcBef>
-              <a:buFont typeface="Arial" pitchFamily="34" charset="0"/>
-              <a:buChar char=" "/>
-              <a:defRPr sz="2400" kern="1200">
-                <a:solidFill>
-                  <a:schemeClr val="tx1">
-                    <a:lumMod val="85000"/>
-                    <a:lumOff val="15000"/>
-                  </a:schemeClr>
-                </a:solidFill>
-                <a:latin typeface="+mn-lt"/>
-                <a:ea typeface="+mn-ea"/>
-                <a:cs typeface="+mn-cs"/>
-              </a:defRPr>
-            </a:lvl2pPr>
-            <a:lvl3pPr marL="548640" indent="-548640" algn="l" defTabSz="914400" rtl="0" eaLnBrk="1" latinLnBrk="0" hangingPunct="1">
-              <a:lnSpc>
-                <a:spcPct val="85000"/>
-              </a:lnSpc>
-              <a:spcBef>
-                <a:spcPts val="600"/>
-              </a:spcBef>
-              <a:buFont typeface="Arial" pitchFamily="34" charset="0"/>
-              <a:buChar char=" "/>
-              <a:defRPr sz="2000" i="1" kern="1200">
-                <a:solidFill>
-                  <a:schemeClr val="tx1">
-                    <a:lumMod val="85000"/>
-                    <a:lumOff val="15000"/>
-                  </a:schemeClr>
-                </a:solidFill>
-                <a:latin typeface="+mn-lt"/>
-                <a:ea typeface="+mn-ea"/>
-                <a:cs typeface="+mn-cs"/>
-              </a:defRPr>
-            </a:lvl3pPr>
-            <a:lvl4pPr marL="822960" indent="-822960" algn="l" defTabSz="914400" rtl="0" eaLnBrk="1" latinLnBrk="0" hangingPunct="1">
-              <a:lnSpc>
-                <a:spcPct val="85000"/>
-              </a:lnSpc>
-              <a:spcBef>
-                <a:spcPts val="600"/>
-              </a:spcBef>
-              <a:buFont typeface="Arial" pitchFamily="34" charset="0"/>
-              <a:buChar char=" "/>
-              <a:defRPr sz="1800" kern="1200">
-                <a:solidFill>
-                  <a:schemeClr val="tx1">
-                    <a:lumMod val="85000"/>
-                    <a:lumOff val="15000"/>
-                  </a:schemeClr>
-                </a:solidFill>
-                <a:latin typeface="+mn-lt"/>
-                <a:ea typeface="+mn-ea"/>
-                <a:cs typeface="+mn-cs"/>
-              </a:defRPr>
-            </a:lvl4pPr>
-            <a:lvl5pPr marL="1097280" indent="-1097280" algn="l" defTabSz="914400" rtl="0" eaLnBrk="1" latinLnBrk="0" hangingPunct="1">
-              <a:lnSpc>
-                <a:spcPct val="85000"/>
-              </a:lnSpc>
-              <a:spcBef>
-                <a:spcPts val="600"/>
-              </a:spcBef>
-              <a:buFont typeface="Arial" pitchFamily="34" charset="0"/>
-              <a:buChar char=" "/>
-              <a:defRPr sz="1800" kern="1200">
-                <a:solidFill>
-                  <a:schemeClr val="tx1">
-                    <a:lumMod val="85000"/>
-                    <a:lumOff val="15000"/>
-                  </a:schemeClr>
-                </a:solidFill>
-                <a:latin typeface="+mn-lt"/>
-                <a:ea typeface="+mn-ea"/>
-                <a:cs typeface="+mn-cs"/>
-              </a:defRPr>
-            </a:lvl5pPr>
-            <a:lvl6pPr marL="1200000" indent="-228600" algn="l" defTabSz="914400" rtl="0" eaLnBrk="1" latinLnBrk="0" hangingPunct="1">
-              <a:lnSpc>
-                <a:spcPct val="85000"/>
-              </a:lnSpc>
-              <a:spcBef>
-                <a:spcPts val="600"/>
-              </a:spcBef>
-              <a:buFont typeface="Arial" pitchFamily="34" charset="0"/>
-              <a:buChar char=" "/>
-              <a:defRPr sz="1800" kern="1200">
-                <a:solidFill>
-                  <a:schemeClr val="tx1">
-                    <a:lumMod val="85000"/>
-                    <a:lumOff val="15000"/>
-                  </a:schemeClr>
-                </a:solidFill>
-                <a:latin typeface="+mn-lt"/>
-                <a:ea typeface="+mn-ea"/>
-                <a:cs typeface="+mn-cs"/>
-              </a:defRPr>
-            </a:lvl6pPr>
-            <a:lvl7pPr marL="1400000" indent="-228600" algn="l" defTabSz="914400" rtl="0" eaLnBrk="1" latinLnBrk="0" hangingPunct="1">
-              <a:lnSpc>
-                <a:spcPct val="85000"/>
-              </a:lnSpc>
-              <a:spcBef>
-                <a:spcPts val="600"/>
-              </a:spcBef>
-              <a:buFont typeface="Arial" pitchFamily="34" charset="0"/>
-              <a:buChar char=" "/>
-              <a:defRPr sz="1800" kern="1200">
-                <a:solidFill>
-                  <a:schemeClr val="tx1">
-                    <a:lumMod val="85000"/>
-                    <a:lumOff val="15000"/>
-                  </a:schemeClr>
-                </a:solidFill>
-                <a:latin typeface="+mn-lt"/>
-                <a:ea typeface="+mn-ea"/>
-                <a:cs typeface="+mn-cs"/>
-              </a:defRPr>
-            </a:lvl7pPr>
-            <a:lvl8pPr marL="1600000" indent="-228600" algn="l" defTabSz="914400" rtl="0" eaLnBrk="1" latinLnBrk="0" hangingPunct="1">
-              <a:lnSpc>
-                <a:spcPct val="85000"/>
-              </a:lnSpc>
-              <a:spcBef>
-                <a:spcPts val="600"/>
-              </a:spcBef>
-              <a:buFont typeface="Arial" pitchFamily="34" charset="0"/>
-              <a:buChar char=" "/>
-              <a:defRPr sz="1800" kern="1200">
-                <a:solidFill>
-                  <a:schemeClr val="tx1">
-                    <a:lumMod val="85000"/>
-                    <a:lumOff val="15000"/>
-                  </a:schemeClr>
-                </a:solidFill>
-                <a:latin typeface="+mn-lt"/>
-                <a:ea typeface="+mn-ea"/>
-                <a:cs typeface="+mn-cs"/>
-              </a:defRPr>
-            </a:lvl8pPr>
-            <a:lvl9pPr marL="1800000" indent="-228600" algn="l" defTabSz="914400" rtl="0" eaLnBrk="1" latinLnBrk="0" hangingPunct="1">
-              <a:lnSpc>
-                <a:spcPct val="85000"/>
-              </a:lnSpc>
-              <a:spcBef>
-                <a:spcPts val="600"/>
-              </a:spcBef>
-              <a:buFont typeface="Arial" pitchFamily="34" charset="0"/>
-              <a:buChar char=" "/>
-              <a:defRPr sz="1800" kern="1200">
-                <a:solidFill>
-                  <a:schemeClr val="tx1">
-                    <a:lumMod val="85000"/>
-                    <a:lumOff val="15000"/>
-                  </a:schemeClr>
-                </a:solidFill>
-                <a:latin typeface="+mn-lt"/>
-                <a:ea typeface="+mn-ea"/>
-                <a:cs typeface="+mn-cs"/>
-              </a:defRPr>
-            </a:lvl9pPr>
-          </a:lstStyle>
-          <a:p>
-            <a:pPr marL="0" indent="0">
-              <a:buNone/>
-            </a:pPr>
-            <a:r>
-              <a:rPr lang="ru-RU" sz="1800" dirty="0"/>
-              <a:t>Тег — это специальное служебное слово, заключенное в угловые скобки. Его ещё называют «элемент HTML</a:t>
-            </a:r>
-            <a:r>
-              <a:rPr lang="ru-RU" sz="1800" dirty="0" smtClean="0"/>
-              <a:t>». </a:t>
-            </a:r>
-          </a:p>
-        </p:txBody>
-      </p:sp>
-      <p:pic>
-        <p:nvPicPr>
-          <p:cNvPr id="6" name="Рисунок 5"/>
-          <p:cNvPicPr>
-            <a:picLocks noChangeAspect="1"/>
-          </p:cNvPicPr>
-          <p:nvPr/>
-        </p:nvPicPr>
-        <p:blipFill>
-          <a:blip r:embed="rId3">
-            <a:extLst>
-              <a:ext uri="{28A0092B-C50C-407E-A947-70E740481C1C}">
-                <a14:useLocalDpi xmlns:a14="http://schemas.microsoft.com/office/drawing/2010/main" val="0"/>
-              </a:ext>
-            </a:extLst>
-          </a:blip>
-          <a:stretch>
-            <a:fillRect/>
-          </a:stretch>
-        </p:blipFill>
-        <p:spPr>
-          <a:xfrm>
-            <a:off x="162071" y="928863"/>
-            <a:ext cx="9140190" cy="4192659"/>
-          </a:xfrm>
-          <a:prstGeom prst="rect">
-            <a:avLst/>
-          </a:prstGeom>
-          <a:ln>
-            <a:noFill/>
-          </a:ln>
-          <a:effectLst>
-            <a:outerShdw blurRad="190500" algn="tl" rotWithShape="0">
-              <a:srgbClr val="000000">
-                <a:alpha val="70000"/>
-              </a:srgbClr>
-            </a:outerShdw>
-          </a:effectLst>
-        </p:spPr>
-      </p:pic>
-      <p:sp>
-        <p:nvSpPr>
-          <p:cNvPr id="10" name="Заголовок 1"/>
-          <p:cNvSpPr>
-            <a:spLocks noGrp="1"/>
-          </p:cNvSpPr>
-          <p:nvPr>
-            <p:ph type="title"/>
-          </p:nvPr>
-        </p:nvSpPr>
-        <p:spPr>
-          <a:xfrm>
-            <a:off x="0" y="0"/>
-            <a:ext cx="2980591" cy="608793"/>
-          </a:xfrm>
-        </p:spPr>
-        <p:txBody>
-          <a:bodyPr>
-            <a:normAutofit/>
-          </a:bodyPr>
-          <a:lstStyle/>
-          <a:p>
-            <a:r>
-              <a:rPr lang="en-US" sz="3200" dirty="0" smtClean="0"/>
-              <a:t>WEB-</a:t>
-            </a:r>
-            <a:r>
-              <a:rPr lang="ru-RU" sz="3200" dirty="0" smtClean="0"/>
-              <a:t>Технологии</a:t>
-            </a:r>
-            <a:endParaRPr lang="ru-RU" sz="3200" dirty="0"/>
-          </a:p>
-        </p:txBody>
-      </p:sp>
-      <p:pic>
-        <p:nvPicPr>
-          <p:cNvPr id="4" name="Рисунок 3"/>
-          <p:cNvPicPr>
-            <a:picLocks noChangeAspect="1"/>
-          </p:cNvPicPr>
-          <p:nvPr/>
-        </p:nvPicPr>
-        <p:blipFill>
-          <a:blip r:embed="rId4">
-            <a:extLst>
-              <a:ext uri="{28A0092B-C50C-407E-A947-70E740481C1C}">
-                <a14:useLocalDpi xmlns:a14="http://schemas.microsoft.com/office/drawing/2010/main" val="0"/>
-              </a:ext>
-            </a:extLst>
-          </a:blip>
-          <a:stretch>
-            <a:fillRect/>
-          </a:stretch>
-        </p:blipFill>
-        <p:spPr>
-          <a:xfrm>
-            <a:off x="5758962" y="1476282"/>
-            <a:ext cx="6310092" cy="4167920"/>
-          </a:xfrm>
-          <a:prstGeom prst="rect">
-            <a:avLst/>
-          </a:prstGeom>
-          <a:ln>
-            <a:noFill/>
-          </a:ln>
-          <a:effectLst>
-            <a:outerShdw blurRad="190500" algn="tl" rotWithShape="0">
-              <a:srgbClr val="000000">
-                <a:alpha val="70000"/>
-              </a:srgbClr>
-            </a:outerShdw>
-          </a:effectLst>
-        </p:spPr>
-      </p:pic>
-    </p:spTree>
-    <p:extLst>
-      <p:ext uri="{BB962C8B-B14F-4D97-AF65-F5344CB8AC3E}">
-        <p14:creationId xmlns:p14="http://schemas.microsoft.com/office/powerpoint/2010/main" val="231311159"/>
-      </p:ext>
-    </p:extLst>
-  </p:cSld>
-  <p:clrMapOvr>
-    <a:masterClrMapping/>
-  </p:clrMapOvr>
-  <p:timing>
-    <p:tnLst>
-      <p:par>
-        <p:cTn id="1" dur="indefinite" restart="never" nodeType="tmRoot"/>
-      </p:par>
-    </p:tnLst>
-  </p:timing>
-</p:sld>
-</file>
-
-<file path=ppt/slides/slide18.xml><?xml version="1.0" encoding="utf-8"?>
-<p:sld xmlns:a="http://schemas.openxmlformats.org/drawingml/2006/main" xmlns:r="http://schemas.openxmlformats.org/officeDocument/2006/relationships" xmlns:p="http://schemas.openxmlformats.org/presentationml/2006/main">
-  <p:cSld>
-    <p:spTree>
-      <p:nvGrpSpPr>
-        <p:cNvPr id="1" name=""/>
-        <p:cNvGrpSpPr/>
-        <p:nvPr/>
-      </p:nvGrpSpPr>
-      <p:grpSpPr>
-        <a:xfrm>
-          <a:off x="0" y="0"/>
-          <a:ext cx="0" cy="0"/>
-          <a:chOff x="0" y="0"/>
-          <a:chExt cx="0" cy="0"/>
-        </a:xfrm>
-      </p:grpSpPr>
-      <p:sp>
-        <p:nvSpPr>
-          <p:cNvPr id="5" name="Объект 1"/>
-          <p:cNvSpPr txBox="1">
-            <a:spLocks/>
-          </p:cNvSpPr>
-          <p:nvPr/>
-        </p:nvSpPr>
-        <p:spPr>
-          <a:xfrm>
-            <a:off x="620245" y="6211891"/>
-            <a:ext cx="6037732" cy="568518"/>
-          </a:xfrm>
-          <a:prstGeom prst="rect">
-            <a:avLst/>
-          </a:prstGeom>
-        </p:spPr>
-        <p:txBody>
-          <a:bodyPr vert="horz" lIns="91440" tIns="45720" rIns="91440" bIns="45720" rtlCol="0">
-            <a:noAutofit/>
-          </a:bodyPr>
-          <a:lstStyle>
-            <a:lvl1pPr marL="228600" indent="-228600" algn="l" defTabSz="914400" rtl="0" eaLnBrk="1" latinLnBrk="0" hangingPunct="1">
-              <a:lnSpc>
-                <a:spcPct val="90000"/>
-              </a:lnSpc>
-              <a:spcBef>
-                <a:spcPts val="1000"/>
-              </a:spcBef>
-              <a:buFont typeface="Arial" panose="020B0604020202020204" pitchFamily="34" charset="0"/>
-              <a:buChar char="•"/>
-              <a:defRPr sz="2800" kern="1200">
-                <a:solidFill>
-                  <a:schemeClr val="tx1"/>
-                </a:solidFill>
-                <a:latin typeface="+mn-lt"/>
-                <a:ea typeface="+mn-ea"/>
-                <a:cs typeface="+mn-cs"/>
-              </a:defRPr>
-            </a:lvl1pPr>
-            <a:lvl2pPr marL="685800" indent="-228600" algn="l" defTabSz="914400" rtl="0" eaLnBrk="1" latinLnBrk="0" hangingPunct="1">
-              <a:lnSpc>
-                <a:spcPct val="90000"/>
-              </a:lnSpc>
-              <a:spcBef>
-                <a:spcPts val="500"/>
-              </a:spcBef>
-              <a:buFont typeface="Arial" panose="020B0604020202020204" pitchFamily="34" charset="0"/>
-              <a:buChar char="•"/>
-              <a:defRPr sz="2400" kern="1200">
-                <a:solidFill>
-                  <a:schemeClr val="tx1"/>
-                </a:solidFill>
-                <a:latin typeface="+mn-lt"/>
-                <a:ea typeface="+mn-ea"/>
-                <a:cs typeface="+mn-cs"/>
-              </a:defRPr>
-            </a:lvl2pPr>
-            <a:lvl3pPr marL="1143000" indent="-228600" algn="l" defTabSz="914400" rtl="0" eaLnBrk="1" latinLnBrk="0" hangingPunct="1">
-              <a:lnSpc>
-                <a:spcPct val="90000"/>
-              </a:lnSpc>
-              <a:spcBef>
-                <a:spcPts val="500"/>
-              </a:spcBef>
-              <a:buFont typeface="Arial" panose="020B0604020202020204" pitchFamily="34" charset="0"/>
-              <a:buChar char="•"/>
-              <a:defRPr sz="2000" kern="1200">
-                <a:solidFill>
-                  <a:schemeClr val="tx1"/>
-                </a:solidFill>
-                <a:latin typeface="+mn-lt"/>
-                <a:ea typeface="+mn-ea"/>
-                <a:cs typeface="+mn-cs"/>
-              </a:defRPr>
-            </a:lvl3pPr>
-            <a:lvl4pPr marL="1600200" indent="-228600" algn="l" defTabSz="914400" rtl="0" eaLnBrk="1" latinLnBrk="0" hangingPunct="1">
-              <a:lnSpc>
-                <a:spcPct val="90000"/>
-              </a:lnSpc>
-              <a:spcBef>
-                <a:spcPts val="500"/>
-              </a:spcBef>
-              <a:buFont typeface="Arial" panose="020B0604020202020204" pitchFamily="34" charset="0"/>
-              <a:buChar char="•"/>
-              <a:defRPr sz="1800" kern="1200">
-                <a:solidFill>
-                  <a:schemeClr val="tx1"/>
-                </a:solidFill>
-                <a:latin typeface="+mn-lt"/>
-                <a:ea typeface="+mn-ea"/>
-                <a:cs typeface="+mn-cs"/>
-              </a:defRPr>
-            </a:lvl4pPr>
-            <a:lvl5pPr marL="2057400" indent="-228600" algn="l" defTabSz="914400" rtl="0" eaLnBrk="1" latinLnBrk="0" hangingPunct="1">
-              <a:lnSpc>
-                <a:spcPct val="90000"/>
-              </a:lnSpc>
-              <a:spcBef>
-                <a:spcPts val="500"/>
-              </a:spcBef>
-              <a:buFont typeface="Arial" panose="020B0604020202020204" pitchFamily="34" charset="0"/>
-              <a:buChar char="•"/>
-              <a:defRPr sz="1800" kern="1200">
-                <a:solidFill>
-                  <a:schemeClr val="tx1"/>
-                </a:solidFill>
-                <a:latin typeface="+mn-lt"/>
-                <a:ea typeface="+mn-ea"/>
-                <a:cs typeface="+mn-cs"/>
-              </a:defRPr>
-            </a:lvl5pPr>
-            <a:lvl6pPr marL="2514600" indent="-228600" algn="l" defTabSz="914400" rtl="0" eaLnBrk="1" latinLnBrk="0" hangingPunct="1">
-              <a:lnSpc>
-                <a:spcPct val="90000"/>
-              </a:lnSpc>
-              <a:spcBef>
-                <a:spcPts val="500"/>
-              </a:spcBef>
-              <a:buFont typeface="Arial" panose="020B0604020202020204" pitchFamily="34" charset="0"/>
-              <a:buChar char="•"/>
-              <a:defRPr sz="1800" kern="1200">
-                <a:solidFill>
-                  <a:schemeClr val="tx1"/>
-                </a:solidFill>
-                <a:latin typeface="+mn-lt"/>
-                <a:ea typeface="+mn-ea"/>
-                <a:cs typeface="+mn-cs"/>
-              </a:defRPr>
-            </a:lvl6pPr>
-            <a:lvl7pPr marL="2971800" indent="-228600" algn="l" defTabSz="914400" rtl="0" eaLnBrk="1" latinLnBrk="0" hangingPunct="1">
-              <a:lnSpc>
-                <a:spcPct val="90000"/>
-              </a:lnSpc>
-              <a:spcBef>
-                <a:spcPts val="500"/>
-              </a:spcBef>
-              <a:buFont typeface="Arial" panose="020B0604020202020204" pitchFamily="34" charset="0"/>
-              <a:buChar char="•"/>
-              <a:defRPr sz="1800" kern="1200">
-                <a:solidFill>
-                  <a:schemeClr val="tx1"/>
-                </a:solidFill>
-                <a:latin typeface="+mn-lt"/>
-                <a:ea typeface="+mn-ea"/>
-                <a:cs typeface="+mn-cs"/>
-              </a:defRPr>
-            </a:lvl7pPr>
-            <a:lvl8pPr marL="3429000" indent="-228600" algn="l" defTabSz="914400" rtl="0" eaLnBrk="1" latinLnBrk="0" hangingPunct="1">
-              <a:lnSpc>
-                <a:spcPct val="90000"/>
-              </a:lnSpc>
-              <a:spcBef>
-                <a:spcPts val="500"/>
-              </a:spcBef>
-              <a:buFont typeface="Arial" panose="020B0604020202020204" pitchFamily="34" charset="0"/>
-              <a:buChar char="•"/>
-              <a:defRPr sz="1800" kern="1200">
-                <a:solidFill>
-                  <a:schemeClr val="tx1"/>
-                </a:solidFill>
-                <a:latin typeface="+mn-lt"/>
-                <a:ea typeface="+mn-ea"/>
-                <a:cs typeface="+mn-cs"/>
-              </a:defRPr>
-            </a:lvl8pPr>
-            <a:lvl9pPr marL="3886200" indent="-228600" algn="l" defTabSz="914400" rtl="0" eaLnBrk="1" latinLnBrk="0" hangingPunct="1">
-              <a:lnSpc>
-                <a:spcPct val="90000"/>
-              </a:lnSpc>
-              <a:spcBef>
-                <a:spcPts val="500"/>
-              </a:spcBef>
-              <a:buFont typeface="Arial" panose="020B0604020202020204" pitchFamily="34" charset="0"/>
-              <a:buChar char="•"/>
-              <a:defRPr sz="1800" kern="1200">
-                <a:solidFill>
-                  <a:schemeClr val="tx1"/>
-                </a:solidFill>
-                <a:latin typeface="+mn-lt"/>
-                <a:ea typeface="+mn-ea"/>
-                <a:cs typeface="+mn-cs"/>
-              </a:defRPr>
-            </a:lvl9pPr>
-          </a:lstStyle>
-          <a:p>
-            <a:pPr marL="0" indent="0">
-              <a:buNone/>
-            </a:pPr>
-            <a:r>
-              <a:rPr lang="en-US" sz="1900" b="1" dirty="0" smtClean="0"/>
-              <a:t>CSS</a:t>
-            </a:r>
-            <a:r>
-              <a:rPr lang="ru-RU" sz="1900" b="1" dirty="0" smtClean="0"/>
-              <a:t> </a:t>
-            </a:r>
-            <a:r>
-              <a:rPr lang="ru-RU" sz="1900" i="1" dirty="0" smtClean="0"/>
-              <a:t>(</a:t>
-            </a:r>
-            <a:r>
-              <a:rPr lang="en-US" sz="1900" i="1" dirty="0" smtClean="0"/>
-              <a:t>Cascading </a:t>
-            </a:r>
-            <a:r>
-              <a:rPr lang="en-US" sz="1900" i="1" dirty="0"/>
-              <a:t>Style </a:t>
-            </a:r>
-            <a:r>
-              <a:rPr lang="en-US" sz="1900" i="1" dirty="0" smtClean="0"/>
-              <a:t>Sheets</a:t>
-            </a:r>
-            <a:r>
-              <a:rPr lang="ru-RU" sz="1900" i="1" dirty="0" smtClean="0"/>
-              <a:t>)</a:t>
-            </a:r>
-            <a:r>
-              <a:rPr lang="en-US" sz="1900" i="1" dirty="0" smtClean="0"/>
-              <a:t> </a:t>
-            </a:r>
-            <a:r>
-              <a:rPr lang="en-US" sz="1900" dirty="0"/>
-              <a:t>– </a:t>
-            </a:r>
-            <a:r>
-              <a:rPr lang="ru-RU" sz="1900" dirty="0"/>
-              <a:t>Это язык разметки, используемый для визуального оформления </a:t>
-            </a:r>
-            <a:r>
-              <a:rPr lang="ru-RU" sz="1900" dirty="0" smtClean="0"/>
-              <a:t>веб-сайтов</a:t>
-            </a:r>
-            <a:endParaRPr lang="ru-RU" sz="1900" dirty="0"/>
-          </a:p>
-        </p:txBody>
-      </p:sp>
-      <p:pic>
-        <p:nvPicPr>
-          <p:cNvPr id="8" name="Picture 4" descr="https://upload.wikimedia.org/wikipedia/commons/thumb/7/70/Devicon-css3-plain.svg/1200px-Devicon-css3-plain.svg.png"/>
-          <p:cNvPicPr>
-            <a:picLocks noChangeAspect="1" noChangeArrowheads="1"/>
-          </p:cNvPicPr>
-          <p:nvPr/>
-        </p:nvPicPr>
-        <p:blipFill>
-          <a:blip r:embed="rId3" cstate="print">
-            <a:extLst>
-              <a:ext uri="{28A0092B-C50C-407E-A947-70E740481C1C}">
-                <a14:useLocalDpi xmlns:a14="http://schemas.microsoft.com/office/drawing/2010/main" val="0"/>
-              </a:ext>
-            </a:extLst>
-          </a:blip>
-          <a:srcRect/>
-          <a:stretch>
-            <a:fillRect/>
-          </a:stretch>
-        </p:blipFill>
-        <p:spPr bwMode="auto">
-          <a:xfrm>
-            <a:off x="0" y="6211891"/>
-            <a:ext cx="620245" cy="620245"/>
-          </a:xfrm>
-          <a:prstGeom prst="rect">
-            <a:avLst/>
-          </a:prstGeom>
-          <a:noFill/>
-          <a:extLst>
-            <a:ext uri="{909E8E84-426E-40DD-AFC4-6F175D3DCCD1}">
-              <a14:hiddenFill xmlns:a14="http://schemas.microsoft.com/office/drawing/2010/main">
-                <a:solidFill>
-                  <a:srgbClr val="FFFFFF"/>
-                </a:solidFill>
-              </a14:hiddenFill>
-            </a:ext>
-          </a:extLst>
-        </p:spPr>
-      </p:pic>
-      <p:sp>
-        <p:nvSpPr>
-          <p:cNvPr id="13" name="Объект 2"/>
-          <p:cNvSpPr txBox="1">
-            <a:spLocks/>
-          </p:cNvSpPr>
-          <p:nvPr/>
-        </p:nvSpPr>
-        <p:spPr>
-          <a:xfrm>
-            <a:off x="0" y="755324"/>
-            <a:ext cx="8440615" cy="488257"/>
-          </a:xfrm>
-          <a:prstGeom prst="rect">
-            <a:avLst/>
-          </a:prstGeom>
-        </p:spPr>
-        <p:txBody>
-          <a:bodyPr vert="horz" lIns="91440" tIns="45720" rIns="91440" bIns="45720" rtlCol="0">
-            <a:noAutofit/>
-          </a:bodyPr>
-          <a:lstStyle>
-            <a:lvl1pPr marL="91440" indent="-91440" algn="l" defTabSz="914400" rtl="0" eaLnBrk="1" latinLnBrk="0" hangingPunct="1">
-              <a:lnSpc>
-                <a:spcPct val="85000"/>
-              </a:lnSpc>
-              <a:spcBef>
-                <a:spcPts val="1300"/>
-              </a:spcBef>
-              <a:buFont typeface="Arial" pitchFamily="34" charset="0"/>
-              <a:buChar char=" "/>
-              <a:defRPr sz="2400" kern="1200">
-                <a:solidFill>
-                  <a:schemeClr val="tx1">
-                    <a:lumMod val="85000"/>
-                    <a:lumOff val="15000"/>
-                  </a:schemeClr>
-                </a:solidFill>
-                <a:latin typeface="+mn-lt"/>
-                <a:ea typeface="+mn-ea"/>
-                <a:cs typeface="+mn-cs"/>
-              </a:defRPr>
-            </a:lvl1pPr>
-            <a:lvl2pPr marL="347472" indent="-342900" algn="l" defTabSz="914400" rtl="0" eaLnBrk="1" latinLnBrk="0" hangingPunct="1">
-              <a:lnSpc>
-                <a:spcPct val="85000"/>
-              </a:lnSpc>
-              <a:spcBef>
-                <a:spcPts val="600"/>
-              </a:spcBef>
-              <a:buFont typeface="Arial" pitchFamily="34" charset="0"/>
-              <a:buChar char=" "/>
-              <a:defRPr sz="2400" kern="1200">
-                <a:solidFill>
-                  <a:schemeClr val="tx1">
-                    <a:lumMod val="85000"/>
-                    <a:lumOff val="15000"/>
-                  </a:schemeClr>
-                </a:solidFill>
-                <a:latin typeface="+mn-lt"/>
-                <a:ea typeface="+mn-ea"/>
-                <a:cs typeface="+mn-cs"/>
-              </a:defRPr>
-            </a:lvl2pPr>
-            <a:lvl3pPr marL="548640" indent="-548640" algn="l" defTabSz="914400" rtl="0" eaLnBrk="1" latinLnBrk="0" hangingPunct="1">
-              <a:lnSpc>
-                <a:spcPct val="85000"/>
-              </a:lnSpc>
-              <a:spcBef>
-                <a:spcPts val="600"/>
-              </a:spcBef>
-              <a:buFont typeface="Arial" pitchFamily="34" charset="0"/>
-              <a:buChar char=" "/>
-              <a:defRPr sz="2000" i="1" kern="1200">
-                <a:solidFill>
-                  <a:schemeClr val="tx1">
-                    <a:lumMod val="85000"/>
-                    <a:lumOff val="15000"/>
-                  </a:schemeClr>
-                </a:solidFill>
-                <a:latin typeface="+mn-lt"/>
-                <a:ea typeface="+mn-ea"/>
-                <a:cs typeface="+mn-cs"/>
-              </a:defRPr>
-            </a:lvl3pPr>
-            <a:lvl4pPr marL="822960" indent="-822960" algn="l" defTabSz="914400" rtl="0" eaLnBrk="1" latinLnBrk="0" hangingPunct="1">
-              <a:lnSpc>
-                <a:spcPct val="85000"/>
-              </a:lnSpc>
-              <a:spcBef>
-                <a:spcPts val="600"/>
-              </a:spcBef>
-              <a:buFont typeface="Arial" pitchFamily="34" charset="0"/>
-              <a:buChar char=" "/>
-              <a:defRPr sz="1800" kern="1200">
-                <a:solidFill>
-                  <a:schemeClr val="tx1">
-                    <a:lumMod val="85000"/>
-                    <a:lumOff val="15000"/>
-                  </a:schemeClr>
-                </a:solidFill>
-                <a:latin typeface="+mn-lt"/>
-                <a:ea typeface="+mn-ea"/>
-                <a:cs typeface="+mn-cs"/>
-              </a:defRPr>
-            </a:lvl4pPr>
-            <a:lvl5pPr marL="1097280" indent="-1097280" algn="l" defTabSz="914400" rtl="0" eaLnBrk="1" latinLnBrk="0" hangingPunct="1">
-              <a:lnSpc>
-                <a:spcPct val="85000"/>
-              </a:lnSpc>
-              <a:spcBef>
-                <a:spcPts val="600"/>
-              </a:spcBef>
-              <a:buFont typeface="Arial" pitchFamily="34" charset="0"/>
-              <a:buChar char=" "/>
-              <a:defRPr sz="1800" kern="1200">
-                <a:solidFill>
-                  <a:schemeClr val="tx1">
-                    <a:lumMod val="85000"/>
-                    <a:lumOff val="15000"/>
-                  </a:schemeClr>
-                </a:solidFill>
-                <a:latin typeface="+mn-lt"/>
-                <a:ea typeface="+mn-ea"/>
-                <a:cs typeface="+mn-cs"/>
-              </a:defRPr>
-            </a:lvl5pPr>
-            <a:lvl6pPr marL="1200000" indent="-228600" algn="l" defTabSz="914400" rtl="0" eaLnBrk="1" latinLnBrk="0" hangingPunct="1">
-              <a:lnSpc>
-                <a:spcPct val="85000"/>
-              </a:lnSpc>
-              <a:spcBef>
-                <a:spcPts val="600"/>
-              </a:spcBef>
-              <a:buFont typeface="Arial" pitchFamily="34" charset="0"/>
-              <a:buChar char=" "/>
-              <a:defRPr sz="1800" kern="1200">
-                <a:solidFill>
-                  <a:schemeClr val="tx1">
-                    <a:lumMod val="85000"/>
-                    <a:lumOff val="15000"/>
-                  </a:schemeClr>
-                </a:solidFill>
-                <a:latin typeface="+mn-lt"/>
-                <a:ea typeface="+mn-ea"/>
-                <a:cs typeface="+mn-cs"/>
-              </a:defRPr>
-            </a:lvl6pPr>
-            <a:lvl7pPr marL="1400000" indent="-228600" algn="l" defTabSz="914400" rtl="0" eaLnBrk="1" latinLnBrk="0" hangingPunct="1">
-              <a:lnSpc>
-                <a:spcPct val="85000"/>
-              </a:lnSpc>
-              <a:spcBef>
-                <a:spcPts val="600"/>
-              </a:spcBef>
-              <a:buFont typeface="Arial" pitchFamily="34" charset="0"/>
-              <a:buChar char=" "/>
-              <a:defRPr sz="1800" kern="1200">
-                <a:solidFill>
-                  <a:schemeClr val="tx1">
-                    <a:lumMod val="85000"/>
-                    <a:lumOff val="15000"/>
-                  </a:schemeClr>
-                </a:solidFill>
-                <a:latin typeface="+mn-lt"/>
-                <a:ea typeface="+mn-ea"/>
-                <a:cs typeface="+mn-cs"/>
-              </a:defRPr>
-            </a:lvl7pPr>
-            <a:lvl8pPr marL="1600000" indent="-228600" algn="l" defTabSz="914400" rtl="0" eaLnBrk="1" latinLnBrk="0" hangingPunct="1">
-              <a:lnSpc>
-                <a:spcPct val="85000"/>
-              </a:lnSpc>
-              <a:spcBef>
-                <a:spcPts val="600"/>
-              </a:spcBef>
-              <a:buFont typeface="Arial" pitchFamily="34" charset="0"/>
-              <a:buChar char=" "/>
-              <a:defRPr sz="1800" kern="1200">
-                <a:solidFill>
-                  <a:schemeClr val="tx1">
-                    <a:lumMod val="85000"/>
-                    <a:lumOff val="15000"/>
-                  </a:schemeClr>
-                </a:solidFill>
-                <a:latin typeface="+mn-lt"/>
-                <a:ea typeface="+mn-ea"/>
-                <a:cs typeface="+mn-cs"/>
-              </a:defRPr>
-            </a:lvl8pPr>
-            <a:lvl9pPr marL="1800000" indent="-228600" algn="l" defTabSz="914400" rtl="0" eaLnBrk="1" latinLnBrk="0" hangingPunct="1">
-              <a:lnSpc>
-                <a:spcPct val="85000"/>
-              </a:lnSpc>
-              <a:spcBef>
-                <a:spcPts val="600"/>
-              </a:spcBef>
-              <a:buFont typeface="Arial" pitchFamily="34" charset="0"/>
-              <a:buChar char=" "/>
-              <a:defRPr sz="1800" kern="1200">
-                <a:solidFill>
-                  <a:schemeClr val="tx1">
-                    <a:lumMod val="85000"/>
-                    <a:lumOff val="15000"/>
-                  </a:schemeClr>
-                </a:solidFill>
-                <a:latin typeface="+mn-lt"/>
-                <a:ea typeface="+mn-ea"/>
-                <a:cs typeface="+mn-cs"/>
-              </a:defRPr>
-            </a:lvl9pPr>
-          </a:lstStyle>
-          <a:p>
-            <a:pPr marL="0" indent="0">
-              <a:buNone/>
-            </a:pPr>
-            <a:r>
-              <a:rPr lang="ru-RU" sz="2700" dirty="0" smtClean="0">
-                <a:latin typeface="+mj-lt"/>
-              </a:rPr>
-              <a:t>Для внешнего вида страницы был применен </a:t>
-            </a:r>
-            <a:r>
-              <a:rPr lang="en-US" sz="2700" dirty="0" smtClean="0">
-                <a:latin typeface="+mj-lt"/>
-              </a:rPr>
-              <a:t>CSS*</a:t>
-            </a:r>
-            <a:endParaRPr lang="ru-RU" sz="2700" dirty="0" smtClean="0">
-              <a:latin typeface="+mj-lt"/>
-            </a:endParaRPr>
-          </a:p>
-        </p:txBody>
-      </p:sp>
-      <p:sp>
-        <p:nvSpPr>
-          <p:cNvPr id="15" name="Объект 2"/>
-          <p:cNvSpPr txBox="1">
-            <a:spLocks/>
-          </p:cNvSpPr>
-          <p:nvPr/>
-        </p:nvSpPr>
-        <p:spPr>
-          <a:xfrm>
-            <a:off x="0" y="1295309"/>
-            <a:ext cx="8440615" cy="410400"/>
-          </a:xfrm>
-          <a:prstGeom prst="rect">
-            <a:avLst/>
-          </a:prstGeom>
-        </p:spPr>
-        <p:txBody>
-          <a:bodyPr vert="horz" lIns="91440" tIns="45720" rIns="91440" bIns="45720" rtlCol="0">
-            <a:normAutofit fontScale="85000" lnSpcReduction="10000"/>
-          </a:bodyPr>
-          <a:lstStyle>
-            <a:lvl1pPr marL="91440" indent="-91440" algn="l" defTabSz="914400" rtl="0" eaLnBrk="1" latinLnBrk="0" hangingPunct="1">
-              <a:lnSpc>
-                <a:spcPct val="85000"/>
-              </a:lnSpc>
-              <a:spcBef>
-                <a:spcPts val="1300"/>
-              </a:spcBef>
-              <a:buFont typeface="Arial" pitchFamily="34" charset="0"/>
-              <a:buChar char=" "/>
-              <a:defRPr sz="2400" kern="1200">
-                <a:solidFill>
-                  <a:schemeClr val="tx1">
-                    <a:lumMod val="85000"/>
-                    <a:lumOff val="15000"/>
-                  </a:schemeClr>
-                </a:solidFill>
-                <a:latin typeface="+mn-lt"/>
-                <a:ea typeface="+mn-ea"/>
-                <a:cs typeface="+mn-cs"/>
-              </a:defRPr>
-            </a:lvl1pPr>
-            <a:lvl2pPr marL="347472" indent="-342900" algn="l" defTabSz="914400" rtl="0" eaLnBrk="1" latinLnBrk="0" hangingPunct="1">
-              <a:lnSpc>
-                <a:spcPct val="85000"/>
-              </a:lnSpc>
-              <a:spcBef>
-                <a:spcPts val="600"/>
-              </a:spcBef>
-              <a:buFont typeface="Arial" pitchFamily="34" charset="0"/>
-              <a:buChar char=" "/>
-              <a:defRPr sz="2400" kern="1200">
-                <a:solidFill>
-                  <a:schemeClr val="tx1">
-                    <a:lumMod val="85000"/>
-                    <a:lumOff val="15000"/>
-                  </a:schemeClr>
-                </a:solidFill>
-                <a:latin typeface="+mn-lt"/>
-                <a:ea typeface="+mn-ea"/>
-                <a:cs typeface="+mn-cs"/>
-              </a:defRPr>
-            </a:lvl2pPr>
-            <a:lvl3pPr marL="548640" indent="-548640" algn="l" defTabSz="914400" rtl="0" eaLnBrk="1" latinLnBrk="0" hangingPunct="1">
-              <a:lnSpc>
-                <a:spcPct val="85000"/>
-              </a:lnSpc>
-              <a:spcBef>
-                <a:spcPts val="600"/>
-              </a:spcBef>
-              <a:buFont typeface="Arial" pitchFamily="34" charset="0"/>
-              <a:buChar char=" "/>
-              <a:defRPr sz="2000" i="1" kern="1200">
-                <a:solidFill>
-                  <a:schemeClr val="tx1">
-                    <a:lumMod val="85000"/>
-                    <a:lumOff val="15000"/>
-                  </a:schemeClr>
-                </a:solidFill>
-                <a:latin typeface="+mn-lt"/>
-                <a:ea typeface="+mn-ea"/>
-                <a:cs typeface="+mn-cs"/>
-              </a:defRPr>
-            </a:lvl3pPr>
-            <a:lvl4pPr marL="822960" indent="-822960" algn="l" defTabSz="914400" rtl="0" eaLnBrk="1" latinLnBrk="0" hangingPunct="1">
-              <a:lnSpc>
-                <a:spcPct val="85000"/>
-              </a:lnSpc>
-              <a:spcBef>
-                <a:spcPts val="600"/>
-              </a:spcBef>
-              <a:buFont typeface="Arial" pitchFamily="34" charset="0"/>
-              <a:buChar char=" "/>
-              <a:defRPr sz="1800" kern="1200">
-                <a:solidFill>
-                  <a:schemeClr val="tx1">
-                    <a:lumMod val="85000"/>
-                    <a:lumOff val="15000"/>
-                  </a:schemeClr>
-                </a:solidFill>
-                <a:latin typeface="+mn-lt"/>
-                <a:ea typeface="+mn-ea"/>
-                <a:cs typeface="+mn-cs"/>
-              </a:defRPr>
-            </a:lvl4pPr>
-            <a:lvl5pPr marL="1097280" indent="-1097280" algn="l" defTabSz="914400" rtl="0" eaLnBrk="1" latinLnBrk="0" hangingPunct="1">
-              <a:lnSpc>
-                <a:spcPct val="85000"/>
-              </a:lnSpc>
-              <a:spcBef>
-                <a:spcPts val="600"/>
-              </a:spcBef>
-              <a:buFont typeface="Arial" pitchFamily="34" charset="0"/>
-              <a:buChar char=" "/>
-              <a:defRPr sz="1800" kern="1200">
-                <a:solidFill>
-                  <a:schemeClr val="tx1">
-                    <a:lumMod val="85000"/>
-                    <a:lumOff val="15000"/>
-                  </a:schemeClr>
-                </a:solidFill>
-                <a:latin typeface="+mn-lt"/>
-                <a:ea typeface="+mn-ea"/>
-                <a:cs typeface="+mn-cs"/>
-              </a:defRPr>
-            </a:lvl5pPr>
-            <a:lvl6pPr marL="1200000" indent="-228600" algn="l" defTabSz="914400" rtl="0" eaLnBrk="1" latinLnBrk="0" hangingPunct="1">
-              <a:lnSpc>
-                <a:spcPct val="85000"/>
-              </a:lnSpc>
-              <a:spcBef>
-                <a:spcPts val="600"/>
-              </a:spcBef>
-              <a:buFont typeface="Arial" pitchFamily="34" charset="0"/>
-              <a:buChar char=" "/>
-              <a:defRPr sz="1800" kern="1200">
-                <a:solidFill>
-                  <a:schemeClr val="tx1">
-                    <a:lumMod val="85000"/>
-                    <a:lumOff val="15000"/>
-                  </a:schemeClr>
-                </a:solidFill>
-                <a:latin typeface="+mn-lt"/>
-                <a:ea typeface="+mn-ea"/>
-                <a:cs typeface="+mn-cs"/>
-              </a:defRPr>
-            </a:lvl6pPr>
-            <a:lvl7pPr marL="1400000" indent="-228600" algn="l" defTabSz="914400" rtl="0" eaLnBrk="1" latinLnBrk="0" hangingPunct="1">
-              <a:lnSpc>
-                <a:spcPct val="85000"/>
-              </a:lnSpc>
-              <a:spcBef>
-                <a:spcPts val="600"/>
-              </a:spcBef>
-              <a:buFont typeface="Arial" pitchFamily="34" charset="0"/>
-              <a:buChar char=" "/>
-              <a:defRPr sz="1800" kern="1200">
-                <a:solidFill>
-                  <a:schemeClr val="tx1">
-                    <a:lumMod val="85000"/>
-                    <a:lumOff val="15000"/>
-                  </a:schemeClr>
-                </a:solidFill>
-                <a:latin typeface="+mn-lt"/>
-                <a:ea typeface="+mn-ea"/>
-                <a:cs typeface="+mn-cs"/>
-              </a:defRPr>
-            </a:lvl7pPr>
-            <a:lvl8pPr marL="1600000" indent="-228600" algn="l" defTabSz="914400" rtl="0" eaLnBrk="1" latinLnBrk="0" hangingPunct="1">
-              <a:lnSpc>
-                <a:spcPct val="85000"/>
-              </a:lnSpc>
-              <a:spcBef>
-                <a:spcPts val="600"/>
-              </a:spcBef>
-              <a:buFont typeface="Arial" pitchFamily="34" charset="0"/>
-              <a:buChar char=" "/>
-              <a:defRPr sz="1800" kern="1200">
-                <a:solidFill>
-                  <a:schemeClr val="tx1">
-                    <a:lumMod val="85000"/>
-                    <a:lumOff val="15000"/>
-                  </a:schemeClr>
-                </a:solidFill>
-                <a:latin typeface="+mn-lt"/>
-                <a:ea typeface="+mn-ea"/>
-                <a:cs typeface="+mn-cs"/>
-              </a:defRPr>
-            </a:lvl8pPr>
-            <a:lvl9pPr marL="1800000" indent="-228600" algn="l" defTabSz="914400" rtl="0" eaLnBrk="1" latinLnBrk="0" hangingPunct="1">
-              <a:lnSpc>
-                <a:spcPct val="85000"/>
-              </a:lnSpc>
-              <a:spcBef>
-                <a:spcPts val="600"/>
-              </a:spcBef>
-              <a:buFont typeface="Arial" pitchFamily="34" charset="0"/>
-              <a:buChar char=" "/>
-              <a:defRPr sz="1800" kern="1200">
-                <a:solidFill>
-                  <a:schemeClr val="tx1">
-                    <a:lumMod val="85000"/>
-                    <a:lumOff val="15000"/>
-                  </a:schemeClr>
-                </a:solidFill>
-                <a:latin typeface="+mn-lt"/>
-                <a:ea typeface="+mn-ea"/>
-                <a:cs typeface="+mn-cs"/>
-              </a:defRPr>
-            </a:lvl9pPr>
-          </a:lstStyle>
-          <a:p>
-            <a:pPr marL="0" indent="0">
-              <a:buNone/>
-            </a:pPr>
-            <a:r>
-              <a:rPr lang="ru-RU" dirty="0" smtClean="0"/>
-              <a:t>В основном я использовал </a:t>
-            </a:r>
-            <a:r>
-              <a:rPr lang="en-US" dirty="0" smtClean="0"/>
-              <a:t>css </a:t>
-            </a:r>
-            <a:r>
-              <a:rPr lang="ru-RU" dirty="0" smtClean="0"/>
-              <a:t>для редактирования текста на странице  </a:t>
-            </a:r>
-            <a:r>
-              <a:rPr lang="en-US" dirty="0" smtClean="0"/>
-              <a:t> </a:t>
-            </a:r>
-            <a:endParaRPr lang="ru-RU" sz="2900" b="1" dirty="0" smtClean="0">
-              <a:latin typeface="+mj-lt"/>
-            </a:endParaRPr>
-          </a:p>
-        </p:txBody>
-      </p:sp>
-      <p:pic>
-        <p:nvPicPr>
-          <p:cNvPr id="10" name="Рисунок 9"/>
-          <p:cNvPicPr>
-            <a:picLocks noChangeAspect="1"/>
-          </p:cNvPicPr>
-          <p:nvPr/>
-        </p:nvPicPr>
-        <p:blipFill>
-          <a:blip r:embed="rId4">
-            <a:extLst>
-              <a:ext uri="{28A0092B-C50C-407E-A947-70E740481C1C}">
-                <a14:useLocalDpi xmlns:a14="http://schemas.microsoft.com/office/drawing/2010/main" val="0"/>
-              </a:ext>
-            </a:extLst>
-          </a:blip>
-          <a:stretch>
-            <a:fillRect/>
-          </a:stretch>
-        </p:blipFill>
-        <p:spPr>
-          <a:xfrm>
-            <a:off x="2720095" y="3151352"/>
-            <a:ext cx="2934109" cy="1305107"/>
-          </a:xfrm>
-          <a:prstGeom prst="rect">
-            <a:avLst/>
-          </a:prstGeom>
-          <a:ln>
-            <a:noFill/>
-          </a:ln>
-          <a:effectLst>
-            <a:outerShdw blurRad="190500" algn="tl" rotWithShape="0">
-              <a:srgbClr val="000000">
-                <a:alpha val="70000"/>
-              </a:srgbClr>
-            </a:outerShdw>
-          </a:effectLst>
-        </p:spPr>
-      </p:pic>
-      <p:pic>
-        <p:nvPicPr>
-          <p:cNvPr id="11" name="Рисунок 10"/>
-          <p:cNvPicPr>
-            <a:picLocks noChangeAspect="1"/>
-          </p:cNvPicPr>
-          <p:nvPr/>
-        </p:nvPicPr>
-        <p:blipFill>
-          <a:blip r:embed="rId5">
-            <a:extLst>
-              <a:ext uri="{28A0092B-C50C-407E-A947-70E740481C1C}">
-                <a14:useLocalDpi xmlns:a14="http://schemas.microsoft.com/office/drawing/2010/main" val="0"/>
-              </a:ext>
-            </a:extLst>
-          </a:blip>
-          <a:stretch>
-            <a:fillRect/>
-          </a:stretch>
-        </p:blipFill>
-        <p:spPr>
-          <a:xfrm>
-            <a:off x="6431906" y="1935906"/>
-            <a:ext cx="2210603" cy="3736001"/>
-          </a:xfrm>
-          <a:prstGeom prst="rect">
-            <a:avLst/>
-          </a:prstGeom>
-          <a:ln>
-            <a:noFill/>
-          </a:ln>
-          <a:effectLst>
-            <a:outerShdw blurRad="190500" algn="tl" rotWithShape="0">
-              <a:srgbClr val="000000">
-                <a:alpha val="70000"/>
-              </a:srgbClr>
-            </a:outerShdw>
-          </a:effectLst>
-        </p:spPr>
-      </p:pic>
-      <p:sp>
-        <p:nvSpPr>
-          <p:cNvPr id="14" name="Заголовок 1"/>
-          <p:cNvSpPr>
-            <a:spLocks noGrp="1"/>
-          </p:cNvSpPr>
-          <p:nvPr>
-            <p:ph type="title"/>
-          </p:nvPr>
-        </p:nvSpPr>
-        <p:spPr>
-          <a:xfrm>
-            <a:off x="1" y="15461"/>
-            <a:ext cx="2980591" cy="608793"/>
-          </a:xfrm>
-        </p:spPr>
-        <p:txBody>
-          <a:bodyPr>
-            <a:normAutofit/>
-          </a:bodyPr>
-          <a:lstStyle/>
-          <a:p>
-            <a:r>
-              <a:rPr lang="en-US" sz="3200" dirty="0" smtClean="0"/>
-              <a:t>WEB-</a:t>
-            </a:r>
-            <a:r>
-              <a:rPr lang="ru-RU" sz="3200" dirty="0" smtClean="0"/>
-              <a:t>Технологии</a:t>
-            </a:r>
-            <a:endParaRPr lang="ru-RU" sz="3200" dirty="0"/>
-          </a:p>
-        </p:txBody>
-      </p:sp>
-    </p:spTree>
-    <p:extLst>
-      <p:ext uri="{BB962C8B-B14F-4D97-AF65-F5344CB8AC3E}">
-        <p14:creationId xmlns:p14="http://schemas.microsoft.com/office/powerpoint/2010/main" val="2940939795"/>
-      </p:ext>
-    </p:extLst>
-  </p:cSld>
-  <p:clrMapOvr>
-    <a:masterClrMapping/>
-  </p:clrMapOvr>
-  <p:timing>
-    <p:tnLst>
-      <p:par>
-        <p:cTn id="1" dur="indefinite" restart="never" nodeType="tmRoot"/>
-      </p:par>
-    </p:tnLst>
-  </p:timing>
-</p:sld>
-</file>
-
-<file path=ppt/slides/slide19.xml><?xml version="1.0" encoding="utf-8"?>
 <p:sld xmlns:a="http://schemas.openxmlformats.org/drawingml/2006/main" xmlns:r="http://schemas.openxmlformats.org/officeDocument/2006/relationships" xmlns:p="http://schemas.openxmlformats.org/presentationml/2006/main">
   <p:cSld>
     <p:spTree>
@@ -9539,189 +5521,7 @@
 </p:sld>
 </file>
 
-<file path=ppt/slides/slide2.xml><?xml version="1.0" encoding="utf-8"?>
-<p:sld xmlns:a="http://schemas.openxmlformats.org/drawingml/2006/main" xmlns:r="http://schemas.openxmlformats.org/officeDocument/2006/relationships" xmlns:p="http://schemas.openxmlformats.org/presentationml/2006/main">
-  <p:cSld>
-    <p:spTree>
-      <p:nvGrpSpPr>
-        <p:cNvPr id="1" name=""/>
-        <p:cNvGrpSpPr/>
-        <p:nvPr/>
-      </p:nvGrpSpPr>
-      <p:grpSpPr>
-        <a:xfrm>
-          <a:off x="0" y="0"/>
-          <a:ext cx="0" cy="0"/>
-          <a:chOff x="0" y="0"/>
-          <a:chExt cx="0" cy="0"/>
-        </a:xfrm>
-      </p:grpSpPr>
-      <p:sp>
-        <p:nvSpPr>
-          <p:cNvPr id="2" name="Заголовок 1"/>
-          <p:cNvSpPr>
-            <a:spLocks noGrp="1"/>
-          </p:cNvSpPr>
-          <p:nvPr>
-            <p:ph type="title"/>
-          </p:nvPr>
-        </p:nvSpPr>
-        <p:spPr/>
-        <p:txBody>
-          <a:bodyPr/>
-          <a:lstStyle/>
-          <a:p>
-            <a:r>
-              <a:rPr lang="ru-RU" dirty="0" smtClean="0"/>
-              <a:t>Актуальность проекта</a:t>
-            </a:r>
-            <a:endParaRPr lang="ru-RU" dirty="0"/>
-          </a:p>
-        </p:txBody>
-      </p:sp>
-      <p:sp>
-        <p:nvSpPr>
-          <p:cNvPr id="3" name="Объект 2"/>
-          <p:cNvSpPr>
-            <a:spLocks noGrp="1"/>
-          </p:cNvSpPr>
-          <p:nvPr>
-            <p:ph idx="1"/>
-          </p:nvPr>
-        </p:nvSpPr>
-        <p:spPr/>
-        <p:txBody>
-          <a:bodyPr/>
-          <a:lstStyle/>
-          <a:p>
-            <a:pPr lvl="1">
-              <a:buFont typeface="Wingdings" panose="05000000000000000000" pitchFamily="2" charset="2"/>
-              <a:buChar char="§"/>
-            </a:pPr>
-            <a:r>
-              <a:rPr lang="ru-RU" sz="2800" dirty="0" smtClean="0"/>
-              <a:t>Продукт </a:t>
-            </a:r>
-            <a:r>
-              <a:rPr lang="ru-RU" sz="2800" dirty="0"/>
-              <a:t>проектной деятельности будет полезен учащимся, сдающим ЕГЭ по информатике</a:t>
-            </a:r>
-            <a:r>
-              <a:rPr lang="ru-RU" sz="2800" dirty="0" smtClean="0"/>
-              <a:t>.</a:t>
-            </a:r>
-          </a:p>
-          <a:p>
-            <a:pPr lvl="1">
-              <a:buFont typeface="Wingdings" panose="05000000000000000000" pitchFamily="2" charset="2"/>
-              <a:buChar char="§"/>
-            </a:pPr>
-            <a:r>
-              <a:rPr lang="ru-RU" sz="2800" dirty="0" smtClean="0"/>
-              <a:t>Структурированная теория поможет систематизировать знания по решению задач 19-21</a:t>
-            </a:r>
-          </a:p>
-          <a:p>
-            <a:pPr lvl="1">
-              <a:buFont typeface="Wingdings" panose="05000000000000000000" pitchFamily="2" charset="2"/>
-              <a:buChar char="§"/>
-            </a:pPr>
-            <a:r>
-              <a:rPr lang="ru-RU" sz="2800" dirty="0" smtClean="0"/>
-              <a:t>Тестирующая система </a:t>
-            </a:r>
-            <a:r>
-              <a:rPr lang="ru-RU" sz="2800" dirty="0"/>
-              <a:t>позволит улучшить навыки </a:t>
-            </a:r>
-            <a:r>
-              <a:rPr lang="ru-RU" sz="2800" dirty="0" smtClean="0"/>
-              <a:t>решения задач, </a:t>
-            </a:r>
-            <a:r>
-              <a:rPr lang="ru-RU" sz="2800" dirty="0"/>
-              <a:t>выявить слабые стороны </a:t>
-            </a:r>
-            <a:r>
-              <a:rPr lang="ru-RU" sz="2800" dirty="0" smtClean="0"/>
-              <a:t>и уменьшить время на выполнение заданий.</a:t>
-            </a:r>
-            <a:endParaRPr lang="ru-RU" sz="2800" dirty="0"/>
-          </a:p>
-          <a:p>
-            <a:pPr marL="0" indent="0">
-              <a:buNone/>
-            </a:pPr>
-            <a:endParaRPr lang="ru-RU" dirty="0" smtClean="0"/>
-          </a:p>
-          <a:p>
-            <a:pPr>
-              <a:buFont typeface="Wingdings" panose="05000000000000000000" pitchFamily="2" charset="2"/>
-              <a:buChar char="§"/>
-            </a:pPr>
-            <a:endParaRPr lang="ru-RU" dirty="0"/>
-          </a:p>
-        </p:txBody>
-      </p:sp>
-      <p:pic>
-        <p:nvPicPr>
-          <p:cNvPr id="5" name="Рисунок 4"/>
-          <p:cNvPicPr>
-            <a:picLocks noChangeAspect="1"/>
-          </p:cNvPicPr>
-          <p:nvPr/>
-        </p:nvPicPr>
-        <p:blipFill>
-          <a:blip r:embed="rId2" cstate="print">
-            <a:extLst>
-              <a:ext uri="{28A0092B-C50C-407E-A947-70E740481C1C}">
-                <a14:useLocalDpi xmlns:a14="http://schemas.microsoft.com/office/drawing/2010/main" val="0"/>
-              </a:ext>
-            </a:extLst>
-          </a:blip>
-          <a:stretch>
-            <a:fillRect/>
-          </a:stretch>
-        </p:blipFill>
-        <p:spPr>
-          <a:xfrm>
-            <a:off x="7136130" y="381000"/>
-            <a:ext cx="2360295" cy="1402425"/>
-          </a:xfrm>
-          <a:prstGeom prst="rect">
-            <a:avLst/>
-          </a:prstGeom>
-        </p:spPr>
-      </p:pic>
-    </p:spTree>
-    <p:extLst>
-      <p:ext uri="{BB962C8B-B14F-4D97-AF65-F5344CB8AC3E}">
-        <p14:creationId xmlns:p14="http://schemas.microsoft.com/office/powerpoint/2010/main" val="3806181619"/>
-      </p:ext>
-    </p:extLst>
-  </p:cSld>
-  <p:clrMapOvr>
-    <a:masterClrMapping/>
-  </p:clrMapOvr>
-  <mc:AlternateContent xmlns:mc="http://schemas.openxmlformats.org/markup-compatibility/2006" xmlns:p14="http://schemas.microsoft.com/office/powerpoint/2010/main">
-    <mc:Choice Requires="p14">
-      <p:transition p14:dur="0"/>
-    </mc:Choice>
-    <mc:Fallback xmlns="">
-      <p:transition/>
-    </mc:Fallback>
-  </mc:AlternateContent>
-  <p:timing>
-    <p:tnLst>
-      <p:par>
-        <p:cTn id="1" dur="indefinite" restart="never" nodeType="tmRoot"/>
-      </p:par>
-    </p:tnLst>
-  </p:timing>
-</p:sld>
-</file>
-
-<file path=ppt/slides/slide20.xml><?xml version="1.0" encoding="utf-8"?>
+<file path=ppt/slides/slide11.xml><?xml version="1.0" encoding="utf-8"?>
 <p:sld xmlns:a="http://schemas.openxmlformats.org/drawingml/2006/main" xmlns:r="http://schemas.openxmlformats.org/officeDocument/2006/relationships" xmlns:p="http://schemas.openxmlformats.org/presentationml/2006/main">
   <p:cSld>
     <p:spTree>
@@ -10220,7 +6020,7 @@
 </p:sld>
 </file>
 
-<file path=ppt/slides/slide21.xml><?xml version="1.0" encoding="utf-8"?>
+<file path=ppt/slides/slide12.xml><?xml version="1.0" encoding="utf-8"?>
 <p:sld xmlns:a="http://schemas.openxmlformats.org/drawingml/2006/main" xmlns:r="http://schemas.openxmlformats.org/officeDocument/2006/relationships" xmlns:p="http://schemas.openxmlformats.org/presentationml/2006/main">
   <p:cSld>
     <p:spTree>
@@ -11196,7 +6996,2116 @@
 </p:sld>
 </file>
 
-<file path=ppt/slides/slide22.xml><?xml version="1.0" encoding="utf-8"?>
+<file path=ppt/slides/slide13.xml><?xml version="1.0" encoding="utf-8"?>
+<p:sld xmlns:a="http://schemas.openxmlformats.org/drawingml/2006/main" xmlns:r="http://schemas.openxmlformats.org/officeDocument/2006/relationships" xmlns:p="http://schemas.openxmlformats.org/presentationml/2006/main">
+  <p:cSld>
+    <p:spTree>
+      <p:nvGrpSpPr>
+        <p:cNvPr id="1" name=""/>
+        <p:cNvGrpSpPr/>
+        <p:nvPr/>
+      </p:nvGrpSpPr>
+      <p:grpSpPr>
+        <a:xfrm>
+          <a:off x="0" y="0"/>
+          <a:ext cx="0" cy="0"/>
+          <a:chOff x="0" y="0"/>
+          <a:chExt cx="0" cy="0"/>
+        </a:xfrm>
+      </p:grpSpPr>
+      <p:sp>
+        <p:nvSpPr>
+          <p:cNvPr id="2" name="Заголовок 1"/>
+          <p:cNvSpPr>
+            <a:spLocks noGrp="1"/>
+          </p:cNvSpPr>
+          <p:nvPr>
+            <p:ph type="title"/>
+          </p:nvPr>
+        </p:nvSpPr>
+        <p:spPr>
+          <a:xfrm>
+            <a:off x="0" y="0"/>
+            <a:ext cx="7165731" cy="1380392"/>
+          </a:xfrm>
+        </p:spPr>
+        <p:txBody>
+          <a:bodyPr/>
+          <a:lstStyle/>
+          <a:p>
+            <a:r>
+              <a:rPr lang="ru-RU" dirty="0" smtClean="0"/>
+              <a:t>Способы решения задач </a:t>
+            </a:r>
+            <a:endParaRPr lang="ru-RU" dirty="0"/>
+          </a:p>
+        </p:txBody>
+      </p:sp>
+      <p:sp>
+        <p:nvSpPr>
+          <p:cNvPr id="3" name="Объект 2"/>
+          <p:cNvSpPr>
+            <a:spLocks noGrp="1"/>
+          </p:cNvSpPr>
+          <p:nvPr>
+            <p:ph idx="1"/>
+          </p:nvPr>
+        </p:nvSpPr>
+        <p:spPr>
+          <a:xfrm>
+            <a:off x="676657" y="2011680"/>
+            <a:ext cx="1653306" cy="520913"/>
+          </a:xfrm>
+        </p:spPr>
+        <p:txBody>
+          <a:bodyPr/>
+          <a:lstStyle/>
+          <a:p>
+            <a:r>
+              <a:rPr lang="ru-RU" dirty="0" smtClean="0"/>
+              <a:t>1. Руками</a:t>
+            </a:r>
+          </a:p>
+          <a:p>
+            <a:endParaRPr lang="ru-RU" dirty="0"/>
+          </a:p>
+        </p:txBody>
+      </p:sp>
+      <p:pic>
+        <p:nvPicPr>
+          <p:cNvPr id="1029" name="Picture 5" descr="Руками1"/>
+          <p:cNvPicPr>
+            <a:picLocks noChangeAspect="1" noChangeArrowheads="1"/>
+          </p:cNvPicPr>
+          <p:nvPr/>
+        </p:nvPicPr>
+        <p:blipFill>
+          <a:blip r:embed="rId2" cstate="print">
+            <a:extLst>
+              <a:ext uri="{28A0092B-C50C-407E-A947-70E740481C1C}">
+                <a14:useLocalDpi xmlns:a14="http://schemas.microsoft.com/office/drawing/2010/main" val="0"/>
+              </a:ext>
+            </a:extLst>
+          </a:blip>
+          <a:srcRect/>
+          <a:stretch>
+            <a:fillRect/>
+          </a:stretch>
+        </p:blipFill>
+        <p:spPr bwMode="auto">
+          <a:xfrm>
+            <a:off x="0" y="3042138"/>
+            <a:ext cx="4159763" cy="3077308"/>
+          </a:xfrm>
+          <a:prstGeom prst="rect">
+            <a:avLst/>
+          </a:prstGeom>
+          <a:noFill/>
+          <a:ln>
+            <a:noFill/>
+          </a:ln>
+          <a:extLst>
+            <a:ext uri="{909E8E84-426E-40DD-AFC4-6F175D3DCCD1}">
+              <a14:hiddenFill xmlns:a14="http://schemas.microsoft.com/office/drawing/2010/main">
+                <a:solidFill>
+                  <a:srgbClr val="FFFFFF"/>
+                </a:solidFill>
+              </a14:hiddenFill>
+            </a:ext>
+            <a:ext uri="{91240B29-F687-4F45-9708-019B960494DF}">
+              <a14:hiddenLine xmlns:a14="http://schemas.microsoft.com/office/drawing/2010/main" w="9525">
+                <a:solidFill>
+                  <a:srgbClr val="000000"/>
+                </a:solidFill>
+                <a:miter lim="800000"/>
+                <a:headEnd/>
+                <a:tailEnd/>
+              </a14:hiddenLine>
+            </a:ext>
+          </a:extLst>
+        </p:spPr>
+      </p:pic>
+      <p:sp>
+        <p:nvSpPr>
+          <p:cNvPr id="6" name="Объект 2"/>
+          <p:cNvSpPr txBox="1">
+            <a:spLocks/>
+          </p:cNvSpPr>
+          <p:nvPr/>
+        </p:nvSpPr>
+        <p:spPr>
+          <a:xfrm>
+            <a:off x="4852959" y="2011680"/>
+            <a:ext cx="2761312" cy="520913"/>
+          </a:xfrm>
+          <a:prstGeom prst="rect">
+            <a:avLst/>
+          </a:prstGeom>
+        </p:spPr>
+        <p:txBody>
+          <a:bodyPr vert="horz" lIns="91440" tIns="45720" rIns="91440" bIns="45720" rtlCol="0">
+            <a:normAutofit fontScale="70000" lnSpcReduction="20000"/>
+          </a:bodyPr>
+          <a:lstStyle>
+            <a:lvl1pPr marL="91440" indent="-91440" algn="l" defTabSz="914400" rtl="0" eaLnBrk="1" latinLnBrk="0" hangingPunct="1">
+              <a:lnSpc>
+                <a:spcPct val="85000"/>
+              </a:lnSpc>
+              <a:spcBef>
+                <a:spcPts val="1300"/>
+              </a:spcBef>
+              <a:buFont typeface="Arial" pitchFamily="34" charset="0"/>
+              <a:buChar char=" "/>
+              <a:defRPr sz="2400" kern="1200">
+                <a:solidFill>
+                  <a:schemeClr val="tx1">
+                    <a:lumMod val="85000"/>
+                    <a:lumOff val="15000"/>
+                  </a:schemeClr>
+                </a:solidFill>
+                <a:latin typeface="+mn-lt"/>
+                <a:ea typeface="+mn-ea"/>
+                <a:cs typeface="+mn-cs"/>
+              </a:defRPr>
+            </a:lvl1pPr>
+            <a:lvl2pPr marL="347472" indent="-342900" algn="l" defTabSz="914400" rtl="0" eaLnBrk="1" latinLnBrk="0" hangingPunct="1">
+              <a:lnSpc>
+                <a:spcPct val="85000"/>
+              </a:lnSpc>
+              <a:spcBef>
+                <a:spcPts val="600"/>
+              </a:spcBef>
+              <a:buFont typeface="Arial" pitchFamily="34" charset="0"/>
+              <a:buChar char=" "/>
+              <a:defRPr sz="2400" kern="1200">
+                <a:solidFill>
+                  <a:schemeClr val="tx1">
+                    <a:lumMod val="85000"/>
+                    <a:lumOff val="15000"/>
+                  </a:schemeClr>
+                </a:solidFill>
+                <a:latin typeface="+mn-lt"/>
+                <a:ea typeface="+mn-ea"/>
+                <a:cs typeface="+mn-cs"/>
+              </a:defRPr>
+            </a:lvl2pPr>
+            <a:lvl3pPr marL="548640" indent="-548640" algn="l" defTabSz="914400" rtl="0" eaLnBrk="1" latinLnBrk="0" hangingPunct="1">
+              <a:lnSpc>
+                <a:spcPct val="85000"/>
+              </a:lnSpc>
+              <a:spcBef>
+                <a:spcPts val="600"/>
+              </a:spcBef>
+              <a:buFont typeface="Arial" pitchFamily="34" charset="0"/>
+              <a:buChar char=" "/>
+              <a:defRPr sz="2000" i="1" kern="1200">
+                <a:solidFill>
+                  <a:schemeClr val="tx1">
+                    <a:lumMod val="85000"/>
+                    <a:lumOff val="15000"/>
+                  </a:schemeClr>
+                </a:solidFill>
+                <a:latin typeface="+mn-lt"/>
+                <a:ea typeface="+mn-ea"/>
+                <a:cs typeface="+mn-cs"/>
+              </a:defRPr>
+            </a:lvl3pPr>
+            <a:lvl4pPr marL="822960" indent="-822960" algn="l" defTabSz="914400" rtl="0" eaLnBrk="1" latinLnBrk="0" hangingPunct="1">
+              <a:lnSpc>
+                <a:spcPct val="85000"/>
+              </a:lnSpc>
+              <a:spcBef>
+                <a:spcPts val="600"/>
+              </a:spcBef>
+              <a:buFont typeface="Arial" pitchFamily="34" charset="0"/>
+              <a:buChar char=" "/>
+              <a:defRPr sz="1800" kern="1200">
+                <a:solidFill>
+                  <a:schemeClr val="tx1">
+                    <a:lumMod val="85000"/>
+                    <a:lumOff val="15000"/>
+                  </a:schemeClr>
+                </a:solidFill>
+                <a:latin typeface="+mn-lt"/>
+                <a:ea typeface="+mn-ea"/>
+                <a:cs typeface="+mn-cs"/>
+              </a:defRPr>
+            </a:lvl4pPr>
+            <a:lvl5pPr marL="1097280" indent="-1097280" algn="l" defTabSz="914400" rtl="0" eaLnBrk="1" latinLnBrk="0" hangingPunct="1">
+              <a:lnSpc>
+                <a:spcPct val="85000"/>
+              </a:lnSpc>
+              <a:spcBef>
+                <a:spcPts val="600"/>
+              </a:spcBef>
+              <a:buFont typeface="Arial" pitchFamily="34" charset="0"/>
+              <a:buChar char=" "/>
+              <a:defRPr sz="1800" kern="1200">
+                <a:solidFill>
+                  <a:schemeClr val="tx1">
+                    <a:lumMod val="85000"/>
+                    <a:lumOff val="15000"/>
+                  </a:schemeClr>
+                </a:solidFill>
+                <a:latin typeface="+mn-lt"/>
+                <a:ea typeface="+mn-ea"/>
+                <a:cs typeface="+mn-cs"/>
+              </a:defRPr>
+            </a:lvl5pPr>
+            <a:lvl6pPr marL="1200000" indent="-228600" algn="l" defTabSz="914400" rtl="0" eaLnBrk="1" latinLnBrk="0" hangingPunct="1">
+              <a:lnSpc>
+                <a:spcPct val="85000"/>
+              </a:lnSpc>
+              <a:spcBef>
+                <a:spcPts val="600"/>
+              </a:spcBef>
+              <a:buFont typeface="Arial" pitchFamily="34" charset="0"/>
+              <a:buChar char=" "/>
+              <a:defRPr sz="1800" kern="1200">
+                <a:solidFill>
+                  <a:schemeClr val="tx1">
+                    <a:lumMod val="85000"/>
+                    <a:lumOff val="15000"/>
+                  </a:schemeClr>
+                </a:solidFill>
+                <a:latin typeface="+mn-lt"/>
+                <a:ea typeface="+mn-ea"/>
+                <a:cs typeface="+mn-cs"/>
+              </a:defRPr>
+            </a:lvl6pPr>
+            <a:lvl7pPr marL="1400000" indent="-228600" algn="l" defTabSz="914400" rtl="0" eaLnBrk="1" latinLnBrk="0" hangingPunct="1">
+              <a:lnSpc>
+                <a:spcPct val="85000"/>
+              </a:lnSpc>
+              <a:spcBef>
+                <a:spcPts val="600"/>
+              </a:spcBef>
+              <a:buFont typeface="Arial" pitchFamily="34" charset="0"/>
+              <a:buChar char=" "/>
+              <a:defRPr sz="1800" kern="1200">
+                <a:solidFill>
+                  <a:schemeClr val="tx1">
+                    <a:lumMod val="85000"/>
+                    <a:lumOff val="15000"/>
+                  </a:schemeClr>
+                </a:solidFill>
+                <a:latin typeface="+mn-lt"/>
+                <a:ea typeface="+mn-ea"/>
+                <a:cs typeface="+mn-cs"/>
+              </a:defRPr>
+            </a:lvl7pPr>
+            <a:lvl8pPr marL="1600000" indent="-228600" algn="l" defTabSz="914400" rtl="0" eaLnBrk="1" latinLnBrk="0" hangingPunct="1">
+              <a:lnSpc>
+                <a:spcPct val="85000"/>
+              </a:lnSpc>
+              <a:spcBef>
+                <a:spcPts val="600"/>
+              </a:spcBef>
+              <a:buFont typeface="Arial" pitchFamily="34" charset="0"/>
+              <a:buChar char=" "/>
+              <a:defRPr sz="1800" kern="1200">
+                <a:solidFill>
+                  <a:schemeClr val="tx1">
+                    <a:lumMod val="85000"/>
+                    <a:lumOff val="15000"/>
+                  </a:schemeClr>
+                </a:solidFill>
+                <a:latin typeface="+mn-lt"/>
+                <a:ea typeface="+mn-ea"/>
+                <a:cs typeface="+mn-cs"/>
+              </a:defRPr>
+            </a:lvl8pPr>
+            <a:lvl9pPr marL="1800000" indent="-228600" algn="l" defTabSz="914400" rtl="0" eaLnBrk="1" latinLnBrk="0" hangingPunct="1">
+              <a:lnSpc>
+                <a:spcPct val="85000"/>
+              </a:lnSpc>
+              <a:spcBef>
+                <a:spcPts val="600"/>
+              </a:spcBef>
+              <a:buFont typeface="Arial" pitchFamily="34" charset="0"/>
+              <a:buChar char=" "/>
+              <a:defRPr sz="1800" kern="1200">
+                <a:solidFill>
+                  <a:schemeClr val="tx1">
+                    <a:lumMod val="85000"/>
+                    <a:lumOff val="15000"/>
+                  </a:schemeClr>
+                </a:solidFill>
+                <a:latin typeface="+mn-lt"/>
+                <a:ea typeface="+mn-ea"/>
+                <a:cs typeface="+mn-cs"/>
+              </a:defRPr>
+            </a:lvl9pPr>
+          </a:lstStyle>
+          <a:p>
+            <a:r>
+              <a:rPr lang="ru-RU" dirty="0" smtClean="0"/>
+              <a:t>2. Рациональный способ решения(Поляков)</a:t>
+            </a:r>
+            <a:endParaRPr lang="ru-RU" dirty="0"/>
+          </a:p>
+        </p:txBody>
+      </p:sp>
+      <p:sp>
+        <p:nvSpPr>
+          <p:cNvPr id="7" name="Объект 2"/>
+          <p:cNvSpPr txBox="1">
+            <a:spLocks/>
+          </p:cNvSpPr>
+          <p:nvPr/>
+        </p:nvSpPr>
+        <p:spPr>
+          <a:xfrm>
+            <a:off x="9040896" y="2011679"/>
+            <a:ext cx="2761312" cy="520913"/>
+          </a:xfrm>
+          <a:prstGeom prst="rect">
+            <a:avLst/>
+          </a:prstGeom>
+        </p:spPr>
+        <p:txBody>
+          <a:bodyPr vert="horz" lIns="91440" tIns="45720" rIns="91440" bIns="45720" rtlCol="0">
+            <a:normAutofit fontScale="62500" lnSpcReduction="20000"/>
+          </a:bodyPr>
+          <a:lstStyle>
+            <a:lvl1pPr marL="91440" indent="-91440" algn="l" defTabSz="914400" rtl="0" eaLnBrk="1" latinLnBrk="0" hangingPunct="1">
+              <a:lnSpc>
+                <a:spcPct val="85000"/>
+              </a:lnSpc>
+              <a:spcBef>
+                <a:spcPts val="1300"/>
+              </a:spcBef>
+              <a:buFont typeface="Arial" pitchFamily="34" charset="0"/>
+              <a:buChar char=" "/>
+              <a:defRPr sz="2400" kern="1200">
+                <a:solidFill>
+                  <a:schemeClr val="tx1">
+                    <a:lumMod val="85000"/>
+                    <a:lumOff val="15000"/>
+                  </a:schemeClr>
+                </a:solidFill>
+                <a:latin typeface="+mn-lt"/>
+                <a:ea typeface="+mn-ea"/>
+                <a:cs typeface="+mn-cs"/>
+              </a:defRPr>
+            </a:lvl1pPr>
+            <a:lvl2pPr marL="347472" indent="-342900" algn="l" defTabSz="914400" rtl="0" eaLnBrk="1" latinLnBrk="0" hangingPunct="1">
+              <a:lnSpc>
+                <a:spcPct val="85000"/>
+              </a:lnSpc>
+              <a:spcBef>
+                <a:spcPts val="600"/>
+              </a:spcBef>
+              <a:buFont typeface="Arial" pitchFamily="34" charset="0"/>
+              <a:buChar char=" "/>
+              <a:defRPr sz="2400" kern="1200">
+                <a:solidFill>
+                  <a:schemeClr val="tx1">
+                    <a:lumMod val="85000"/>
+                    <a:lumOff val="15000"/>
+                  </a:schemeClr>
+                </a:solidFill>
+                <a:latin typeface="+mn-lt"/>
+                <a:ea typeface="+mn-ea"/>
+                <a:cs typeface="+mn-cs"/>
+              </a:defRPr>
+            </a:lvl2pPr>
+            <a:lvl3pPr marL="548640" indent="-548640" algn="l" defTabSz="914400" rtl="0" eaLnBrk="1" latinLnBrk="0" hangingPunct="1">
+              <a:lnSpc>
+                <a:spcPct val="85000"/>
+              </a:lnSpc>
+              <a:spcBef>
+                <a:spcPts val="600"/>
+              </a:spcBef>
+              <a:buFont typeface="Arial" pitchFamily="34" charset="0"/>
+              <a:buChar char=" "/>
+              <a:defRPr sz="2000" i="1" kern="1200">
+                <a:solidFill>
+                  <a:schemeClr val="tx1">
+                    <a:lumMod val="85000"/>
+                    <a:lumOff val="15000"/>
+                  </a:schemeClr>
+                </a:solidFill>
+                <a:latin typeface="+mn-lt"/>
+                <a:ea typeface="+mn-ea"/>
+                <a:cs typeface="+mn-cs"/>
+              </a:defRPr>
+            </a:lvl3pPr>
+            <a:lvl4pPr marL="822960" indent="-822960" algn="l" defTabSz="914400" rtl="0" eaLnBrk="1" latinLnBrk="0" hangingPunct="1">
+              <a:lnSpc>
+                <a:spcPct val="85000"/>
+              </a:lnSpc>
+              <a:spcBef>
+                <a:spcPts val="600"/>
+              </a:spcBef>
+              <a:buFont typeface="Arial" pitchFamily="34" charset="0"/>
+              <a:buChar char=" "/>
+              <a:defRPr sz="1800" kern="1200">
+                <a:solidFill>
+                  <a:schemeClr val="tx1">
+                    <a:lumMod val="85000"/>
+                    <a:lumOff val="15000"/>
+                  </a:schemeClr>
+                </a:solidFill>
+                <a:latin typeface="+mn-lt"/>
+                <a:ea typeface="+mn-ea"/>
+                <a:cs typeface="+mn-cs"/>
+              </a:defRPr>
+            </a:lvl4pPr>
+            <a:lvl5pPr marL="1097280" indent="-1097280" algn="l" defTabSz="914400" rtl="0" eaLnBrk="1" latinLnBrk="0" hangingPunct="1">
+              <a:lnSpc>
+                <a:spcPct val="85000"/>
+              </a:lnSpc>
+              <a:spcBef>
+                <a:spcPts val="600"/>
+              </a:spcBef>
+              <a:buFont typeface="Arial" pitchFamily="34" charset="0"/>
+              <a:buChar char=" "/>
+              <a:defRPr sz="1800" kern="1200">
+                <a:solidFill>
+                  <a:schemeClr val="tx1">
+                    <a:lumMod val="85000"/>
+                    <a:lumOff val="15000"/>
+                  </a:schemeClr>
+                </a:solidFill>
+                <a:latin typeface="+mn-lt"/>
+                <a:ea typeface="+mn-ea"/>
+                <a:cs typeface="+mn-cs"/>
+              </a:defRPr>
+            </a:lvl5pPr>
+            <a:lvl6pPr marL="1200000" indent="-228600" algn="l" defTabSz="914400" rtl="0" eaLnBrk="1" latinLnBrk="0" hangingPunct="1">
+              <a:lnSpc>
+                <a:spcPct val="85000"/>
+              </a:lnSpc>
+              <a:spcBef>
+                <a:spcPts val="600"/>
+              </a:spcBef>
+              <a:buFont typeface="Arial" pitchFamily="34" charset="0"/>
+              <a:buChar char=" "/>
+              <a:defRPr sz="1800" kern="1200">
+                <a:solidFill>
+                  <a:schemeClr val="tx1">
+                    <a:lumMod val="85000"/>
+                    <a:lumOff val="15000"/>
+                  </a:schemeClr>
+                </a:solidFill>
+                <a:latin typeface="+mn-lt"/>
+                <a:ea typeface="+mn-ea"/>
+                <a:cs typeface="+mn-cs"/>
+              </a:defRPr>
+            </a:lvl6pPr>
+            <a:lvl7pPr marL="1400000" indent="-228600" algn="l" defTabSz="914400" rtl="0" eaLnBrk="1" latinLnBrk="0" hangingPunct="1">
+              <a:lnSpc>
+                <a:spcPct val="85000"/>
+              </a:lnSpc>
+              <a:spcBef>
+                <a:spcPts val="600"/>
+              </a:spcBef>
+              <a:buFont typeface="Arial" pitchFamily="34" charset="0"/>
+              <a:buChar char=" "/>
+              <a:defRPr sz="1800" kern="1200">
+                <a:solidFill>
+                  <a:schemeClr val="tx1">
+                    <a:lumMod val="85000"/>
+                    <a:lumOff val="15000"/>
+                  </a:schemeClr>
+                </a:solidFill>
+                <a:latin typeface="+mn-lt"/>
+                <a:ea typeface="+mn-ea"/>
+                <a:cs typeface="+mn-cs"/>
+              </a:defRPr>
+            </a:lvl7pPr>
+            <a:lvl8pPr marL="1600000" indent="-228600" algn="l" defTabSz="914400" rtl="0" eaLnBrk="1" latinLnBrk="0" hangingPunct="1">
+              <a:lnSpc>
+                <a:spcPct val="85000"/>
+              </a:lnSpc>
+              <a:spcBef>
+                <a:spcPts val="600"/>
+              </a:spcBef>
+              <a:buFont typeface="Arial" pitchFamily="34" charset="0"/>
+              <a:buChar char=" "/>
+              <a:defRPr sz="1800" kern="1200">
+                <a:solidFill>
+                  <a:schemeClr val="tx1">
+                    <a:lumMod val="85000"/>
+                    <a:lumOff val="15000"/>
+                  </a:schemeClr>
+                </a:solidFill>
+                <a:latin typeface="+mn-lt"/>
+                <a:ea typeface="+mn-ea"/>
+                <a:cs typeface="+mn-cs"/>
+              </a:defRPr>
+            </a:lvl8pPr>
+            <a:lvl9pPr marL="1800000" indent="-228600" algn="l" defTabSz="914400" rtl="0" eaLnBrk="1" latinLnBrk="0" hangingPunct="1">
+              <a:lnSpc>
+                <a:spcPct val="85000"/>
+              </a:lnSpc>
+              <a:spcBef>
+                <a:spcPts val="600"/>
+              </a:spcBef>
+              <a:buFont typeface="Arial" pitchFamily="34" charset="0"/>
+              <a:buChar char=" "/>
+              <a:defRPr sz="1800" kern="1200">
+                <a:solidFill>
+                  <a:schemeClr val="tx1">
+                    <a:lumMod val="85000"/>
+                    <a:lumOff val="15000"/>
+                  </a:schemeClr>
+                </a:solidFill>
+                <a:latin typeface="+mn-lt"/>
+                <a:ea typeface="+mn-ea"/>
+                <a:cs typeface="+mn-cs"/>
+              </a:defRPr>
+            </a:lvl9pPr>
+          </a:lstStyle>
+          <a:p>
+            <a:r>
+              <a:rPr lang="ru-RU" dirty="0"/>
+              <a:t>3</a:t>
+            </a:r>
+            <a:r>
+              <a:rPr lang="ru-RU" dirty="0" smtClean="0"/>
+              <a:t>. Самый распространенный способ решения</a:t>
+            </a:r>
+            <a:endParaRPr lang="ru-RU" dirty="0"/>
+          </a:p>
+        </p:txBody>
+      </p:sp>
+      <p:pic>
+        <p:nvPicPr>
+          <p:cNvPr id="8" name="Picture 4" descr="https://e7.pngegg.com/pngimages/39/777/png-clipart-globe-internet-computer-icons-site-web-web-design-text.png"/>
+          <p:cNvPicPr>
+            <a:picLocks noChangeAspect="1" noChangeArrowheads="1"/>
+          </p:cNvPicPr>
+          <p:nvPr/>
+        </p:nvPicPr>
+        <p:blipFill>
+          <a:blip r:embed="rId3" cstate="print">
+            <a:extLst>
+              <a:ext uri="{BEBA8EAE-BF5A-486C-A8C5-ECC9F3942E4B}">
+                <a14:imgProps xmlns:a14="http://schemas.microsoft.com/office/drawing/2010/main">
+                  <a14:imgLayer r:embed="rId4">
+                    <a14:imgEffect>
+                      <a14:backgroundRemoval t="0" b="100000" l="10000" r="90000"/>
+                    </a14:imgEffect>
+                  </a14:imgLayer>
+                </a14:imgProps>
+              </a:ext>
+              <a:ext uri="{28A0092B-C50C-407E-A947-70E740481C1C}">
+                <a14:useLocalDpi xmlns:a14="http://schemas.microsoft.com/office/drawing/2010/main" val="0"/>
+              </a:ext>
+            </a:extLst>
+          </a:blip>
+          <a:srcRect/>
+          <a:stretch>
+            <a:fillRect/>
+          </a:stretch>
+        </p:blipFill>
+        <p:spPr bwMode="auto">
+          <a:xfrm>
+            <a:off x="9538870" y="2562958"/>
+            <a:ext cx="1684618" cy="958360"/>
+          </a:xfrm>
+          <a:prstGeom prst="rect">
+            <a:avLst/>
+          </a:prstGeom>
+          <a:ln w="38100" cap="sq">
+            <a:solidFill>
+              <a:srgbClr val="0000FF"/>
+            </a:solidFill>
+            <a:prstDash val="solid"/>
+            <a:miter lim="800000"/>
+          </a:ln>
+          <a:effectLst>
+            <a:outerShdw blurRad="50800" dist="38100" dir="2700000" algn="tl" rotWithShape="0">
+              <a:srgbClr val="000000">
+                <a:alpha val="43000"/>
+              </a:srgbClr>
+            </a:outerShdw>
+          </a:effectLst>
+          <a:extLst>
+            <a:ext uri="{909E8E84-426E-40DD-AFC4-6F175D3DCCD1}">
+              <a14:hiddenFill xmlns:a14="http://schemas.microsoft.com/office/drawing/2010/main">
+                <a:solidFill>
+                  <a:srgbClr val="FFFFFF"/>
+                </a:solidFill>
+              </a14:hiddenFill>
+            </a:ext>
+          </a:extLst>
+        </p:spPr>
+      </p:pic>
+      <p:pic>
+        <p:nvPicPr>
+          <p:cNvPr id="11" name="Рисунок 10"/>
+          <p:cNvPicPr>
+            <a:picLocks noChangeAspect="1"/>
+          </p:cNvPicPr>
+          <p:nvPr/>
+        </p:nvPicPr>
+        <p:blipFill>
+          <a:blip r:embed="rId5"/>
+          <a:stretch>
+            <a:fillRect/>
+          </a:stretch>
+        </p:blipFill>
+        <p:spPr>
+          <a:xfrm>
+            <a:off x="3982655" y="2767450"/>
+            <a:ext cx="4501921" cy="778431"/>
+          </a:xfrm>
+          <a:prstGeom prst="rect">
+            <a:avLst/>
+          </a:prstGeom>
+        </p:spPr>
+      </p:pic>
+      <p:pic>
+        <p:nvPicPr>
+          <p:cNvPr id="4" name="Рисунок 3"/>
+          <p:cNvPicPr>
+            <a:picLocks noChangeAspect="1"/>
+          </p:cNvPicPr>
+          <p:nvPr/>
+        </p:nvPicPr>
+        <p:blipFill>
+          <a:blip r:embed="rId6" cstate="print">
+            <a:extLst>
+              <a:ext uri="{28A0092B-C50C-407E-A947-70E740481C1C}">
+                <a14:useLocalDpi xmlns:a14="http://schemas.microsoft.com/office/drawing/2010/main" val="0"/>
+              </a:ext>
+            </a:extLst>
+          </a:blip>
+          <a:stretch>
+            <a:fillRect/>
+          </a:stretch>
+        </p:blipFill>
+        <p:spPr>
+          <a:xfrm>
+            <a:off x="9619615" y="5219319"/>
+            <a:ext cx="1603873" cy="1591408"/>
+          </a:xfrm>
+          <a:prstGeom prst="rect">
+            <a:avLst/>
+          </a:prstGeom>
+        </p:spPr>
+      </p:pic>
+      <p:pic>
+        <p:nvPicPr>
+          <p:cNvPr id="10" name="Рисунок 9"/>
+          <p:cNvPicPr>
+            <a:picLocks noChangeAspect="1"/>
+          </p:cNvPicPr>
+          <p:nvPr/>
+        </p:nvPicPr>
+        <p:blipFill>
+          <a:blip r:embed="rId7"/>
+          <a:stretch>
+            <a:fillRect/>
+          </a:stretch>
+        </p:blipFill>
+        <p:spPr>
+          <a:xfrm>
+            <a:off x="9665859" y="3649892"/>
+            <a:ext cx="1511384" cy="1440853"/>
+          </a:xfrm>
+          <a:prstGeom prst="rect">
+            <a:avLst/>
+          </a:prstGeom>
+        </p:spPr>
+      </p:pic>
+    </p:spTree>
+    <p:extLst>
+      <p:ext uri="{BB962C8B-B14F-4D97-AF65-F5344CB8AC3E}">
+        <p14:creationId xmlns:p14="http://schemas.microsoft.com/office/powerpoint/2010/main" val="1357838678"/>
+      </p:ext>
+    </p:extLst>
+  </p:cSld>
+  <p:clrMapOvr>
+    <a:masterClrMapping/>
+  </p:clrMapOvr>
+  <p:timing>
+    <p:tnLst>
+      <p:par>
+        <p:cTn id="1" dur="indefinite" restart="never" nodeType="tmRoot"/>
+      </p:par>
+    </p:tnLst>
+  </p:timing>
+</p:sld>
+</file>
+
+<file path=ppt/slides/slide14.xml><?xml version="1.0" encoding="utf-8"?>
+<p:sld xmlns:a="http://schemas.openxmlformats.org/drawingml/2006/main" xmlns:r="http://schemas.openxmlformats.org/officeDocument/2006/relationships" xmlns:p="http://schemas.openxmlformats.org/presentationml/2006/main">
+  <p:cSld>
+    <p:spTree>
+      <p:nvGrpSpPr>
+        <p:cNvPr id="1" name=""/>
+        <p:cNvGrpSpPr/>
+        <p:nvPr/>
+      </p:nvGrpSpPr>
+      <p:grpSpPr>
+        <a:xfrm>
+          <a:off x="0" y="0"/>
+          <a:ext cx="0" cy="0"/>
+          <a:chOff x="0" y="0"/>
+          <a:chExt cx="0" cy="0"/>
+        </a:xfrm>
+      </p:grpSpPr>
+      <p:sp>
+        <p:nvSpPr>
+          <p:cNvPr id="2" name="Заголовок 1"/>
+          <p:cNvSpPr>
+            <a:spLocks noGrp="1"/>
+          </p:cNvSpPr>
+          <p:nvPr>
+            <p:ph type="title"/>
+          </p:nvPr>
+        </p:nvSpPr>
+        <p:spPr>
+          <a:xfrm>
+            <a:off x="0" y="0"/>
+            <a:ext cx="12192000" cy="904875"/>
+          </a:xfrm>
+        </p:spPr>
+        <p:txBody>
+          <a:bodyPr/>
+          <a:lstStyle/>
+          <a:p>
+            <a:r>
+              <a:rPr lang="ru-RU" dirty="0" smtClean="0"/>
+              <a:t>Решение вручную</a:t>
+            </a:r>
+            <a:endParaRPr lang="ru-RU" dirty="0"/>
+          </a:p>
+        </p:txBody>
+      </p:sp>
+      <p:pic>
+        <p:nvPicPr>
+          <p:cNvPr id="5" name="Рисунок 4"/>
+          <p:cNvPicPr>
+            <a:picLocks noChangeAspect="1"/>
+          </p:cNvPicPr>
+          <p:nvPr/>
+        </p:nvPicPr>
+        <p:blipFill>
+          <a:blip r:embed="rId2"/>
+          <a:stretch>
+            <a:fillRect/>
+          </a:stretch>
+        </p:blipFill>
+        <p:spPr>
+          <a:xfrm>
+            <a:off x="1739310" y="904875"/>
+            <a:ext cx="8713379" cy="5939432"/>
+          </a:xfrm>
+          <a:prstGeom prst="rect">
+            <a:avLst/>
+          </a:prstGeom>
+        </p:spPr>
+      </p:pic>
+    </p:spTree>
+    <p:extLst>
+      <p:ext uri="{BB962C8B-B14F-4D97-AF65-F5344CB8AC3E}">
+        <p14:creationId xmlns:p14="http://schemas.microsoft.com/office/powerpoint/2010/main" val="2986192472"/>
+      </p:ext>
+    </p:extLst>
+  </p:cSld>
+  <p:clrMapOvr>
+    <a:masterClrMapping/>
+  </p:clrMapOvr>
+  <p:timing>
+    <p:tnLst>
+      <p:par>
+        <p:cTn id="1" dur="indefinite" restart="never" nodeType="tmRoot"/>
+      </p:par>
+    </p:tnLst>
+  </p:timing>
+</p:sld>
+</file>
+
+<file path=ppt/slides/slide15.xml><?xml version="1.0" encoding="utf-8"?>
+<p:sld xmlns:a="http://schemas.openxmlformats.org/drawingml/2006/main" xmlns:r="http://schemas.openxmlformats.org/officeDocument/2006/relationships" xmlns:p="http://schemas.openxmlformats.org/presentationml/2006/main">
+  <p:cSld>
+    <p:spTree>
+      <p:nvGrpSpPr>
+        <p:cNvPr id="1" name=""/>
+        <p:cNvGrpSpPr/>
+        <p:nvPr/>
+      </p:nvGrpSpPr>
+      <p:grpSpPr>
+        <a:xfrm>
+          <a:off x="0" y="0"/>
+          <a:ext cx="0" cy="0"/>
+          <a:chOff x="0" y="0"/>
+          <a:chExt cx="0" cy="0"/>
+        </a:xfrm>
+      </p:grpSpPr>
+      <p:sp>
+        <p:nvSpPr>
+          <p:cNvPr id="4" name="Заголовок 1"/>
+          <p:cNvSpPr txBox="1">
+            <a:spLocks/>
+          </p:cNvSpPr>
+          <p:nvPr/>
+        </p:nvSpPr>
+        <p:spPr>
+          <a:xfrm>
+            <a:off x="0" y="0"/>
+            <a:ext cx="12192000" cy="923925"/>
+          </a:xfrm>
+          <a:prstGeom prst="rect">
+            <a:avLst/>
+          </a:prstGeom>
+        </p:spPr>
+        <p:txBody>
+          <a:bodyPr vert="horz" lIns="91440" tIns="45720" rIns="91440" bIns="45720" rtlCol="0" anchor="ctr">
+            <a:normAutofit/>
+          </a:bodyPr>
+          <a:lstStyle>
+            <a:lvl1pPr algn="l" defTabSz="914400" rtl="0" eaLnBrk="1" latinLnBrk="0" hangingPunct="1">
+              <a:lnSpc>
+                <a:spcPct val="85000"/>
+              </a:lnSpc>
+              <a:spcBef>
+                <a:spcPct val="0"/>
+              </a:spcBef>
+              <a:buNone/>
+              <a:defRPr sz="5400" kern="1200" spc="-120" baseline="0">
+                <a:solidFill>
+                  <a:schemeClr val="accent1"/>
+                </a:solidFill>
+                <a:latin typeface="+mj-lt"/>
+                <a:ea typeface="+mj-ea"/>
+                <a:cs typeface="+mj-cs"/>
+              </a:defRPr>
+            </a:lvl1pPr>
+          </a:lstStyle>
+          <a:p>
+            <a:r>
+              <a:rPr lang="ru-RU" sz="4400" dirty="0" smtClean="0"/>
+              <a:t>Рациональный способ решения(Поляков)</a:t>
+            </a:r>
+            <a:endParaRPr lang="ru-RU" sz="4400" dirty="0"/>
+          </a:p>
+        </p:txBody>
+      </p:sp>
+      <p:pic>
+        <p:nvPicPr>
+          <p:cNvPr id="7" name="Рисунок 6"/>
+          <p:cNvPicPr>
+            <a:picLocks noChangeAspect="1"/>
+          </p:cNvPicPr>
+          <p:nvPr/>
+        </p:nvPicPr>
+        <p:blipFill>
+          <a:blip r:embed="rId3"/>
+          <a:stretch>
+            <a:fillRect/>
+          </a:stretch>
+        </p:blipFill>
+        <p:spPr>
+          <a:xfrm>
+            <a:off x="1398784" y="920668"/>
+            <a:ext cx="9394431" cy="5937332"/>
+          </a:xfrm>
+          <a:prstGeom prst="rect">
+            <a:avLst/>
+          </a:prstGeom>
+        </p:spPr>
+      </p:pic>
+    </p:spTree>
+    <p:extLst>
+      <p:ext uri="{BB962C8B-B14F-4D97-AF65-F5344CB8AC3E}">
+        <p14:creationId xmlns:p14="http://schemas.microsoft.com/office/powerpoint/2010/main" val="1346818273"/>
+      </p:ext>
+    </p:extLst>
+  </p:cSld>
+  <p:clrMapOvr>
+    <a:masterClrMapping/>
+  </p:clrMapOvr>
+  <p:timing>
+    <p:tnLst>
+      <p:par>
+        <p:cTn id="1" dur="indefinite" restart="never" nodeType="tmRoot"/>
+      </p:par>
+    </p:tnLst>
+  </p:timing>
+</p:sld>
+</file>
+
+<file path=ppt/slides/slide16.xml><?xml version="1.0" encoding="utf-8"?>
+<p:sld xmlns:a="http://schemas.openxmlformats.org/drawingml/2006/main" xmlns:r="http://schemas.openxmlformats.org/officeDocument/2006/relationships" xmlns:p="http://schemas.openxmlformats.org/presentationml/2006/main">
+  <p:cSld>
+    <p:spTree>
+      <p:nvGrpSpPr>
+        <p:cNvPr id="1" name=""/>
+        <p:cNvGrpSpPr/>
+        <p:nvPr/>
+      </p:nvGrpSpPr>
+      <p:grpSpPr>
+        <a:xfrm>
+          <a:off x="0" y="0"/>
+          <a:ext cx="0" cy="0"/>
+          <a:chOff x="0" y="0"/>
+          <a:chExt cx="0" cy="0"/>
+        </a:xfrm>
+      </p:grpSpPr>
+      <p:pic>
+        <p:nvPicPr>
+          <p:cNvPr id="4" name="Рисунок 3"/>
+          <p:cNvPicPr>
+            <a:picLocks noChangeAspect="1"/>
+          </p:cNvPicPr>
+          <p:nvPr/>
+        </p:nvPicPr>
+        <p:blipFill>
+          <a:blip r:embed="rId2"/>
+          <a:stretch>
+            <a:fillRect/>
+          </a:stretch>
+        </p:blipFill>
+        <p:spPr>
+          <a:xfrm>
+            <a:off x="1467928" y="923925"/>
+            <a:ext cx="9256143" cy="5934075"/>
+          </a:xfrm>
+          <a:prstGeom prst="rect">
+            <a:avLst/>
+          </a:prstGeom>
+        </p:spPr>
+      </p:pic>
+      <p:sp>
+        <p:nvSpPr>
+          <p:cNvPr id="5" name="Заголовок 1"/>
+          <p:cNvSpPr txBox="1">
+            <a:spLocks/>
+          </p:cNvSpPr>
+          <p:nvPr/>
+        </p:nvSpPr>
+        <p:spPr>
+          <a:xfrm>
+            <a:off x="0" y="0"/>
+            <a:ext cx="12192000" cy="923925"/>
+          </a:xfrm>
+          <a:prstGeom prst="rect">
+            <a:avLst/>
+          </a:prstGeom>
+        </p:spPr>
+        <p:txBody>
+          <a:bodyPr vert="horz" lIns="91440" tIns="45720" rIns="91440" bIns="45720" rtlCol="0" anchor="ctr">
+            <a:normAutofit/>
+          </a:bodyPr>
+          <a:lstStyle>
+            <a:lvl1pPr algn="l" defTabSz="914400" rtl="0" eaLnBrk="1" latinLnBrk="0" hangingPunct="1">
+              <a:lnSpc>
+                <a:spcPct val="85000"/>
+              </a:lnSpc>
+              <a:spcBef>
+                <a:spcPct val="0"/>
+              </a:spcBef>
+              <a:buNone/>
+              <a:defRPr sz="5400" kern="1200" spc="-120" baseline="0">
+                <a:solidFill>
+                  <a:schemeClr val="accent1"/>
+                </a:solidFill>
+                <a:latin typeface="+mj-lt"/>
+                <a:ea typeface="+mj-ea"/>
+                <a:cs typeface="+mj-cs"/>
+              </a:defRPr>
+            </a:lvl1pPr>
+          </a:lstStyle>
+          <a:p>
+            <a:r>
+              <a:rPr lang="ru-RU" sz="4400" dirty="0" smtClean="0"/>
+              <a:t>Рациональный способ решения(Поляков)</a:t>
+            </a:r>
+            <a:endParaRPr lang="ru-RU" sz="4400" dirty="0"/>
+          </a:p>
+        </p:txBody>
+      </p:sp>
+    </p:spTree>
+    <p:extLst>
+      <p:ext uri="{BB962C8B-B14F-4D97-AF65-F5344CB8AC3E}">
+        <p14:creationId xmlns:p14="http://schemas.microsoft.com/office/powerpoint/2010/main" val="278913760"/>
+      </p:ext>
+    </p:extLst>
+  </p:cSld>
+  <p:clrMapOvr>
+    <a:masterClrMapping/>
+  </p:clrMapOvr>
+  <p:timing>
+    <p:tnLst>
+      <p:par>
+        <p:cTn id="1" dur="indefinite" restart="never" nodeType="tmRoot"/>
+      </p:par>
+    </p:tnLst>
+  </p:timing>
+</p:sld>
+</file>
+
+<file path=ppt/slides/slide17.xml><?xml version="1.0" encoding="utf-8"?>
+<p:sld xmlns:a="http://schemas.openxmlformats.org/drawingml/2006/main" xmlns:r="http://schemas.openxmlformats.org/officeDocument/2006/relationships" xmlns:p="http://schemas.openxmlformats.org/presentationml/2006/main">
+  <p:cSld>
+    <p:spTree>
+      <p:nvGrpSpPr>
+        <p:cNvPr id="1" name=""/>
+        <p:cNvGrpSpPr/>
+        <p:nvPr/>
+      </p:nvGrpSpPr>
+      <p:grpSpPr>
+        <a:xfrm>
+          <a:off x="0" y="0"/>
+          <a:ext cx="0" cy="0"/>
+          <a:chOff x="0" y="0"/>
+          <a:chExt cx="0" cy="0"/>
+        </a:xfrm>
+      </p:grpSpPr>
+      <p:sp>
+        <p:nvSpPr>
+          <p:cNvPr id="2" name="Заголовок 1"/>
+          <p:cNvSpPr>
+            <a:spLocks noGrp="1"/>
+          </p:cNvSpPr>
+          <p:nvPr>
+            <p:ph type="title"/>
+          </p:nvPr>
+        </p:nvSpPr>
+        <p:spPr>
+          <a:xfrm>
+            <a:off x="0" y="0"/>
+            <a:ext cx="12192000" cy="963582"/>
+          </a:xfrm>
+        </p:spPr>
+        <p:txBody>
+          <a:bodyPr>
+            <a:normAutofit/>
+          </a:bodyPr>
+          <a:lstStyle/>
+          <a:p>
+            <a:r>
+              <a:rPr lang="ru-RU" sz="4400" dirty="0"/>
+              <a:t>Самый распространенный способ </a:t>
+            </a:r>
+            <a:r>
+              <a:rPr lang="ru-RU" sz="4400" dirty="0" smtClean="0"/>
+              <a:t>решения</a:t>
+            </a:r>
+            <a:endParaRPr lang="ru-RU" sz="4400" dirty="0"/>
+          </a:p>
+        </p:txBody>
+      </p:sp>
+      <p:pic>
+        <p:nvPicPr>
+          <p:cNvPr id="4" name="Рисунок 3"/>
+          <p:cNvPicPr>
+            <a:picLocks noChangeAspect="1"/>
+          </p:cNvPicPr>
+          <p:nvPr/>
+        </p:nvPicPr>
+        <p:blipFill>
+          <a:blip r:embed="rId2"/>
+          <a:stretch>
+            <a:fillRect/>
+          </a:stretch>
+        </p:blipFill>
+        <p:spPr>
+          <a:xfrm>
+            <a:off x="1425911" y="963582"/>
+            <a:ext cx="9340178" cy="5894418"/>
+          </a:xfrm>
+          <a:prstGeom prst="rect">
+            <a:avLst/>
+          </a:prstGeom>
+        </p:spPr>
+      </p:pic>
+    </p:spTree>
+    <p:extLst>
+      <p:ext uri="{BB962C8B-B14F-4D97-AF65-F5344CB8AC3E}">
+        <p14:creationId xmlns:p14="http://schemas.microsoft.com/office/powerpoint/2010/main" val="1675576619"/>
+      </p:ext>
+    </p:extLst>
+  </p:cSld>
+  <p:clrMapOvr>
+    <a:masterClrMapping/>
+  </p:clrMapOvr>
+  <p:timing>
+    <p:tnLst>
+      <p:par>
+        <p:cTn id="1" dur="indefinite" restart="never" nodeType="tmRoot"/>
+      </p:par>
+    </p:tnLst>
+  </p:timing>
+</p:sld>
+</file>
+
+<file path=ppt/slides/slide18.xml><?xml version="1.0" encoding="utf-8"?>
+<p:sld xmlns:a="http://schemas.openxmlformats.org/drawingml/2006/main" xmlns:r="http://schemas.openxmlformats.org/officeDocument/2006/relationships" xmlns:p="http://schemas.openxmlformats.org/presentationml/2006/main">
+  <p:cSld>
+    <p:spTree>
+      <p:nvGrpSpPr>
+        <p:cNvPr id="1" name=""/>
+        <p:cNvGrpSpPr/>
+        <p:nvPr/>
+      </p:nvGrpSpPr>
+      <p:grpSpPr>
+        <a:xfrm>
+          <a:off x="0" y="0"/>
+          <a:ext cx="0" cy="0"/>
+          <a:chOff x="0" y="0"/>
+          <a:chExt cx="0" cy="0"/>
+        </a:xfrm>
+      </p:grpSpPr>
+      <p:sp>
+        <p:nvSpPr>
+          <p:cNvPr id="4" name="Заголовок 1"/>
+          <p:cNvSpPr txBox="1">
+            <a:spLocks/>
+          </p:cNvSpPr>
+          <p:nvPr/>
+        </p:nvSpPr>
+        <p:spPr>
+          <a:xfrm>
+            <a:off x="0" y="0"/>
+            <a:ext cx="12192000" cy="963582"/>
+          </a:xfrm>
+          <a:prstGeom prst="rect">
+            <a:avLst/>
+          </a:prstGeom>
+        </p:spPr>
+        <p:txBody>
+          <a:bodyPr vert="horz" lIns="91440" tIns="45720" rIns="91440" bIns="45720" rtlCol="0" anchor="ctr">
+            <a:normAutofit/>
+          </a:bodyPr>
+          <a:lstStyle>
+            <a:lvl1pPr algn="l" defTabSz="914400" rtl="0" eaLnBrk="1" latinLnBrk="0" hangingPunct="1">
+              <a:lnSpc>
+                <a:spcPct val="85000"/>
+              </a:lnSpc>
+              <a:spcBef>
+                <a:spcPct val="0"/>
+              </a:spcBef>
+              <a:buNone/>
+              <a:defRPr sz="5400" kern="1200" spc="-120" baseline="0">
+                <a:solidFill>
+                  <a:schemeClr val="accent1"/>
+                </a:solidFill>
+                <a:latin typeface="+mj-lt"/>
+                <a:ea typeface="+mj-ea"/>
+                <a:cs typeface="+mj-cs"/>
+              </a:defRPr>
+            </a:lvl1pPr>
+          </a:lstStyle>
+          <a:p>
+            <a:r>
+              <a:rPr lang="ru-RU" sz="4400" smtClean="0"/>
+              <a:t>Самый распространенный способ решения</a:t>
+            </a:r>
+            <a:endParaRPr lang="ru-RU" sz="4400" dirty="0"/>
+          </a:p>
+        </p:txBody>
+      </p:sp>
+      <p:pic>
+        <p:nvPicPr>
+          <p:cNvPr id="5" name="Рисунок 4"/>
+          <p:cNvPicPr>
+            <a:picLocks noChangeAspect="1"/>
+          </p:cNvPicPr>
+          <p:nvPr/>
+        </p:nvPicPr>
+        <p:blipFill>
+          <a:blip r:embed="rId2"/>
+          <a:stretch>
+            <a:fillRect/>
+          </a:stretch>
+        </p:blipFill>
+        <p:spPr>
+          <a:xfrm>
+            <a:off x="1709140" y="963582"/>
+            <a:ext cx="8773719" cy="5894418"/>
+          </a:xfrm>
+          <a:prstGeom prst="rect">
+            <a:avLst/>
+          </a:prstGeom>
+        </p:spPr>
+      </p:pic>
+    </p:spTree>
+    <p:extLst>
+      <p:ext uri="{BB962C8B-B14F-4D97-AF65-F5344CB8AC3E}">
+        <p14:creationId xmlns:p14="http://schemas.microsoft.com/office/powerpoint/2010/main" val="1231713203"/>
+      </p:ext>
+    </p:extLst>
+  </p:cSld>
+  <p:clrMapOvr>
+    <a:masterClrMapping/>
+  </p:clrMapOvr>
+  <p:timing>
+    <p:tnLst>
+      <p:par>
+        <p:cTn id="1" dur="indefinite" restart="never" nodeType="tmRoot"/>
+      </p:par>
+    </p:tnLst>
+  </p:timing>
+</p:sld>
+</file>
+
+<file path=ppt/slides/slide19.xml><?xml version="1.0" encoding="utf-8"?>
+<p:sld xmlns:a="http://schemas.openxmlformats.org/drawingml/2006/main" xmlns:r="http://schemas.openxmlformats.org/officeDocument/2006/relationships" xmlns:p="http://schemas.openxmlformats.org/presentationml/2006/main">
+  <p:cSld>
+    <p:spTree>
+      <p:nvGrpSpPr>
+        <p:cNvPr id="1" name=""/>
+        <p:cNvGrpSpPr/>
+        <p:nvPr/>
+      </p:nvGrpSpPr>
+      <p:grpSpPr>
+        <a:xfrm>
+          <a:off x="0" y="0"/>
+          <a:ext cx="0" cy="0"/>
+          <a:chOff x="0" y="0"/>
+          <a:chExt cx="0" cy="0"/>
+        </a:xfrm>
+      </p:grpSpPr>
+      <p:sp>
+        <p:nvSpPr>
+          <p:cNvPr id="4" name="Заголовок 3"/>
+          <p:cNvSpPr>
+            <a:spLocks noGrp="1"/>
+          </p:cNvSpPr>
+          <p:nvPr>
+            <p:ph type="title"/>
+          </p:nvPr>
+        </p:nvSpPr>
+        <p:spPr>
+          <a:xfrm>
+            <a:off x="-102079" y="12409"/>
+            <a:ext cx="10772775" cy="1658198"/>
+          </a:xfrm>
+        </p:spPr>
+        <p:txBody>
+          <a:bodyPr/>
+          <a:lstStyle/>
+          <a:p>
+            <a:r>
+              <a:rPr lang="ru-RU" dirty="0" smtClean="0"/>
+              <a:t>Разница между способами решения</a:t>
+            </a:r>
+            <a:endParaRPr lang="ru-RU" dirty="0"/>
+          </a:p>
+        </p:txBody>
+      </p:sp>
+      <p:sp>
+        <p:nvSpPr>
+          <p:cNvPr id="5" name="Объект 2"/>
+          <p:cNvSpPr txBox="1">
+            <a:spLocks/>
+          </p:cNvSpPr>
+          <p:nvPr/>
+        </p:nvSpPr>
+        <p:spPr>
+          <a:xfrm>
+            <a:off x="1652691" y="2136493"/>
+            <a:ext cx="2761312" cy="520913"/>
+          </a:xfrm>
+          <a:prstGeom prst="rect">
+            <a:avLst/>
+          </a:prstGeom>
+        </p:spPr>
+        <p:txBody>
+          <a:bodyPr vert="horz" lIns="91440" tIns="45720" rIns="91440" bIns="45720" rtlCol="0">
+            <a:normAutofit fontScale="85000" lnSpcReduction="20000"/>
+          </a:bodyPr>
+          <a:lstStyle>
+            <a:lvl1pPr marL="91440" indent="-91440" algn="l" defTabSz="914400" rtl="0" eaLnBrk="1" latinLnBrk="0" hangingPunct="1">
+              <a:lnSpc>
+                <a:spcPct val="85000"/>
+              </a:lnSpc>
+              <a:spcBef>
+                <a:spcPts val="1300"/>
+              </a:spcBef>
+              <a:buFont typeface="Arial" pitchFamily="34" charset="0"/>
+              <a:buChar char=" "/>
+              <a:defRPr sz="2400" kern="1200">
+                <a:solidFill>
+                  <a:schemeClr val="tx1">
+                    <a:lumMod val="85000"/>
+                    <a:lumOff val="15000"/>
+                  </a:schemeClr>
+                </a:solidFill>
+                <a:latin typeface="+mn-lt"/>
+                <a:ea typeface="+mn-ea"/>
+                <a:cs typeface="+mn-cs"/>
+              </a:defRPr>
+            </a:lvl1pPr>
+            <a:lvl2pPr marL="347472" indent="-342900" algn="l" defTabSz="914400" rtl="0" eaLnBrk="1" latinLnBrk="0" hangingPunct="1">
+              <a:lnSpc>
+                <a:spcPct val="85000"/>
+              </a:lnSpc>
+              <a:spcBef>
+                <a:spcPts val="600"/>
+              </a:spcBef>
+              <a:buFont typeface="Arial" pitchFamily="34" charset="0"/>
+              <a:buChar char=" "/>
+              <a:defRPr sz="2400" kern="1200">
+                <a:solidFill>
+                  <a:schemeClr val="tx1">
+                    <a:lumMod val="85000"/>
+                    <a:lumOff val="15000"/>
+                  </a:schemeClr>
+                </a:solidFill>
+                <a:latin typeface="+mn-lt"/>
+                <a:ea typeface="+mn-ea"/>
+                <a:cs typeface="+mn-cs"/>
+              </a:defRPr>
+            </a:lvl2pPr>
+            <a:lvl3pPr marL="548640" indent="-548640" algn="l" defTabSz="914400" rtl="0" eaLnBrk="1" latinLnBrk="0" hangingPunct="1">
+              <a:lnSpc>
+                <a:spcPct val="85000"/>
+              </a:lnSpc>
+              <a:spcBef>
+                <a:spcPts val="600"/>
+              </a:spcBef>
+              <a:buFont typeface="Arial" pitchFamily="34" charset="0"/>
+              <a:buChar char=" "/>
+              <a:defRPr sz="2000" i="1" kern="1200">
+                <a:solidFill>
+                  <a:schemeClr val="tx1">
+                    <a:lumMod val="85000"/>
+                    <a:lumOff val="15000"/>
+                  </a:schemeClr>
+                </a:solidFill>
+                <a:latin typeface="+mn-lt"/>
+                <a:ea typeface="+mn-ea"/>
+                <a:cs typeface="+mn-cs"/>
+              </a:defRPr>
+            </a:lvl3pPr>
+            <a:lvl4pPr marL="822960" indent="-822960" algn="l" defTabSz="914400" rtl="0" eaLnBrk="1" latinLnBrk="0" hangingPunct="1">
+              <a:lnSpc>
+                <a:spcPct val="85000"/>
+              </a:lnSpc>
+              <a:spcBef>
+                <a:spcPts val="600"/>
+              </a:spcBef>
+              <a:buFont typeface="Arial" pitchFamily="34" charset="0"/>
+              <a:buChar char=" "/>
+              <a:defRPr sz="1800" kern="1200">
+                <a:solidFill>
+                  <a:schemeClr val="tx1">
+                    <a:lumMod val="85000"/>
+                    <a:lumOff val="15000"/>
+                  </a:schemeClr>
+                </a:solidFill>
+                <a:latin typeface="+mn-lt"/>
+                <a:ea typeface="+mn-ea"/>
+                <a:cs typeface="+mn-cs"/>
+              </a:defRPr>
+            </a:lvl4pPr>
+            <a:lvl5pPr marL="1097280" indent="-1097280" algn="l" defTabSz="914400" rtl="0" eaLnBrk="1" latinLnBrk="0" hangingPunct="1">
+              <a:lnSpc>
+                <a:spcPct val="85000"/>
+              </a:lnSpc>
+              <a:spcBef>
+                <a:spcPts val="600"/>
+              </a:spcBef>
+              <a:buFont typeface="Arial" pitchFamily="34" charset="0"/>
+              <a:buChar char=" "/>
+              <a:defRPr sz="1800" kern="1200">
+                <a:solidFill>
+                  <a:schemeClr val="tx1">
+                    <a:lumMod val="85000"/>
+                    <a:lumOff val="15000"/>
+                  </a:schemeClr>
+                </a:solidFill>
+                <a:latin typeface="+mn-lt"/>
+                <a:ea typeface="+mn-ea"/>
+                <a:cs typeface="+mn-cs"/>
+              </a:defRPr>
+            </a:lvl5pPr>
+            <a:lvl6pPr marL="1200000" indent="-228600" algn="l" defTabSz="914400" rtl="0" eaLnBrk="1" latinLnBrk="0" hangingPunct="1">
+              <a:lnSpc>
+                <a:spcPct val="85000"/>
+              </a:lnSpc>
+              <a:spcBef>
+                <a:spcPts val="600"/>
+              </a:spcBef>
+              <a:buFont typeface="Arial" pitchFamily="34" charset="0"/>
+              <a:buChar char=" "/>
+              <a:defRPr sz="1800" kern="1200">
+                <a:solidFill>
+                  <a:schemeClr val="tx1">
+                    <a:lumMod val="85000"/>
+                    <a:lumOff val="15000"/>
+                  </a:schemeClr>
+                </a:solidFill>
+                <a:latin typeface="+mn-lt"/>
+                <a:ea typeface="+mn-ea"/>
+                <a:cs typeface="+mn-cs"/>
+              </a:defRPr>
+            </a:lvl6pPr>
+            <a:lvl7pPr marL="1400000" indent="-228600" algn="l" defTabSz="914400" rtl="0" eaLnBrk="1" latinLnBrk="0" hangingPunct="1">
+              <a:lnSpc>
+                <a:spcPct val="85000"/>
+              </a:lnSpc>
+              <a:spcBef>
+                <a:spcPts val="600"/>
+              </a:spcBef>
+              <a:buFont typeface="Arial" pitchFamily="34" charset="0"/>
+              <a:buChar char=" "/>
+              <a:defRPr sz="1800" kern="1200">
+                <a:solidFill>
+                  <a:schemeClr val="tx1">
+                    <a:lumMod val="85000"/>
+                    <a:lumOff val="15000"/>
+                  </a:schemeClr>
+                </a:solidFill>
+                <a:latin typeface="+mn-lt"/>
+                <a:ea typeface="+mn-ea"/>
+                <a:cs typeface="+mn-cs"/>
+              </a:defRPr>
+            </a:lvl7pPr>
+            <a:lvl8pPr marL="1600000" indent="-228600" algn="l" defTabSz="914400" rtl="0" eaLnBrk="1" latinLnBrk="0" hangingPunct="1">
+              <a:lnSpc>
+                <a:spcPct val="85000"/>
+              </a:lnSpc>
+              <a:spcBef>
+                <a:spcPts val="600"/>
+              </a:spcBef>
+              <a:buFont typeface="Arial" pitchFamily="34" charset="0"/>
+              <a:buChar char=" "/>
+              <a:defRPr sz="1800" kern="1200">
+                <a:solidFill>
+                  <a:schemeClr val="tx1">
+                    <a:lumMod val="85000"/>
+                    <a:lumOff val="15000"/>
+                  </a:schemeClr>
+                </a:solidFill>
+                <a:latin typeface="+mn-lt"/>
+                <a:ea typeface="+mn-ea"/>
+                <a:cs typeface="+mn-cs"/>
+              </a:defRPr>
+            </a:lvl8pPr>
+            <a:lvl9pPr marL="1800000" indent="-228600" algn="l" defTabSz="914400" rtl="0" eaLnBrk="1" latinLnBrk="0" hangingPunct="1">
+              <a:lnSpc>
+                <a:spcPct val="85000"/>
+              </a:lnSpc>
+              <a:spcBef>
+                <a:spcPts val="600"/>
+              </a:spcBef>
+              <a:buFont typeface="Arial" pitchFamily="34" charset="0"/>
+              <a:buChar char=" "/>
+              <a:defRPr sz="1800" kern="1200">
+                <a:solidFill>
+                  <a:schemeClr val="tx1">
+                    <a:lumMod val="85000"/>
+                    <a:lumOff val="15000"/>
+                  </a:schemeClr>
+                </a:solidFill>
+                <a:latin typeface="+mn-lt"/>
+                <a:ea typeface="+mn-ea"/>
+                <a:cs typeface="+mn-cs"/>
+              </a:defRPr>
+            </a:lvl9pPr>
+          </a:lstStyle>
+          <a:p>
+            <a:r>
+              <a:rPr lang="ru-RU" dirty="0" smtClean="0"/>
+              <a:t>Рациональный способ решения(Поляков)</a:t>
+            </a:r>
+            <a:endParaRPr lang="ru-RU" dirty="0"/>
+          </a:p>
+        </p:txBody>
+      </p:sp>
+      <p:sp>
+        <p:nvSpPr>
+          <p:cNvPr id="6" name="Объект 2"/>
+          <p:cNvSpPr txBox="1">
+            <a:spLocks/>
+          </p:cNvSpPr>
+          <p:nvPr/>
+        </p:nvSpPr>
+        <p:spPr>
+          <a:xfrm>
+            <a:off x="6652072" y="2136152"/>
+            <a:ext cx="2761312" cy="520913"/>
+          </a:xfrm>
+          <a:prstGeom prst="rect">
+            <a:avLst/>
+          </a:prstGeom>
+        </p:spPr>
+        <p:txBody>
+          <a:bodyPr vert="horz" lIns="91440" tIns="45720" rIns="91440" bIns="45720" rtlCol="0">
+            <a:normAutofit fontScale="70000" lnSpcReduction="20000"/>
+          </a:bodyPr>
+          <a:lstStyle>
+            <a:lvl1pPr marL="91440" indent="-91440" algn="l" defTabSz="914400" rtl="0" eaLnBrk="1" latinLnBrk="0" hangingPunct="1">
+              <a:lnSpc>
+                <a:spcPct val="85000"/>
+              </a:lnSpc>
+              <a:spcBef>
+                <a:spcPts val="1300"/>
+              </a:spcBef>
+              <a:buFont typeface="Arial" pitchFamily="34" charset="0"/>
+              <a:buChar char=" "/>
+              <a:defRPr sz="2400" kern="1200">
+                <a:solidFill>
+                  <a:schemeClr val="tx1">
+                    <a:lumMod val="85000"/>
+                    <a:lumOff val="15000"/>
+                  </a:schemeClr>
+                </a:solidFill>
+                <a:latin typeface="+mn-lt"/>
+                <a:ea typeface="+mn-ea"/>
+                <a:cs typeface="+mn-cs"/>
+              </a:defRPr>
+            </a:lvl1pPr>
+            <a:lvl2pPr marL="347472" indent="-342900" algn="l" defTabSz="914400" rtl="0" eaLnBrk="1" latinLnBrk="0" hangingPunct="1">
+              <a:lnSpc>
+                <a:spcPct val="85000"/>
+              </a:lnSpc>
+              <a:spcBef>
+                <a:spcPts val="600"/>
+              </a:spcBef>
+              <a:buFont typeface="Arial" pitchFamily="34" charset="0"/>
+              <a:buChar char=" "/>
+              <a:defRPr sz="2400" kern="1200">
+                <a:solidFill>
+                  <a:schemeClr val="tx1">
+                    <a:lumMod val="85000"/>
+                    <a:lumOff val="15000"/>
+                  </a:schemeClr>
+                </a:solidFill>
+                <a:latin typeface="+mn-lt"/>
+                <a:ea typeface="+mn-ea"/>
+                <a:cs typeface="+mn-cs"/>
+              </a:defRPr>
+            </a:lvl2pPr>
+            <a:lvl3pPr marL="548640" indent="-548640" algn="l" defTabSz="914400" rtl="0" eaLnBrk="1" latinLnBrk="0" hangingPunct="1">
+              <a:lnSpc>
+                <a:spcPct val="85000"/>
+              </a:lnSpc>
+              <a:spcBef>
+                <a:spcPts val="600"/>
+              </a:spcBef>
+              <a:buFont typeface="Arial" pitchFamily="34" charset="0"/>
+              <a:buChar char=" "/>
+              <a:defRPr sz="2000" i="1" kern="1200">
+                <a:solidFill>
+                  <a:schemeClr val="tx1">
+                    <a:lumMod val="85000"/>
+                    <a:lumOff val="15000"/>
+                  </a:schemeClr>
+                </a:solidFill>
+                <a:latin typeface="+mn-lt"/>
+                <a:ea typeface="+mn-ea"/>
+                <a:cs typeface="+mn-cs"/>
+              </a:defRPr>
+            </a:lvl3pPr>
+            <a:lvl4pPr marL="822960" indent="-822960" algn="l" defTabSz="914400" rtl="0" eaLnBrk="1" latinLnBrk="0" hangingPunct="1">
+              <a:lnSpc>
+                <a:spcPct val="85000"/>
+              </a:lnSpc>
+              <a:spcBef>
+                <a:spcPts val="600"/>
+              </a:spcBef>
+              <a:buFont typeface="Arial" pitchFamily="34" charset="0"/>
+              <a:buChar char=" "/>
+              <a:defRPr sz="1800" kern="1200">
+                <a:solidFill>
+                  <a:schemeClr val="tx1">
+                    <a:lumMod val="85000"/>
+                    <a:lumOff val="15000"/>
+                  </a:schemeClr>
+                </a:solidFill>
+                <a:latin typeface="+mn-lt"/>
+                <a:ea typeface="+mn-ea"/>
+                <a:cs typeface="+mn-cs"/>
+              </a:defRPr>
+            </a:lvl4pPr>
+            <a:lvl5pPr marL="1097280" indent="-1097280" algn="l" defTabSz="914400" rtl="0" eaLnBrk="1" latinLnBrk="0" hangingPunct="1">
+              <a:lnSpc>
+                <a:spcPct val="85000"/>
+              </a:lnSpc>
+              <a:spcBef>
+                <a:spcPts val="600"/>
+              </a:spcBef>
+              <a:buFont typeface="Arial" pitchFamily="34" charset="0"/>
+              <a:buChar char=" "/>
+              <a:defRPr sz="1800" kern="1200">
+                <a:solidFill>
+                  <a:schemeClr val="tx1">
+                    <a:lumMod val="85000"/>
+                    <a:lumOff val="15000"/>
+                  </a:schemeClr>
+                </a:solidFill>
+                <a:latin typeface="+mn-lt"/>
+                <a:ea typeface="+mn-ea"/>
+                <a:cs typeface="+mn-cs"/>
+              </a:defRPr>
+            </a:lvl5pPr>
+            <a:lvl6pPr marL="1200000" indent="-228600" algn="l" defTabSz="914400" rtl="0" eaLnBrk="1" latinLnBrk="0" hangingPunct="1">
+              <a:lnSpc>
+                <a:spcPct val="85000"/>
+              </a:lnSpc>
+              <a:spcBef>
+                <a:spcPts val="600"/>
+              </a:spcBef>
+              <a:buFont typeface="Arial" pitchFamily="34" charset="0"/>
+              <a:buChar char=" "/>
+              <a:defRPr sz="1800" kern="1200">
+                <a:solidFill>
+                  <a:schemeClr val="tx1">
+                    <a:lumMod val="85000"/>
+                    <a:lumOff val="15000"/>
+                  </a:schemeClr>
+                </a:solidFill>
+                <a:latin typeface="+mn-lt"/>
+                <a:ea typeface="+mn-ea"/>
+                <a:cs typeface="+mn-cs"/>
+              </a:defRPr>
+            </a:lvl6pPr>
+            <a:lvl7pPr marL="1400000" indent="-228600" algn="l" defTabSz="914400" rtl="0" eaLnBrk="1" latinLnBrk="0" hangingPunct="1">
+              <a:lnSpc>
+                <a:spcPct val="85000"/>
+              </a:lnSpc>
+              <a:spcBef>
+                <a:spcPts val="600"/>
+              </a:spcBef>
+              <a:buFont typeface="Arial" pitchFamily="34" charset="0"/>
+              <a:buChar char=" "/>
+              <a:defRPr sz="1800" kern="1200">
+                <a:solidFill>
+                  <a:schemeClr val="tx1">
+                    <a:lumMod val="85000"/>
+                    <a:lumOff val="15000"/>
+                  </a:schemeClr>
+                </a:solidFill>
+                <a:latin typeface="+mn-lt"/>
+                <a:ea typeface="+mn-ea"/>
+                <a:cs typeface="+mn-cs"/>
+              </a:defRPr>
+            </a:lvl7pPr>
+            <a:lvl8pPr marL="1600000" indent="-228600" algn="l" defTabSz="914400" rtl="0" eaLnBrk="1" latinLnBrk="0" hangingPunct="1">
+              <a:lnSpc>
+                <a:spcPct val="85000"/>
+              </a:lnSpc>
+              <a:spcBef>
+                <a:spcPts val="600"/>
+              </a:spcBef>
+              <a:buFont typeface="Arial" pitchFamily="34" charset="0"/>
+              <a:buChar char=" "/>
+              <a:defRPr sz="1800" kern="1200">
+                <a:solidFill>
+                  <a:schemeClr val="tx1">
+                    <a:lumMod val="85000"/>
+                    <a:lumOff val="15000"/>
+                  </a:schemeClr>
+                </a:solidFill>
+                <a:latin typeface="+mn-lt"/>
+                <a:ea typeface="+mn-ea"/>
+                <a:cs typeface="+mn-cs"/>
+              </a:defRPr>
+            </a:lvl8pPr>
+            <a:lvl9pPr marL="1800000" indent="-228600" algn="l" defTabSz="914400" rtl="0" eaLnBrk="1" latinLnBrk="0" hangingPunct="1">
+              <a:lnSpc>
+                <a:spcPct val="85000"/>
+              </a:lnSpc>
+              <a:spcBef>
+                <a:spcPts val="600"/>
+              </a:spcBef>
+              <a:buFont typeface="Arial" pitchFamily="34" charset="0"/>
+              <a:buChar char=" "/>
+              <a:defRPr sz="1800" kern="1200">
+                <a:solidFill>
+                  <a:schemeClr val="tx1">
+                    <a:lumMod val="85000"/>
+                    <a:lumOff val="15000"/>
+                  </a:schemeClr>
+                </a:solidFill>
+                <a:latin typeface="+mn-lt"/>
+                <a:ea typeface="+mn-ea"/>
+                <a:cs typeface="+mn-cs"/>
+              </a:defRPr>
+            </a:lvl9pPr>
+          </a:lstStyle>
+          <a:p>
+            <a:r>
+              <a:rPr lang="ru-RU" dirty="0" smtClean="0"/>
+              <a:t>Самый распространенный способ решения</a:t>
+            </a:r>
+            <a:endParaRPr lang="ru-RU" dirty="0"/>
+          </a:p>
+        </p:txBody>
+      </p:sp>
+      <p:pic>
+        <p:nvPicPr>
+          <p:cNvPr id="10" name="Рисунок 9"/>
+          <p:cNvPicPr>
+            <a:picLocks noChangeAspect="1"/>
+          </p:cNvPicPr>
+          <p:nvPr/>
+        </p:nvPicPr>
+        <p:blipFill>
+          <a:blip r:embed="rId2"/>
+          <a:stretch>
+            <a:fillRect/>
+          </a:stretch>
+        </p:blipFill>
+        <p:spPr>
+          <a:xfrm>
+            <a:off x="782387" y="3049285"/>
+            <a:ext cx="4501921" cy="778431"/>
+          </a:xfrm>
+          <a:prstGeom prst="rect">
+            <a:avLst/>
+          </a:prstGeom>
+        </p:spPr>
+      </p:pic>
+      <p:pic>
+        <p:nvPicPr>
+          <p:cNvPr id="11" name="Picture 4" descr="https://e7.pngegg.com/pngimages/39/777/png-clipart-globe-internet-computer-icons-site-web-web-design-text.png"/>
+          <p:cNvPicPr>
+            <a:picLocks noChangeAspect="1" noChangeArrowheads="1"/>
+          </p:cNvPicPr>
+          <p:nvPr/>
+        </p:nvPicPr>
+        <p:blipFill>
+          <a:blip r:embed="rId3" cstate="print">
+            <a:extLst>
+              <a:ext uri="{BEBA8EAE-BF5A-486C-A8C5-ECC9F3942E4B}">
+                <a14:imgProps xmlns:a14="http://schemas.microsoft.com/office/drawing/2010/main">
+                  <a14:imgLayer r:embed="rId4">
+                    <a14:imgEffect>
+                      <a14:backgroundRemoval t="0" b="100000" l="10000" r="90000"/>
+                    </a14:imgEffect>
+                  </a14:imgLayer>
+                </a14:imgProps>
+              </a:ext>
+              <a:ext uri="{28A0092B-C50C-407E-A947-70E740481C1C}">
+                <a14:useLocalDpi xmlns:a14="http://schemas.microsoft.com/office/drawing/2010/main" val="0"/>
+              </a:ext>
+            </a:extLst>
+          </a:blip>
+          <a:srcRect/>
+          <a:stretch>
+            <a:fillRect/>
+          </a:stretch>
+        </p:blipFill>
+        <p:spPr bwMode="auto">
+          <a:xfrm>
+            <a:off x="6652072" y="2827666"/>
+            <a:ext cx="1592191" cy="905779"/>
+          </a:xfrm>
+          <a:prstGeom prst="rect">
+            <a:avLst/>
+          </a:prstGeom>
+          <a:ln w="38100" cap="sq">
+            <a:solidFill>
+              <a:srgbClr val="0000FF"/>
+            </a:solidFill>
+            <a:prstDash val="solid"/>
+            <a:miter lim="800000"/>
+          </a:ln>
+          <a:effectLst>
+            <a:outerShdw blurRad="50800" dist="38100" dir="2700000" algn="tl" rotWithShape="0">
+              <a:srgbClr val="000000">
+                <a:alpha val="43000"/>
+              </a:srgbClr>
+            </a:outerShdw>
+          </a:effectLst>
+          <a:extLst>
+            <a:ext uri="{909E8E84-426E-40DD-AFC4-6F175D3DCCD1}">
+              <a14:hiddenFill xmlns:a14="http://schemas.microsoft.com/office/drawing/2010/main">
+                <a:solidFill>
+                  <a:srgbClr val="FFFFFF"/>
+                </a:solidFill>
+              </a14:hiddenFill>
+            </a:ext>
+          </a:extLst>
+        </p:spPr>
+      </p:pic>
+      <p:pic>
+        <p:nvPicPr>
+          <p:cNvPr id="12" name="Рисунок 11"/>
+          <p:cNvPicPr>
+            <a:picLocks noChangeAspect="1"/>
+          </p:cNvPicPr>
+          <p:nvPr/>
+        </p:nvPicPr>
+        <p:blipFill>
+          <a:blip r:embed="rId5" cstate="print">
+            <a:extLst>
+              <a:ext uri="{28A0092B-C50C-407E-A947-70E740481C1C}">
+                <a14:useLocalDpi xmlns:a14="http://schemas.microsoft.com/office/drawing/2010/main" val="0"/>
+              </a:ext>
+            </a:extLst>
+          </a:blip>
+          <a:stretch>
+            <a:fillRect/>
+          </a:stretch>
+        </p:blipFill>
+        <p:spPr>
+          <a:xfrm>
+            <a:off x="6728387" y="4244194"/>
+            <a:ext cx="1515876" cy="1504095"/>
+          </a:xfrm>
+          <a:prstGeom prst="rect">
+            <a:avLst/>
+          </a:prstGeom>
+        </p:spPr>
+      </p:pic>
+      <p:pic>
+        <p:nvPicPr>
+          <p:cNvPr id="13" name="Рисунок 12"/>
+          <p:cNvPicPr>
+            <a:picLocks noChangeAspect="1"/>
+          </p:cNvPicPr>
+          <p:nvPr/>
+        </p:nvPicPr>
+        <p:blipFill>
+          <a:blip r:embed="rId6"/>
+          <a:stretch>
+            <a:fillRect/>
+          </a:stretch>
+        </p:blipFill>
+        <p:spPr>
+          <a:xfrm>
+            <a:off x="8377810" y="3145924"/>
+            <a:ext cx="1940891" cy="1850317"/>
+          </a:xfrm>
+          <a:prstGeom prst="rect">
+            <a:avLst/>
+          </a:prstGeom>
+        </p:spPr>
+      </p:pic>
+      <p:pic>
+        <p:nvPicPr>
+          <p:cNvPr id="15" name="Рисунок 14"/>
+          <p:cNvPicPr>
+            <a:picLocks noChangeAspect="1"/>
+          </p:cNvPicPr>
+          <p:nvPr/>
+        </p:nvPicPr>
+        <p:blipFill>
+          <a:blip r:embed="rId7"/>
+          <a:stretch>
+            <a:fillRect/>
+          </a:stretch>
+        </p:blipFill>
+        <p:spPr>
+          <a:xfrm>
+            <a:off x="10390298" y="12409"/>
+            <a:ext cx="1479529" cy="2083132"/>
+          </a:xfrm>
+          <a:prstGeom prst="rect">
+            <a:avLst/>
+          </a:prstGeom>
+        </p:spPr>
+      </p:pic>
+    </p:spTree>
+    <p:extLst>
+      <p:ext uri="{BB962C8B-B14F-4D97-AF65-F5344CB8AC3E}">
+        <p14:creationId xmlns:p14="http://schemas.microsoft.com/office/powerpoint/2010/main" val="3709562725"/>
+      </p:ext>
+    </p:extLst>
+  </p:cSld>
+  <p:clrMapOvr>
+    <a:masterClrMapping/>
+  </p:clrMapOvr>
+  <p:timing>
+    <p:tnLst>
+      <p:par>
+        <p:cTn id="1" dur="indefinite" restart="never" nodeType="tmRoot"/>
+      </p:par>
+    </p:tnLst>
+  </p:timing>
+</p:sld>
+</file>
+
+<file path=ppt/slides/slide2.xml><?xml version="1.0" encoding="utf-8"?>
+<p:sld xmlns:a="http://schemas.openxmlformats.org/drawingml/2006/main" xmlns:r="http://schemas.openxmlformats.org/officeDocument/2006/relationships" xmlns:p="http://schemas.openxmlformats.org/presentationml/2006/main">
+  <p:cSld>
+    <p:spTree>
+      <p:nvGrpSpPr>
+        <p:cNvPr id="1" name=""/>
+        <p:cNvGrpSpPr/>
+        <p:nvPr/>
+      </p:nvGrpSpPr>
+      <p:grpSpPr>
+        <a:xfrm>
+          <a:off x="0" y="0"/>
+          <a:ext cx="0" cy="0"/>
+          <a:chOff x="0" y="0"/>
+          <a:chExt cx="0" cy="0"/>
+        </a:xfrm>
+      </p:grpSpPr>
+      <p:sp>
+        <p:nvSpPr>
+          <p:cNvPr id="2" name="Заголовок 1"/>
+          <p:cNvSpPr>
+            <a:spLocks noGrp="1"/>
+          </p:cNvSpPr>
+          <p:nvPr>
+            <p:ph type="title"/>
+          </p:nvPr>
+        </p:nvSpPr>
+        <p:spPr/>
+        <p:txBody>
+          <a:bodyPr/>
+          <a:lstStyle/>
+          <a:p>
+            <a:r>
+              <a:rPr lang="ru-RU" dirty="0" smtClean="0"/>
+              <a:t>Актуальность проекта</a:t>
+            </a:r>
+            <a:endParaRPr lang="ru-RU" dirty="0"/>
+          </a:p>
+        </p:txBody>
+      </p:sp>
+      <p:sp>
+        <p:nvSpPr>
+          <p:cNvPr id="3" name="Объект 2"/>
+          <p:cNvSpPr>
+            <a:spLocks noGrp="1"/>
+          </p:cNvSpPr>
+          <p:nvPr>
+            <p:ph idx="1"/>
+          </p:nvPr>
+        </p:nvSpPr>
+        <p:spPr>
+          <a:xfrm>
+            <a:off x="657224" y="2276264"/>
+            <a:ext cx="10753725" cy="2955974"/>
+          </a:xfrm>
+        </p:spPr>
+        <p:txBody>
+          <a:bodyPr/>
+          <a:lstStyle/>
+          <a:p>
+            <a:pPr lvl="1">
+              <a:buFont typeface="Wingdings" panose="05000000000000000000" pitchFamily="2" charset="2"/>
+              <a:buChar char="§"/>
+            </a:pPr>
+            <a:r>
+              <a:rPr lang="ru-RU" sz="2800" dirty="0" smtClean="0"/>
+              <a:t>Продукт </a:t>
+            </a:r>
+            <a:r>
+              <a:rPr lang="ru-RU" sz="2800" dirty="0"/>
+              <a:t>проектной деятельности будет полезен учащимся, сдающим ЕГЭ по информатике</a:t>
+            </a:r>
+            <a:r>
+              <a:rPr lang="ru-RU" sz="2800" dirty="0" smtClean="0"/>
+              <a:t>.</a:t>
+            </a:r>
+          </a:p>
+          <a:p>
+            <a:pPr lvl="1">
+              <a:buFont typeface="Wingdings" panose="05000000000000000000" pitchFamily="2" charset="2"/>
+              <a:buChar char="§"/>
+            </a:pPr>
+            <a:r>
+              <a:rPr lang="ru-RU" sz="2800" dirty="0" smtClean="0"/>
+              <a:t>Структурированная теория поможет систематизировать знания по решению задач 19-21</a:t>
+            </a:r>
+          </a:p>
+          <a:p>
+            <a:pPr lvl="1">
+              <a:buFont typeface="Wingdings" panose="05000000000000000000" pitchFamily="2" charset="2"/>
+              <a:buChar char="§"/>
+            </a:pPr>
+            <a:r>
+              <a:rPr lang="ru-RU" sz="2800" dirty="0" smtClean="0"/>
+              <a:t>Тестирующая система </a:t>
+            </a:r>
+            <a:r>
+              <a:rPr lang="ru-RU" sz="2800" dirty="0"/>
+              <a:t>позволит улучшить навыки </a:t>
+            </a:r>
+            <a:r>
+              <a:rPr lang="ru-RU" sz="2800" dirty="0" smtClean="0"/>
+              <a:t>решения задач, </a:t>
+            </a:r>
+            <a:r>
+              <a:rPr lang="ru-RU" sz="2800" dirty="0"/>
+              <a:t>выявить слабые стороны </a:t>
+            </a:r>
+            <a:r>
+              <a:rPr lang="ru-RU" sz="2800" dirty="0" smtClean="0"/>
+              <a:t>и уменьшить время на выполнение заданий.</a:t>
+            </a:r>
+            <a:endParaRPr lang="ru-RU" sz="2800" dirty="0"/>
+          </a:p>
+          <a:p>
+            <a:pPr marL="0" indent="0">
+              <a:buNone/>
+            </a:pPr>
+            <a:endParaRPr lang="ru-RU" dirty="0" smtClean="0"/>
+          </a:p>
+          <a:p>
+            <a:pPr>
+              <a:buFont typeface="Wingdings" panose="05000000000000000000" pitchFamily="2" charset="2"/>
+              <a:buChar char="§"/>
+            </a:pPr>
+            <a:endParaRPr lang="ru-RU" dirty="0"/>
+          </a:p>
+        </p:txBody>
+      </p:sp>
+      <p:pic>
+        <p:nvPicPr>
+          <p:cNvPr id="5" name="Рисунок 4"/>
+          <p:cNvPicPr>
+            <a:picLocks noChangeAspect="1"/>
+          </p:cNvPicPr>
+          <p:nvPr/>
+        </p:nvPicPr>
+        <p:blipFill>
+          <a:blip r:embed="rId2" cstate="print">
+            <a:extLst>
+              <a:ext uri="{28A0092B-C50C-407E-A947-70E740481C1C}">
+                <a14:useLocalDpi xmlns:a14="http://schemas.microsoft.com/office/drawing/2010/main" val="0"/>
+              </a:ext>
+            </a:extLst>
+          </a:blip>
+          <a:stretch>
+            <a:fillRect/>
+          </a:stretch>
+        </p:blipFill>
+        <p:spPr>
+          <a:xfrm>
+            <a:off x="7364730" y="499533"/>
+            <a:ext cx="2360295" cy="1402425"/>
+          </a:xfrm>
+          <a:prstGeom prst="rect">
+            <a:avLst/>
+          </a:prstGeom>
+        </p:spPr>
+      </p:pic>
+    </p:spTree>
+    <p:extLst>
+      <p:ext uri="{BB962C8B-B14F-4D97-AF65-F5344CB8AC3E}">
+        <p14:creationId xmlns:p14="http://schemas.microsoft.com/office/powerpoint/2010/main" val="3806181619"/>
+      </p:ext>
+    </p:extLst>
+  </p:cSld>
+  <p:clrMapOvr>
+    <a:masterClrMapping/>
+  </p:clrMapOvr>
+  <mc:AlternateContent xmlns:mc="http://schemas.openxmlformats.org/markup-compatibility/2006" xmlns:p14="http://schemas.microsoft.com/office/powerpoint/2010/main">
+    <mc:Choice Requires="p14">
+      <p:transition p14:dur="0"/>
+    </mc:Choice>
+    <mc:Fallback xmlns="">
+      <p:transition/>
+    </mc:Fallback>
+  </mc:AlternateContent>
+  <p:timing>
+    <p:tnLst>
+      <p:par>
+        <p:cTn id="1" dur="indefinite" restart="never" nodeType="tmRoot"/>
+      </p:par>
+    </p:tnLst>
+  </p:timing>
+</p:sld>
+</file>
+
+<file path=ppt/slides/slide20.xml><?xml version="1.0" encoding="utf-8"?>
 <p:sld xmlns:a="http://schemas.openxmlformats.org/drawingml/2006/main" xmlns:r="http://schemas.openxmlformats.org/officeDocument/2006/relationships" xmlns:p="http://schemas.openxmlformats.org/presentationml/2006/main">
   <p:cSld>
     <p:spTree>
@@ -11402,7 +9311,7 @@
 </p:sld>
 </file>
 
-<file path=ppt/slides/slide23.xml><?xml version="1.0" encoding="utf-8"?>
+<file path=ppt/slides/slide21.xml><?xml version="1.0" encoding="utf-8"?>
 <p:sld xmlns:a="http://schemas.openxmlformats.org/drawingml/2006/main" xmlns:r="http://schemas.openxmlformats.org/officeDocument/2006/relationships" xmlns:p="http://schemas.openxmlformats.org/presentationml/2006/main">
   <p:cSld>
     <p:spTree>
@@ -11587,7 +9496,7 @@
 </p:sld>
 </file>
 
-<file path=ppt/slides/slide24.xml><?xml version="1.0" encoding="utf-8"?>
+<file path=ppt/slides/slide22.xml><?xml version="1.0" encoding="utf-8"?>
 <p:sld xmlns:a="http://schemas.openxmlformats.org/drawingml/2006/main" xmlns:r="http://schemas.openxmlformats.org/officeDocument/2006/relationships" xmlns:p="http://schemas.openxmlformats.org/presentationml/2006/main">
   <p:cSld>
     <p:spTree>
@@ -11732,7 +9641,7 @@
 </p:sld>
 </file>
 
-<file path=ppt/slides/slide25.xml><?xml version="1.0" encoding="utf-8"?>
+<file path=ppt/slides/slide23.xml><?xml version="1.0" encoding="utf-8"?>
 <p:sld xmlns:a="http://schemas.openxmlformats.org/drawingml/2006/main" xmlns:r="http://schemas.openxmlformats.org/officeDocument/2006/relationships" xmlns:p="http://schemas.openxmlformats.org/presentationml/2006/main">
   <p:cSld>
     <p:spTree>
@@ -11877,7 +9786,7 @@
 </p:sld>
 </file>
 
-<file path=ppt/slides/slide26.xml><?xml version="1.0" encoding="utf-8"?>
+<file path=ppt/slides/slide24.xml><?xml version="1.0" encoding="utf-8"?>
 <p:sld xmlns:a="http://schemas.openxmlformats.org/drawingml/2006/main" xmlns:r="http://schemas.openxmlformats.org/officeDocument/2006/relationships" xmlns:p="http://schemas.openxmlformats.org/presentationml/2006/main">
   <p:cSld>
     <p:spTree>
@@ -12252,7 +10161,75 @@
 </p:sld>
 </file>
 
-<file path=ppt/slides/slide27.xml><?xml version="1.0" encoding="utf-8"?>
+<file path=ppt/slides/slide25.xml><?xml version="1.0" encoding="utf-8"?>
+<p:sld xmlns:a="http://schemas.openxmlformats.org/drawingml/2006/main" xmlns:r="http://schemas.openxmlformats.org/officeDocument/2006/relationships" xmlns:p="http://schemas.openxmlformats.org/presentationml/2006/main">
+  <p:cSld>
+    <p:spTree>
+      <p:nvGrpSpPr>
+        <p:cNvPr id="1" name=""/>
+        <p:cNvGrpSpPr/>
+        <p:nvPr/>
+      </p:nvGrpSpPr>
+      <p:grpSpPr>
+        <a:xfrm>
+          <a:off x="0" y="0"/>
+          <a:ext cx="0" cy="0"/>
+          <a:chOff x="0" y="0"/>
+          <a:chExt cx="0" cy="0"/>
+        </a:xfrm>
+      </p:grpSpPr>
+      <p:sp>
+        <p:nvSpPr>
+          <p:cNvPr id="2" name="Заголовок 1"/>
+          <p:cNvSpPr>
+            <a:spLocks noGrp="1"/>
+          </p:cNvSpPr>
+          <p:nvPr>
+            <p:ph type="title"/>
+          </p:nvPr>
+        </p:nvSpPr>
+        <p:spPr>
+          <a:xfrm>
+            <a:off x="3276355" y="2681979"/>
+            <a:ext cx="5611691" cy="1153421"/>
+          </a:xfrm>
+        </p:spPr>
+        <p:txBody>
+          <a:bodyPr>
+            <a:normAutofit fontScale="90000"/>
+          </a:bodyPr>
+          <a:lstStyle/>
+          <a:p>
+            <a:r>
+              <a:rPr lang="ru-RU" dirty="0" smtClean="0">
+                <a:solidFill>
+                  <a:srgbClr val="002060"/>
+                </a:solidFill>
+              </a:rPr>
+              <a:t>Спасибо за внимание</a:t>
+            </a:r>
+            <a:endParaRPr lang="ru-RU" dirty="0">
+              <a:solidFill>
+                <a:srgbClr val="002060"/>
+              </a:solidFill>
+            </a:endParaRPr>
+          </a:p>
+        </p:txBody>
+      </p:sp>
+    </p:spTree>
+    <p:extLst>
+      <p:ext uri="{BB962C8B-B14F-4D97-AF65-F5344CB8AC3E}">
+        <p14:creationId xmlns:p14="http://schemas.microsoft.com/office/powerpoint/2010/main" val="210972287"/>
+      </p:ext>
+    </p:extLst>
+  </p:cSld>
+  <p:clrMapOvr>
+    <a:masterClrMapping/>
+  </p:clrMapOvr>
+</p:sld>
+</file>
+
+<file path=ppt/slides/slide26.xml><?xml version="1.0" encoding="utf-8"?>
 <p:sld xmlns:a="http://schemas.openxmlformats.org/drawingml/2006/main" xmlns:r="http://schemas.openxmlformats.org/officeDocument/2006/relationships" xmlns:p="http://schemas.openxmlformats.org/presentationml/2006/main">
   <p:cSld>
     <p:spTree>
@@ -13618,34 +11595,6 @@
       </p:grpSpPr>
       <p:sp>
         <p:nvSpPr>
-          <p:cNvPr id="2" name="Заголовок 1"/>
-          <p:cNvSpPr>
-            <a:spLocks noGrp="1"/>
-          </p:cNvSpPr>
-          <p:nvPr>
-            <p:ph type="title"/>
-          </p:nvPr>
-        </p:nvSpPr>
-        <p:spPr>
-          <a:xfrm>
-            <a:off x="0" y="0"/>
-            <a:ext cx="7165731" cy="1380392"/>
-          </a:xfrm>
-        </p:spPr>
-        <p:txBody>
-          <a:bodyPr/>
-          <a:lstStyle/>
-          <a:p>
-            <a:r>
-              <a:rPr lang="ru-RU" dirty="0" smtClean="0"/>
-              <a:t>Способы решения задач </a:t>
-            </a:r>
-            <a:endParaRPr lang="ru-RU" dirty="0"/>
-          </a:p>
-        </p:txBody>
-      </p:sp>
-      <p:sp>
-        <p:nvSpPr>
           <p:cNvPr id="3" name="Объект 2"/>
           <p:cNvSpPr>
             <a:spLocks noGrp="1"/>
@@ -13656,17 +11605,151 @@
         </p:nvSpPr>
         <p:spPr>
           <a:xfrm>
-            <a:off x="676657" y="2011680"/>
-            <a:ext cx="1653306" cy="520913"/>
+            <a:off x="0" y="307731"/>
+            <a:ext cx="11983405" cy="6330461"/>
           </a:xfrm>
         </p:spPr>
         <p:txBody>
-          <a:bodyPr/>
+          <a:bodyPr>
+            <a:normAutofit fontScale="92500" lnSpcReduction="20000"/>
+          </a:bodyPr>
           <a:lstStyle/>
           <a:p>
+            <a:pPr marL="0" indent="0">
+              <a:buNone/>
+            </a:pPr>
             <a:r>
               <a:rPr lang="ru-RU" dirty="0" smtClean="0"/>
-              <a:t>1. Руками</a:t>
+              <a:t>Два </a:t>
+            </a:r>
+            <a:r>
+              <a:rPr lang="ru-RU" dirty="0"/>
+              <a:t>игрока, Петя и Ваня, играют в следующую игру. Перед игроками лежит куча камней. Игроки ходят по очереди, первый ход делает Петя. За один ход игрок может добавить в кучу один камень или увеличить количество камней в куче в два раза. Для того чтобы делать ходы, у каждого игрока есть неограниченное количество камней. Игра завершается в тот момент, когда количество камней в куче становится не менее 29. Победителем считается игрок, сделавший последний ход, т. е. первым получивший кучу, в которой будет 29 или больше камней. В начальный момент в куче было S камней, 1 ≤ S ≤ 28.</a:t>
+            </a:r>
+            <a:br>
+              <a:rPr lang="ru-RU" dirty="0"/>
+            </a:br>
+            <a:r>
+              <a:rPr lang="ru-RU" dirty="0"/>
+              <a:t/>
+            </a:r>
+            <a:br>
+              <a:rPr lang="ru-RU" dirty="0"/>
+            </a:br>
+            <a:r>
+              <a:rPr lang="ru-RU" b="1" dirty="0"/>
+              <a:t>Задание 19.</a:t>
+            </a:r>
+            <a:r>
+              <a:rPr lang="ru-RU" dirty="0"/>
+              <a:t/>
+            </a:r>
+            <a:br>
+              <a:rPr lang="ru-RU" dirty="0"/>
+            </a:br>
+            <a:r>
+              <a:rPr lang="ru-RU" dirty="0"/>
+              <a:t>Укажите такое значение S, при котором Петя не может выиграть за один ход, но при любом ходе Пети Ваня может выиграть своим первым ходом</a:t>
+            </a:r>
+            <a:r>
+              <a:rPr lang="ru-RU" dirty="0" smtClean="0"/>
+              <a:t>.</a:t>
+            </a:r>
+          </a:p>
+          <a:p>
+            <a:pPr marL="0" indent="0">
+              <a:buNone/>
+            </a:pPr>
+            <a:r>
+              <a:rPr lang="ru-RU" dirty="0"/>
+              <a:t/>
+            </a:r>
+            <a:br>
+              <a:rPr lang="ru-RU" dirty="0"/>
+            </a:br>
+            <a:r>
+              <a:rPr lang="ru-RU" b="1" dirty="0"/>
+              <a:t>Задание 20.</a:t>
+            </a:r>
+            <a:br>
+              <a:rPr lang="ru-RU" b="1" dirty="0"/>
+            </a:br>
+            <a:r>
+              <a:rPr lang="ru-RU" dirty="0"/>
+              <a:t>Найдите два таких значения S, при которых у Пети есть выигрышная стратегия, причём одновременно выполняются два условия:</a:t>
+            </a:r>
+            <a:br>
+              <a:rPr lang="ru-RU" dirty="0"/>
+            </a:br>
+            <a:r>
+              <a:rPr lang="ru-RU" dirty="0"/>
+              <a:t>— Петя не может выиграть за один ход;</a:t>
+            </a:r>
+            <a:br>
+              <a:rPr lang="ru-RU" dirty="0"/>
+            </a:br>
+            <a:r>
+              <a:rPr lang="ru-RU" dirty="0"/>
+              <a:t>— Петя может выиграть своим вторым ходом независимо от того, как будет ходить Ваня.</a:t>
+            </a:r>
+            <a:br>
+              <a:rPr lang="ru-RU" dirty="0"/>
+            </a:br>
+            <a:r>
+              <a:rPr lang="ru-RU" dirty="0"/>
+              <a:t>Найденные значения запишите в ответе в порядке возрастания</a:t>
+            </a:r>
+            <a:r>
+              <a:rPr lang="ru-RU" dirty="0" smtClean="0"/>
+              <a:t>.</a:t>
+            </a:r>
+          </a:p>
+          <a:p>
+            <a:pPr marL="0" indent="0">
+              <a:buNone/>
+            </a:pPr>
+            <a:r>
+              <a:rPr lang="ru-RU" dirty="0"/>
+              <a:t/>
+            </a:r>
+            <a:br>
+              <a:rPr lang="ru-RU" dirty="0"/>
+            </a:br>
+            <a:r>
+              <a:rPr lang="ru-RU" b="1" dirty="0"/>
+              <a:t>Задание 21.</a:t>
+            </a:r>
+            <a:r>
+              <a:rPr lang="ru-RU" dirty="0"/>
+              <a:t/>
+            </a:r>
+            <a:br>
+              <a:rPr lang="ru-RU" dirty="0"/>
+            </a:br>
+            <a:r>
+              <a:rPr lang="ru-RU" dirty="0"/>
+              <a:t>Для игры, описанной в задании 19, найдите значение S, при котором одновременно выполняются два условия:</a:t>
+            </a:r>
+            <a:br>
+              <a:rPr lang="ru-RU" dirty="0"/>
+            </a:br>
+            <a:r>
+              <a:rPr lang="ru-RU" dirty="0"/>
+              <a:t>— у Вани есть выигрышная стратегия, позволяющая ему выиграть первым или вторым ходом при любой игре Пети;</a:t>
+            </a:r>
+            <a:br>
+              <a:rPr lang="ru-RU" dirty="0"/>
+            </a:br>
+            <a:r>
+              <a:rPr lang="ru-RU" dirty="0"/>
+              <a:t>— у Вани нет стратегии, которая позволит ему гарантированно выиграть первым ходом.</a:t>
+            </a:r>
+            <a:br>
+              <a:rPr lang="ru-RU" dirty="0"/>
+            </a:br>
+            <a:r>
+              <a:rPr lang="ru-RU" dirty="0"/>
+              <a:t>Если найдено несколько значений S, в ответе запишите минимальное из них.</a:t>
             </a:r>
           </a:p>
           <a:p>
@@ -13674,651 +11757,10 @@
           </a:p>
         </p:txBody>
       </p:sp>
-      <p:pic>
-        <p:nvPicPr>
-          <p:cNvPr id="1029" name="Picture 5" descr="Руками1"/>
-          <p:cNvPicPr>
-            <a:picLocks noChangeAspect="1" noChangeArrowheads="1"/>
-          </p:cNvPicPr>
-          <p:nvPr/>
-        </p:nvPicPr>
-        <p:blipFill>
-          <a:blip r:embed="rId2" cstate="print">
-            <a:extLst>
-              <a:ext uri="{28A0092B-C50C-407E-A947-70E740481C1C}">
-                <a14:useLocalDpi xmlns:a14="http://schemas.microsoft.com/office/drawing/2010/main" val="0"/>
-              </a:ext>
-            </a:extLst>
-          </a:blip>
-          <a:srcRect/>
-          <a:stretch>
-            <a:fillRect/>
-          </a:stretch>
-        </p:blipFill>
-        <p:spPr bwMode="auto">
-          <a:xfrm>
-            <a:off x="0" y="3042138"/>
-            <a:ext cx="4159763" cy="3077308"/>
-          </a:xfrm>
-          <a:prstGeom prst="rect">
-            <a:avLst/>
-          </a:prstGeom>
-          <a:noFill/>
-          <a:ln>
-            <a:noFill/>
-          </a:ln>
-          <a:extLst>
-            <a:ext uri="{909E8E84-426E-40DD-AFC4-6F175D3DCCD1}">
-              <a14:hiddenFill xmlns:a14="http://schemas.microsoft.com/office/drawing/2010/main">
-                <a:solidFill>
-                  <a:srgbClr val="FFFFFF"/>
-                </a:solidFill>
-              </a14:hiddenFill>
-            </a:ext>
-            <a:ext uri="{91240B29-F687-4F45-9708-019B960494DF}">
-              <a14:hiddenLine xmlns:a14="http://schemas.microsoft.com/office/drawing/2010/main" w="9525">
-                <a:solidFill>
-                  <a:srgbClr val="000000"/>
-                </a:solidFill>
-                <a:miter lim="800000"/>
-                <a:headEnd/>
-                <a:tailEnd/>
-              </a14:hiddenLine>
-            </a:ext>
-          </a:extLst>
-        </p:spPr>
-      </p:pic>
-      <p:sp>
-        <p:nvSpPr>
-          <p:cNvPr id="6" name="Объект 2"/>
-          <p:cNvSpPr txBox="1">
-            <a:spLocks/>
-          </p:cNvSpPr>
-          <p:nvPr/>
-        </p:nvSpPr>
-        <p:spPr>
-          <a:xfrm>
-            <a:off x="4852959" y="2011680"/>
-            <a:ext cx="2761312" cy="520913"/>
-          </a:xfrm>
-          <a:prstGeom prst="rect">
-            <a:avLst/>
-          </a:prstGeom>
-        </p:spPr>
-        <p:txBody>
-          <a:bodyPr vert="horz" lIns="91440" tIns="45720" rIns="91440" bIns="45720" rtlCol="0">
-            <a:normAutofit fontScale="70000" lnSpcReduction="20000"/>
-          </a:bodyPr>
-          <a:lstStyle>
-            <a:lvl1pPr marL="91440" indent="-91440" algn="l" defTabSz="914400" rtl="0" eaLnBrk="1" latinLnBrk="0" hangingPunct="1">
-              <a:lnSpc>
-                <a:spcPct val="85000"/>
-              </a:lnSpc>
-              <a:spcBef>
-                <a:spcPts val="1300"/>
-              </a:spcBef>
-              <a:buFont typeface="Arial" pitchFamily="34" charset="0"/>
-              <a:buChar char=" "/>
-              <a:defRPr sz="2400" kern="1200">
-                <a:solidFill>
-                  <a:schemeClr val="tx1">
-                    <a:lumMod val="85000"/>
-                    <a:lumOff val="15000"/>
-                  </a:schemeClr>
-                </a:solidFill>
-                <a:latin typeface="+mn-lt"/>
-                <a:ea typeface="+mn-ea"/>
-                <a:cs typeface="+mn-cs"/>
-              </a:defRPr>
-            </a:lvl1pPr>
-            <a:lvl2pPr marL="347472" indent="-342900" algn="l" defTabSz="914400" rtl="0" eaLnBrk="1" latinLnBrk="0" hangingPunct="1">
-              <a:lnSpc>
-                <a:spcPct val="85000"/>
-              </a:lnSpc>
-              <a:spcBef>
-                <a:spcPts val="600"/>
-              </a:spcBef>
-              <a:buFont typeface="Arial" pitchFamily="34" charset="0"/>
-              <a:buChar char=" "/>
-              <a:defRPr sz="2400" kern="1200">
-                <a:solidFill>
-                  <a:schemeClr val="tx1">
-                    <a:lumMod val="85000"/>
-                    <a:lumOff val="15000"/>
-                  </a:schemeClr>
-                </a:solidFill>
-                <a:latin typeface="+mn-lt"/>
-                <a:ea typeface="+mn-ea"/>
-                <a:cs typeface="+mn-cs"/>
-              </a:defRPr>
-            </a:lvl2pPr>
-            <a:lvl3pPr marL="548640" indent="-548640" algn="l" defTabSz="914400" rtl="0" eaLnBrk="1" latinLnBrk="0" hangingPunct="1">
-              <a:lnSpc>
-                <a:spcPct val="85000"/>
-              </a:lnSpc>
-              <a:spcBef>
-                <a:spcPts val="600"/>
-              </a:spcBef>
-              <a:buFont typeface="Arial" pitchFamily="34" charset="0"/>
-              <a:buChar char=" "/>
-              <a:defRPr sz="2000" i="1" kern="1200">
-                <a:solidFill>
-                  <a:schemeClr val="tx1">
-                    <a:lumMod val="85000"/>
-                    <a:lumOff val="15000"/>
-                  </a:schemeClr>
-                </a:solidFill>
-                <a:latin typeface="+mn-lt"/>
-                <a:ea typeface="+mn-ea"/>
-                <a:cs typeface="+mn-cs"/>
-              </a:defRPr>
-            </a:lvl3pPr>
-            <a:lvl4pPr marL="822960" indent="-822960" algn="l" defTabSz="914400" rtl="0" eaLnBrk="1" latinLnBrk="0" hangingPunct="1">
-              <a:lnSpc>
-                <a:spcPct val="85000"/>
-              </a:lnSpc>
-              <a:spcBef>
-                <a:spcPts val="600"/>
-              </a:spcBef>
-              <a:buFont typeface="Arial" pitchFamily="34" charset="0"/>
-              <a:buChar char=" "/>
-              <a:defRPr sz="1800" kern="1200">
-                <a:solidFill>
-                  <a:schemeClr val="tx1">
-                    <a:lumMod val="85000"/>
-                    <a:lumOff val="15000"/>
-                  </a:schemeClr>
-                </a:solidFill>
-                <a:latin typeface="+mn-lt"/>
-                <a:ea typeface="+mn-ea"/>
-                <a:cs typeface="+mn-cs"/>
-              </a:defRPr>
-            </a:lvl4pPr>
-            <a:lvl5pPr marL="1097280" indent="-1097280" algn="l" defTabSz="914400" rtl="0" eaLnBrk="1" latinLnBrk="0" hangingPunct="1">
-              <a:lnSpc>
-                <a:spcPct val="85000"/>
-              </a:lnSpc>
-              <a:spcBef>
-                <a:spcPts val="600"/>
-              </a:spcBef>
-              <a:buFont typeface="Arial" pitchFamily="34" charset="0"/>
-              <a:buChar char=" "/>
-              <a:defRPr sz="1800" kern="1200">
-                <a:solidFill>
-                  <a:schemeClr val="tx1">
-                    <a:lumMod val="85000"/>
-                    <a:lumOff val="15000"/>
-                  </a:schemeClr>
-                </a:solidFill>
-                <a:latin typeface="+mn-lt"/>
-                <a:ea typeface="+mn-ea"/>
-                <a:cs typeface="+mn-cs"/>
-              </a:defRPr>
-            </a:lvl5pPr>
-            <a:lvl6pPr marL="1200000" indent="-228600" algn="l" defTabSz="914400" rtl="0" eaLnBrk="1" latinLnBrk="0" hangingPunct="1">
-              <a:lnSpc>
-                <a:spcPct val="85000"/>
-              </a:lnSpc>
-              <a:spcBef>
-                <a:spcPts val="600"/>
-              </a:spcBef>
-              <a:buFont typeface="Arial" pitchFamily="34" charset="0"/>
-              <a:buChar char=" "/>
-              <a:defRPr sz="1800" kern="1200">
-                <a:solidFill>
-                  <a:schemeClr val="tx1">
-                    <a:lumMod val="85000"/>
-                    <a:lumOff val="15000"/>
-                  </a:schemeClr>
-                </a:solidFill>
-                <a:latin typeface="+mn-lt"/>
-                <a:ea typeface="+mn-ea"/>
-                <a:cs typeface="+mn-cs"/>
-              </a:defRPr>
-            </a:lvl6pPr>
-            <a:lvl7pPr marL="1400000" indent="-228600" algn="l" defTabSz="914400" rtl="0" eaLnBrk="1" latinLnBrk="0" hangingPunct="1">
-              <a:lnSpc>
-                <a:spcPct val="85000"/>
-              </a:lnSpc>
-              <a:spcBef>
-                <a:spcPts val="600"/>
-              </a:spcBef>
-              <a:buFont typeface="Arial" pitchFamily="34" charset="0"/>
-              <a:buChar char=" "/>
-              <a:defRPr sz="1800" kern="1200">
-                <a:solidFill>
-                  <a:schemeClr val="tx1">
-                    <a:lumMod val="85000"/>
-                    <a:lumOff val="15000"/>
-                  </a:schemeClr>
-                </a:solidFill>
-                <a:latin typeface="+mn-lt"/>
-                <a:ea typeface="+mn-ea"/>
-                <a:cs typeface="+mn-cs"/>
-              </a:defRPr>
-            </a:lvl7pPr>
-            <a:lvl8pPr marL="1600000" indent="-228600" algn="l" defTabSz="914400" rtl="0" eaLnBrk="1" latinLnBrk="0" hangingPunct="1">
-              <a:lnSpc>
-                <a:spcPct val="85000"/>
-              </a:lnSpc>
-              <a:spcBef>
-                <a:spcPts val="600"/>
-              </a:spcBef>
-              <a:buFont typeface="Arial" pitchFamily="34" charset="0"/>
-              <a:buChar char=" "/>
-              <a:defRPr sz="1800" kern="1200">
-                <a:solidFill>
-                  <a:schemeClr val="tx1">
-                    <a:lumMod val="85000"/>
-                    <a:lumOff val="15000"/>
-                  </a:schemeClr>
-                </a:solidFill>
-                <a:latin typeface="+mn-lt"/>
-                <a:ea typeface="+mn-ea"/>
-                <a:cs typeface="+mn-cs"/>
-              </a:defRPr>
-            </a:lvl8pPr>
-            <a:lvl9pPr marL="1800000" indent="-228600" algn="l" defTabSz="914400" rtl="0" eaLnBrk="1" latinLnBrk="0" hangingPunct="1">
-              <a:lnSpc>
-                <a:spcPct val="85000"/>
-              </a:lnSpc>
-              <a:spcBef>
-                <a:spcPts val="600"/>
-              </a:spcBef>
-              <a:buFont typeface="Arial" pitchFamily="34" charset="0"/>
-              <a:buChar char=" "/>
-              <a:defRPr sz="1800" kern="1200">
-                <a:solidFill>
-                  <a:schemeClr val="tx1">
-                    <a:lumMod val="85000"/>
-                    <a:lumOff val="15000"/>
-                  </a:schemeClr>
-                </a:solidFill>
-                <a:latin typeface="+mn-lt"/>
-                <a:ea typeface="+mn-ea"/>
-                <a:cs typeface="+mn-cs"/>
-              </a:defRPr>
-            </a:lvl9pPr>
-          </a:lstStyle>
-          <a:p>
-            <a:r>
-              <a:rPr lang="ru-RU" dirty="0" smtClean="0"/>
-              <a:t>2. Рациональный способ решения(Поляков)</a:t>
-            </a:r>
-            <a:endParaRPr lang="ru-RU" dirty="0"/>
-          </a:p>
-        </p:txBody>
-      </p:sp>
-      <p:sp>
-        <p:nvSpPr>
-          <p:cNvPr id="7" name="Объект 2"/>
-          <p:cNvSpPr txBox="1">
-            <a:spLocks/>
-          </p:cNvSpPr>
-          <p:nvPr/>
-        </p:nvSpPr>
-        <p:spPr>
-          <a:xfrm>
-            <a:off x="9040896" y="2011679"/>
-            <a:ext cx="2761312" cy="520913"/>
-          </a:xfrm>
-          <a:prstGeom prst="rect">
-            <a:avLst/>
-          </a:prstGeom>
-        </p:spPr>
-        <p:txBody>
-          <a:bodyPr vert="horz" lIns="91440" tIns="45720" rIns="91440" bIns="45720" rtlCol="0">
-            <a:normAutofit fontScale="62500" lnSpcReduction="20000"/>
-          </a:bodyPr>
-          <a:lstStyle>
-            <a:lvl1pPr marL="91440" indent="-91440" algn="l" defTabSz="914400" rtl="0" eaLnBrk="1" latinLnBrk="0" hangingPunct="1">
-              <a:lnSpc>
-                <a:spcPct val="85000"/>
-              </a:lnSpc>
-              <a:spcBef>
-                <a:spcPts val="1300"/>
-              </a:spcBef>
-              <a:buFont typeface="Arial" pitchFamily="34" charset="0"/>
-              <a:buChar char=" "/>
-              <a:defRPr sz="2400" kern="1200">
-                <a:solidFill>
-                  <a:schemeClr val="tx1">
-                    <a:lumMod val="85000"/>
-                    <a:lumOff val="15000"/>
-                  </a:schemeClr>
-                </a:solidFill>
-                <a:latin typeface="+mn-lt"/>
-                <a:ea typeface="+mn-ea"/>
-                <a:cs typeface="+mn-cs"/>
-              </a:defRPr>
-            </a:lvl1pPr>
-            <a:lvl2pPr marL="347472" indent="-342900" algn="l" defTabSz="914400" rtl="0" eaLnBrk="1" latinLnBrk="0" hangingPunct="1">
-              <a:lnSpc>
-                <a:spcPct val="85000"/>
-              </a:lnSpc>
-              <a:spcBef>
-                <a:spcPts val="600"/>
-              </a:spcBef>
-              <a:buFont typeface="Arial" pitchFamily="34" charset="0"/>
-              <a:buChar char=" "/>
-              <a:defRPr sz="2400" kern="1200">
-                <a:solidFill>
-                  <a:schemeClr val="tx1">
-                    <a:lumMod val="85000"/>
-                    <a:lumOff val="15000"/>
-                  </a:schemeClr>
-                </a:solidFill>
-                <a:latin typeface="+mn-lt"/>
-                <a:ea typeface="+mn-ea"/>
-                <a:cs typeface="+mn-cs"/>
-              </a:defRPr>
-            </a:lvl2pPr>
-            <a:lvl3pPr marL="548640" indent="-548640" algn="l" defTabSz="914400" rtl="0" eaLnBrk="1" latinLnBrk="0" hangingPunct="1">
-              <a:lnSpc>
-                <a:spcPct val="85000"/>
-              </a:lnSpc>
-              <a:spcBef>
-                <a:spcPts val="600"/>
-              </a:spcBef>
-              <a:buFont typeface="Arial" pitchFamily="34" charset="0"/>
-              <a:buChar char=" "/>
-              <a:defRPr sz="2000" i="1" kern="1200">
-                <a:solidFill>
-                  <a:schemeClr val="tx1">
-                    <a:lumMod val="85000"/>
-                    <a:lumOff val="15000"/>
-                  </a:schemeClr>
-                </a:solidFill>
-                <a:latin typeface="+mn-lt"/>
-                <a:ea typeface="+mn-ea"/>
-                <a:cs typeface="+mn-cs"/>
-              </a:defRPr>
-            </a:lvl3pPr>
-            <a:lvl4pPr marL="822960" indent="-822960" algn="l" defTabSz="914400" rtl="0" eaLnBrk="1" latinLnBrk="0" hangingPunct="1">
-              <a:lnSpc>
-                <a:spcPct val="85000"/>
-              </a:lnSpc>
-              <a:spcBef>
-                <a:spcPts val="600"/>
-              </a:spcBef>
-              <a:buFont typeface="Arial" pitchFamily="34" charset="0"/>
-              <a:buChar char=" "/>
-              <a:defRPr sz="1800" kern="1200">
-                <a:solidFill>
-                  <a:schemeClr val="tx1">
-                    <a:lumMod val="85000"/>
-                    <a:lumOff val="15000"/>
-                  </a:schemeClr>
-                </a:solidFill>
-                <a:latin typeface="+mn-lt"/>
-                <a:ea typeface="+mn-ea"/>
-                <a:cs typeface="+mn-cs"/>
-              </a:defRPr>
-            </a:lvl4pPr>
-            <a:lvl5pPr marL="1097280" indent="-1097280" algn="l" defTabSz="914400" rtl="0" eaLnBrk="1" latinLnBrk="0" hangingPunct="1">
-              <a:lnSpc>
-                <a:spcPct val="85000"/>
-              </a:lnSpc>
-              <a:spcBef>
-                <a:spcPts val="600"/>
-              </a:spcBef>
-              <a:buFont typeface="Arial" pitchFamily="34" charset="0"/>
-              <a:buChar char=" "/>
-              <a:defRPr sz="1800" kern="1200">
-                <a:solidFill>
-                  <a:schemeClr val="tx1">
-                    <a:lumMod val="85000"/>
-                    <a:lumOff val="15000"/>
-                  </a:schemeClr>
-                </a:solidFill>
-                <a:latin typeface="+mn-lt"/>
-                <a:ea typeface="+mn-ea"/>
-                <a:cs typeface="+mn-cs"/>
-              </a:defRPr>
-            </a:lvl5pPr>
-            <a:lvl6pPr marL="1200000" indent="-228600" algn="l" defTabSz="914400" rtl="0" eaLnBrk="1" latinLnBrk="0" hangingPunct="1">
-              <a:lnSpc>
-                <a:spcPct val="85000"/>
-              </a:lnSpc>
-              <a:spcBef>
-                <a:spcPts val="600"/>
-              </a:spcBef>
-              <a:buFont typeface="Arial" pitchFamily="34" charset="0"/>
-              <a:buChar char=" "/>
-              <a:defRPr sz="1800" kern="1200">
-                <a:solidFill>
-                  <a:schemeClr val="tx1">
-                    <a:lumMod val="85000"/>
-                    <a:lumOff val="15000"/>
-                  </a:schemeClr>
-                </a:solidFill>
-                <a:latin typeface="+mn-lt"/>
-                <a:ea typeface="+mn-ea"/>
-                <a:cs typeface="+mn-cs"/>
-              </a:defRPr>
-            </a:lvl6pPr>
-            <a:lvl7pPr marL="1400000" indent="-228600" algn="l" defTabSz="914400" rtl="0" eaLnBrk="1" latinLnBrk="0" hangingPunct="1">
-              <a:lnSpc>
-                <a:spcPct val="85000"/>
-              </a:lnSpc>
-              <a:spcBef>
-                <a:spcPts val="600"/>
-              </a:spcBef>
-              <a:buFont typeface="Arial" pitchFamily="34" charset="0"/>
-              <a:buChar char=" "/>
-              <a:defRPr sz="1800" kern="1200">
-                <a:solidFill>
-                  <a:schemeClr val="tx1">
-                    <a:lumMod val="85000"/>
-                    <a:lumOff val="15000"/>
-                  </a:schemeClr>
-                </a:solidFill>
-                <a:latin typeface="+mn-lt"/>
-                <a:ea typeface="+mn-ea"/>
-                <a:cs typeface="+mn-cs"/>
-              </a:defRPr>
-            </a:lvl7pPr>
-            <a:lvl8pPr marL="1600000" indent="-228600" algn="l" defTabSz="914400" rtl="0" eaLnBrk="1" latinLnBrk="0" hangingPunct="1">
-              <a:lnSpc>
-                <a:spcPct val="85000"/>
-              </a:lnSpc>
-              <a:spcBef>
-                <a:spcPts val="600"/>
-              </a:spcBef>
-              <a:buFont typeface="Arial" pitchFamily="34" charset="0"/>
-              <a:buChar char=" "/>
-              <a:defRPr sz="1800" kern="1200">
-                <a:solidFill>
-                  <a:schemeClr val="tx1">
-                    <a:lumMod val="85000"/>
-                    <a:lumOff val="15000"/>
-                  </a:schemeClr>
-                </a:solidFill>
-                <a:latin typeface="+mn-lt"/>
-                <a:ea typeface="+mn-ea"/>
-                <a:cs typeface="+mn-cs"/>
-              </a:defRPr>
-            </a:lvl8pPr>
-            <a:lvl9pPr marL="1800000" indent="-228600" algn="l" defTabSz="914400" rtl="0" eaLnBrk="1" latinLnBrk="0" hangingPunct="1">
-              <a:lnSpc>
-                <a:spcPct val="85000"/>
-              </a:lnSpc>
-              <a:spcBef>
-                <a:spcPts val="600"/>
-              </a:spcBef>
-              <a:buFont typeface="Arial" pitchFamily="34" charset="0"/>
-              <a:buChar char=" "/>
-              <a:defRPr sz="1800" kern="1200">
-                <a:solidFill>
-                  <a:schemeClr val="tx1">
-                    <a:lumMod val="85000"/>
-                    <a:lumOff val="15000"/>
-                  </a:schemeClr>
-                </a:solidFill>
-                <a:latin typeface="+mn-lt"/>
-                <a:ea typeface="+mn-ea"/>
-                <a:cs typeface="+mn-cs"/>
-              </a:defRPr>
-            </a:lvl9pPr>
-          </a:lstStyle>
-          <a:p>
-            <a:r>
-              <a:rPr lang="ru-RU" dirty="0"/>
-              <a:t>3</a:t>
-            </a:r>
-            <a:r>
-              <a:rPr lang="ru-RU" dirty="0" smtClean="0"/>
-              <a:t>. Самый распространенный способ решения</a:t>
-            </a:r>
-            <a:endParaRPr lang="ru-RU" dirty="0"/>
-          </a:p>
-        </p:txBody>
-      </p:sp>
-      <p:pic>
-        <p:nvPicPr>
-          <p:cNvPr id="8" name="Picture 4" descr="https://e7.pngegg.com/pngimages/39/777/png-clipart-globe-internet-computer-icons-site-web-web-design-text.png"/>
-          <p:cNvPicPr>
-            <a:picLocks noChangeAspect="1" noChangeArrowheads="1"/>
-          </p:cNvPicPr>
-          <p:nvPr/>
-        </p:nvPicPr>
-        <p:blipFill>
-          <a:blip r:embed="rId3" cstate="print">
-            <a:extLst>
-              <a:ext uri="{BEBA8EAE-BF5A-486C-A8C5-ECC9F3942E4B}">
-                <a14:imgProps xmlns:a14="http://schemas.microsoft.com/office/drawing/2010/main">
-                  <a14:imgLayer r:embed="rId4">
-                    <a14:imgEffect>
-                      <a14:backgroundRemoval t="0" b="100000" l="10000" r="90000"/>
-                    </a14:imgEffect>
-                  </a14:imgLayer>
-                </a14:imgProps>
-              </a:ext>
-              <a:ext uri="{28A0092B-C50C-407E-A947-70E740481C1C}">
-                <a14:useLocalDpi xmlns:a14="http://schemas.microsoft.com/office/drawing/2010/main" val="0"/>
-              </a:ext>
-            </a:extLst>
-          </a:blip>
-          <a:srcRect/>
-          <a:stretch>
-            <a:fillRect/>
-          </a:stretch>
-        </p:blipFill>
-        <p:spPr bwMode="auto">
-          <a:xfrm>
-            <a:off x="9538870" y="2562958"/>
-            <a:ext cx="1684618" cy="958360"/>
-          </a:xfrm>
-          <a:prstGeom prst="rect">
-            <a:avLst/>
-          </a:prstGeom>
-          <a:ln w="38100" cap="sq">
-            <a:solidFill>
-              <a:srgbClr val="0000FF"/>
-            </a:solidFill>
-            <a:prstDash val="solid"/>
-            <a:miter lim="800000"/>
-          </a:ln>
-          <a:effectLst>
-            <a:outerShdw blurRad="50800" dist="38100" dir="2700000" algn="tl" rotWithShape="0">
-              <a:srgbClr val="000000">
-                <a:alpha val="43000"/>
-              </a:srgbClr>
-            </a:outerShdw>
-          </a:effectLst>
-          <a:extLst>
-            <a:ext uri="{909E8E84-426E-40DD-AFC4-6F175D3DCCD1}">
-              <a14:hiddenFill xmlns:a14="http://schemas.microsoft.com/office/drawing/2010/main">
-                <a:solidFill>
-                  <a:srgbClr val="FFFFFF"/>
-                </a:solidFill>
-              </a14:hiddenFill>
-            </a:ext>
-          </a:extLst>
-        </p:spPr>
-      </p:pic>
-      <p:pic>
-        <p:nvPicPr>
-          <p:cNvPr id="11" name="Рисунок 10"/>
-          <p:cNvPicPr>
-            <a:picLocks noChangeAspect="1"/>
-          </p:cNvPicPr>
-          <p:nvPr/>
-        </p:nvPicPr>
-        <p:blipFill>
-          <a:blip r:embed="rId5"/>
-          <a:stretch>
-            <a:fillRect/>
-          </a:stretch>
-        </p:blipFill>
-        <p:spPr>
-          <a:xfrm>
-            <a:off x="3982655" y="2767450"/>
-            <a:ext cx="4501921" cy="778431"/>
-          </a:xfrm>
-          <a:prstGeom prst="rect">
-            <a:avLst/>
-          </a:prstGeom>
-        </p:spPr>
-      </p:pic>
-      <p:pic>
-        <p:nvPicPr>
-          <p:cNvPr id="4" name="Рисунок 3"/>
-          <p:cNvPicPr>
-            <a:picLocks noChangeAspect="1"/>
-          </p:cNvPicPr>
-          <p:nvPr/>
-        </p:nvPicPr>
-        <p:blipFill>
-          <a:blip r:embed="rId6" cstate="print">
-            <a:extLst>
-              <a:ext uri="{28A0092B-C50C-407E-A947-70E740481C1C}">
-                <a14:useLocalDpi xmlns:a14="http://schemas.microsoft.com/office/drawing/2010/main" val="0"/>
-              </a:ext>
-            </a:extLst>
-          </a:blip>
-          <a:stretch>
-            <a:fillRect/>
-          </a:stretch>
-        </p:blipFill>
-        <p:spPr>
-          <a:xfrm>
-            <a:off x="9619615" y="5219319"/>
-            <a:ext cx="1603873" cy="1591408"/>
-          </a:xfrm>
-          <a:prstGeom prst="rect">
-            <a:avLst/>
-          </a:prstGeom>
-        </p:spPr>
-      </p:pic>
-      <p:pic>
-        <p:nvPicPr>
-          <p:cNvPr id="10" name="Рисунок 9"/>
-          <p:cNvPicPr>
-            <a:picLocks noChangeAspect="1"/>
-          </p:cNvPicPr>
-          <p:nvPr/>
-        </p:nvPicPr>
-        <p:blipFill>
-          <a:blip r:embed="rId7"/>
-          <a:stretch>
-            <a:fillRect/>
-          </a:stretch>
-        </p:blipFill>
-        <p:spPr>
-          <a:xfrm>
-            <a:off x="9665859" y="3649892"/>
-            <a:ext cx="1511384" cy="1440853"/>
-          </a:xfrm>
-          <a:prstGeom prst="rect">
-            <a:avLst/>
-          </a:prstGeom>
-        </p:spPr>
-      </p:pic>
     </p:spTree>
     <p:extLst>
       <p:ext uri="{BB962C8B-B14F-4D97-AF65-F5344CB8AC3E}">
-        <p14:creationId xmlns:p14="http://schemas.microsoft.com/office/powerpoint/2010/main" val="1357838678"/>
+        <p14:creationId xmlns:p14="http://schemas.microsoft.com/office/powerpoint/2010/main" val="2462958394"/>
       </p:ext>
     </p:extLst>
   </p:cSld>
@@ -14354,7 +11796,611 @@
       </p:grpSpPr>
       <p:sp>
         <p:nvSpPr>
-          <p:cNvPr id="2" name="Заголовок 1"/>
+          <p:cNvPr id="8" name="Объект 1"/>
+          <p:cNvSpPr>
+            <a:spLocks noGrp="1"/>
+          </p:cNvSpPr>
+          <p:nvPr>
+            <p:ph idx="1"/>
+          </p:nvPr>
+        </p:nvSpPr>
+        <p:spPr>
+          <a:xfrm>
+            <a:off x="644787" y="6199509"/>
+            <a:ext cx="6884377" cy="486752"/>
+          </a:xfrm>
+        </p:spPr>
+        <p:txBody>
+          <a:bodyPr>
+            <a:noAutofit/>
+          </a:bodyPr>
+          <a:lstStyle/>
+          <a:p>
+            <a:pPr marL="0" indent="0">
+              <a:buNone/>
+            </a:pPr>
+            <a:r>
+              <a:rPr lang="ru-RU" sz="1800" b="1" dirty="0" smtClean="0"/>
+              <a:t>HTML</a:t>
+            </a:r>
+            <a:r>
+              <a:rPr lang="ru-RU" sz="1800" dirty="0" smtClean="0"/>
+              <a:t> </a:t>
+            </a:r>
+            <a:r>
+              <a:rPr lang="ru-RU" sz="1800" i="1" dirty="0"/>
+              <a:t>(Hypertext Markup Language) </a:t>
+            </a:r>
+            <a:r>
+              <a:rPr lang="ru-RU" sz="1800" dirty="0"/>
+              <a:t>- </a:t>
+            </a:r>
+            <a:r>
+              <a:rPr lang="ru-RU" sz="1800" dirty="0" smtClean="0"/>
+              <a:t>Это </a:t>
+            </a:r>
+            <a:r>
+              <a:rPr lang="ru-RU" sz="1800" dirty="0"/>
+              <a:t>код, который используется для структурирования и отображения веб-страницы и её </a:t>
+            </a:r>
+            <a:r>
+              <a:rPr lang="ru-RU" sz="1800" dirty="0" smtClean="0"/>
+              <a:t>контента</a:t>
+            </a:r>
+            <a:endParaRPr lang="ru-RU" sz="1800" dirty="0"/>
+          </a:p>
+        </p:txBody>
+      </p:sp>
+      <p:pic>
+        <p:nvPicPr>
+          <p:cNvPr id="9" name="Picture 2" descr="https://radioprog.ru/uploads/media/articles/0001/01/2cc857f7f034ad92dae834fba16b89999b455fb0.png"/>
+          <p:cNvPicPr>
+            <a:picLocks noChangeAspect="1" noChangeArrowheads="1"/>
+          </p:cNvPicPr>
+          <p:nvPr/>
+        </p:nvPicPr>
+        <p:blipFill>
+          <a:blip r:embed="rId2" cstate="print">
+            <a:extLst>
+              <a:ext uri="{28A0092B-C50C-407E-A947-70E740481C1C}">
+                <a14:useLocalDpi xmlns:a14="http://schemas.microsoft.com/office/drawing/2010/main" val="0"/>
+              </a:ext>
+            </a:extLst>
+          </a:blip>
+          <a:srcRect/>
+          <a:stretch>
+            <a:fillRect/>
+          </a:stretch>
+        </p:blipFill>
+        <p:spPr bwMode="auto">
+          <a:xfrm>
+            <a:off x="0" y="6120492"/>
+            <a:ext cx="644787" cy="644787"/>
+          </a:xfrm>
+          <a:prstGeom prst="rect">
+            <a:avLst/>
+          </a:prstGeom>
+          <a:noFill/>
+          <a:extLst>
+            <a:ext uri="{909E8E84-426E-40DD-AFC4-6F175D3DCCD1}">
+              <a14:hiddenFill xmlns:a14="http://schemas.microsoft.com/office/drawing/2010/main">
+                <a:solidFill>
+                  <a:srgbClr val="FFFFFF"/>
+                </a:solidFill>
+              </a14:hiddenFill>
+            </a:ext>
+          </a:extLst>
+        </p:spPr>
+      </p:pic>
+      <p:sp>
+        <p:nvSpPr>
+          <p:cNvPr id="12" name="Объект 2"/>
+          <p:cNvSpPr txBox="1">
+            <a:spLocks/>
+          </p:cNvSpPr>
+          <p:nvPr/>
+        </p:nvSpPr>
+        <p:spPr>
+          <a:xfrm>
+            <a:off x="0" y="482151"/>
+            <a:ext cx="11649807" cy="407855"/>
+          </a:xfrm>
+          <a:prstGeom prst="rect">
+            <a:avLst/>
+          </a:prstGeom>
+        </p:spPr>
+        <p:txBody>
+          <a:bodyPr vert="horz" lIns="91440" tIns="45720" rIns="91440" bIns="45720" rtlCol="0">
+            <a:normAutofit fontScale="92500" lnSpcReduction="10000"/>
+          </a:bodyPr>
+          <a:lstStyle>
+            <a:lvl1pPr marL="91440" indent="-91440" algn="l" defTabSz="914400" rtl="0" eaLnBrk="1" latinLnBrk="0" hangingPunct="1">
+              <a:lnSpc>
+                <a:spcPct val="85000"/>
+              </a:lnSpc>
+              <a:spcBef>
+                <a:spcPts val="1300"/>
+              </a:spcBef>
+              <a:buFont typeface="Arial" pitchFamily="34" charset="0"/>
+              <a:buChar char=" "/>
+              <a:defRPr sz="2400" kern="1200">
+                <a:solidFill>
+                  <a:schemeClr val="tx1">
+                    <a:lumMod val="85000"/>
+                    <a:lumOff val="15000"/>
+                  </a:schemeClr>
+                </a:solidFill>
+                <a:latin typeface="+mn-lt"/>
+                <a:ea typeface="+mn-ea"/>
+                <a:cs typeface="+mn-cs"/>
+              </a:defRPr>
+            </a:lvl1pPr>
+            <a:lvl2pPr marL="347472" indent="-342900" algn="l" defTabSz="914400" rtl="0" eaLnBrk="1" latinLnBrk="0" hangingPunct="1">
+              <a:lnSpc>
+                <a:spcPct val="85000"/>
+              </a:lnSpc>
+              <a:spcBef>
+                <a:spcPts val="600"/>
+              </a:spcBef>
+              <a:buFont typeface="Arial" pitchFamily="34" charset="0"/>
+              <a:buChar char=" "/>
+              <a:defRPr sz="2400" kern="1200">
+                <a:solidFill>
+                  <a:schemeClr val="tx1">
+                    <a:lumMod val="85000"/>
+                    <a:lumOff val="15000"/>
+                  </a:schemeClr>
+                </a:solidFill>
+                <a:latin typeface="+mn-lt"/>
+                <a:ea typeface="+mn-ea"/>
+                <a:cs typeface="+mn-cs"/>
+              </a:defRPr>
+            </a:lvl2pPr>
+            <a:lvl3pPr marL="548640" indent="-548640" algn="l" defTabSz="914400" rtl="0" eaLnBrk="1" latinLnBrk="0" hangingPunct="1">
+              <a:lnSpc>
+                <a:spcPct val="85000"/>
+              </a:lnSpc>
+              <a:spcBef>
+                <a:spcPts val="600"/>
+              </a:spcBef>
+              <a:buFont typeface="Arial" pitchFamily="34" charset="0"/>
+              <a:buChar char=" "/>
+              <a:defRPr sz="2000" i="1" kern="1200">
+                <a:solidFill>
+                  <a:schemeClr val="tx1">
+                    <a:lumMod val="85000"/>
+                    <a:lumOff val="15000"/>
+                  </a:schemeClr>
+                </a:solidFill>
+                <a:latin typeface="+mn-lt"/>
+                <a:ea typeface="+mn-ea"/>
+                <a:cs typeface="+mn-cs"/>
+              </a:defRPr>
+            </a:lvl3pPr>
+            <a:lvl4pPr marL="822960" indent="-822960" algn="l" defTabSz="914400" rtl="0" eaLnBrk="1" latinLnBrk="0" hangingPunct="1">
+              <a:lnSpc>
+                <a:spcPct val="85000"/>
+              </a:lnSpc>
+              <a:spcBef>
+                <a:spcPts val="600"/>
+              </a:spcBef>
+              <a:buFont typeface="Arial" pitchFamily="34" charset="0"/>
+              <a:buChar char=" "/>
+              <a:defRPr sz="1800" kern="1200">
+                <a:solidFill>
+                  <a:schemeClr val="tx1">
+                    <a:lumMod val="85000"/>
+                    <a:lumOff val="15000"/>
+                  </a:schemeClr>
+                </a:solidFill>
+                <a:latin typeface="+mn-lt"/>
+                <a:ea typeface="+mn-ea"/>
+                <a:cs typeface="+mn-cs"/>
+              </a:defRPr>
+            </a:lvl4pPr>
+            <a:lvl5pPr marL="1097280" indent="-1097280" algn="l" defTabSz="914400" rtl="0" eaLnBrk="1" latinLnBrk="0" hangingPunct="1">
+              <a:lnSpc>
+                <a:spcPct val="85000"/>
+              </a:lnSpc>
+              <a:spcBef>
+                <a:spcPts val="600"/>
+              </a:spcBef>
+              <a:buFont typeface="Arial" pitchFamily="34" charset="0"/>
+              <a:buChar char=" "/>
+              <a:defRPr sz="1800" kern="1200">
+                <a:solidFill>
+                  <a:schemeClr val="tx1">
+                    <a:lumMod val="85000"/>
+                    <a:lumOff val="15000"/>
+                  </a:schemeClr>
+                </a:solidFill>
+                <a:latin typeface="+mn-lt"/>
+                <a:ea typeface="+mn-ea"/>
+                <a:cs typeface="+mn-cs"/>
+              </a:defRPr>
+            </a:lvl5pPr>
+            <a:lvl6pPr marL="1200000" indent="-228600" algn="l" defTabSz="914400" rtl="0" eaLnBrk="1" latinLnBrk="0" hangingPunct="1">
+              <a:lnSpc>
+                <a:spcPct val="85000"/>
+              </a:lnSpc>
+              <a:spcBef>
+                <a:spcPts val="600"/>
+              </a:spcBef>
+              <a:buFont typeface="Arial" pitchFamily="34" charset="0"/>
+              <a:buChar char=" "/>
+              <a:defRPr sz="1800" kern="1200">
+                <a:solidFill>
+                  <a:schemeClr val="tx1">
+                    <a:lumMod val="85000"/>
+                    <a:lumOff val="15000"/>
+                  </a:schemeClr>
+                </a:solidFill>
+                <a:latin typeface="+mn-lt"/>
+                <a:ea typeface="+mn-ea"/>
+                <a:cs typeface="+mn-cs"/>
+              </a:defRPr>
+            </a:lvl6pPr>
+            <a:lvl7pPr marL="1400000" indent="-228600" algn="l" defTabSz="914400" rtl="0" eaLnBrk="1" latinLnBrk="0" hangingPunct="1">
+              <a:lnSpc>
+                <a:spcPct val="85000"/>
+              </a:lnSpc>
+              <a:spcBef>
+                <a:spcPts val="600"/>
+              </a:spcBef>
+              <a:buFont typeface="Arial" pitchFamily="34" charset="0"/>
+              <a:buChar char=" "/>
+              <a:defRPr sz="1800" kern="1200">
+                <a:solidFill>
+                  <a:schemeClr val="tx1">
+                    <a:lumMod val="85000"/>
+                    <a:lumOff val="15000"/>
+                  </a:schemeClr>
+                </a:solidFill>
+                <a:latin typeface="+mn-lt"/>
+                <a:ea typeface="+mn-ea"/>
+                <a:cs typeface="+mn-cs"/>
+              </a:defRPr>
+            </a:lvl7pPr>
+            <a:lvl8pPr marL="1600000" indent="-228600" algn="l" defTabSz="914400" rtl="0" eaLnBrk="1" latinLnBrk="0" hangingPunct="1">
+              <a:lnSpc>
+                <a:spcPct val="85000"/>
+              </a:lnSpc>
+              <a:spcBef>
+                <a:spcPts val="600"/>
+              </a:spcBef>
+              <a:buFont typeface="Arial" pitchFamily="34" charset="0"/>
+              <a:buChar char=" "/>
+              <a:defRPr sz="1800" kern="1200">
+                <a:solidFill>
+                  <a:schemeClr val="tx1">
+                    <a:lumMod val="85000"/>
+                    <a:lumOff val="15000"/>
+                  </a:schemeClr>
+                </a:solidFill>
+                <a:latin typeface="+mn-lt"/>
+                <a:ea typeface="+mn-ea"/>
+                <a:cs typeface="+mn-cs"/>
+              </a:defRPr>
+            </a:lvl8pPr>
+            <a:lvl9pPr marL="1800000" indent="-228600" algn="l" defTabSz="914400" rtl="0" eaLnBrk="1" latinLnBrk="0" hangingPunct="1">
+              <a:lnSpc>
+                <a:spcPct val="85000"/>
+              </a:lnSpc>
+              <a:spcBef>
+                <a:spcPts val="600"/>
+              </a:spcBef>
+              <a:buFont typeface="Arial" pitchFamily="34" charset="0"/>
+              <a:buChar char=" "/>
+              <a:defRPr sz="1800" kern="1200">
+                <a:solidFill>
+                  <a:schemeClr val="tx1">
+                    <a:lumMod val="85000"/>
+                    <a:lumOff val="15000"/>
+                  </a:schemeClr>
+                </a:solidFill>
+                <a:latin typeface="+mn-lt"/>
+                <a:ea typeface="+mn-ea"/>
+                <a:cs typeface="+mn-cs"/>
+              </a:defRPr>
+            </a:lvl9pPr>
+          </a:lstStyle>
+          <a:p>
+            <a:pPr marL="0" indent="0">
+              <a:buNone/>
+            </a:pPr>
+            <a:r>
+              <a:rPr lang="ru-RU" sz="2900" dirty="0" smtClean="0">
+                <a:latin typeface="+mj-lt"/>
+              </a:rPr>
+              <a:t>Для отображения веб-страницы и ее контента был изучен и применен </a:t>
+            </a:r>
+            <a:r>
+              <a:rPr lang="en-US" sz="2900" dirty="0" smtClean="0">
+                <a:latin typeface="+mj-lt"/>
+              </a:rPr>
+              <a:t>HTML*</a:t>
+            </a:r>
+          </a:p>
+          <a:p>
+            <a:pPr marL="0" indent="0">
+              <a:buNone/>
+            </a:pPr>
+            <a:endParaRPr lang="ru-RU" sz="2900" b="1" dirty="0" smtClean="0">
+              <a:latin typeface="+mj-lt"/>
+            </a:endParaRPr>
+          </a:p>
+        </p:txBody>
+      </p:sp>
+      <p:sp>
+        <p:nvSpPr>
+          <p:cNvPr id="13" name="Объект 2"/>
+          <p:cNvSpPr txBox="1">
+            <a:spLocks/>
+          </p:cNvSpPr>
+          <p:nvPr/>
+        </p:nvSpPr>
+        <p:spPr>
+          <a:xfrm>
+            <a:off x="0" y="5707798"/>
+            <a:ext cx="11219335" cy="333676"/>
+          </a:xfrm>
+          <a:prstGeom prst="rect">
+            <a:avLst/>
+          </a:prstGeom>
+        </p:spPr>
+        <p:txBody>
+          <a:bodyPr vert="horz" lIns="91440" tIns="45720" rIns="91440" bIns="45720" rtlCol="0">
+            <a:noAutofit/>
+          </a:bodyPr>
+          <a:lstStyle>
+            <a:lvl1pPr marL="91440" indent="-91440" algn="l" defTabSz="914400" rtl="0" eaLnBrk="1" latinLnBrk="0" hangingPunct="1">
+              <a:lnSpc>
+                <a:spcPct val="85000"/>
+              </a:lnSpc>
+              <a:spcBef>
+                <a:spcPts val="1300"/>
+              </a:spcBef>
+              <a:buFont typeface="Arial" pitchFamily="34" charset="0"/>
+              <a:buChar char=" "/>
+              <a:defRPr sz="2400" kern="1200">
+                <a:solidFill>
+                  <a:schemeClr val="tx1">
+                    <a:lumMod val="85000"/>
+                    <a:lumOff val="15000"/>
+                  </a:schemeClr>
+                </a:solidFill>
+                <a:latin typeface="+mn-lt"/>
+                <a:ea typeface="+mn-ea"/>
+                <a:cs typeface="+mn-cs"/>
+              </a:defRPr>
+            </a:lvl1pPr>
+            <a:lvl2pPr marL="347472" indent="-342900" algn="l" defTabSz="914400" rtl="0" eaLnBrk="1" latinLnBrk="0" hangingPunct="1">
+              <a:lnSpc>
+                <a:spcPct val="85000"/>
+              </a:lnSpc>
+              <a:spcBef>
+                <a:spcPts val="600"/>
+              </a:spcBef>
+              <a:buFont typeface="Arial" pitchFamily="34" charset="0"/>
+              <a:buChar char=" "/>
+              <a:defRPr sz="2400" kern="1200">
+                <a:solidFill>
+                  <a:schemeClr val="tx1">
+                    <a:lumMod val="85000"/>
+                    <a:lumOff val="15000"/>
+                  </a:schemeClr>
+                </a:solidFill>
+                <a:latin typeface="+mn-lt"/>
+                <a:ea typeface="+mn-ea"/>
+                <a:cs typeface="+mn-cs"/>
+              </a:defRPr>
+            </a:lvl2pPr>
+            <a:lvl3pPr marL="548640" indent="-548640" algn="l" defTabSz="914400" rtl="0" eaLnBrk="1" latinLnBrk="0" hangingPunct="1">
+              <a:lnSpc>
+                <a:spcPct val="85000"/>
+              </a:lnSpc>
+              <a:spcBef>
+                <a:spcPts val="600"/>
+              </a:spcBef>
+              <a:buFont typeface="Arial" pitchFamily="34" charset="0"/>
+              <a:buChar char=" "/>
+              <a:defRPr sz="2000" i="1" kern="1200">
+                <a:solidFill>
+                  <a:schemeClr val="tx1">
+                    <a:lumMod val="85000"/>
+                    <a:lumOff val="15000"/>
+                  </a:schemeClr>
+                </a:solidFill>
+                <a:latin typeface="+mn-lt"/>
+                <a:ea typeface="+mn-ea"/>
+                <a:cs typeface="+mn-cs"/>
+              </a:defRPr>
+            </a:lvl3pPr>
+            <a:lvl4pPr marL="822960" indent="-822960" algn="l" defTabSz="914400" rtl="0" eaLnBrk="1" latinLnBrk="0" hangingPunct="1">
+              <a:lnSpc>
+                <a:spcPct val="85000"/>
+              </a:lnSpc>
+              <a:spcBef>
+                <a:spcPts val="600"/>
+              </a:spcBef>
+              <a:buFont typeface="Arial" pitchFamily="34" charset="0"/>
+              <a:buChar char=" "/>
+              <a:defRPr sz="1800" kern="1200">
+                <a:solidFill>
+                  <a:schemeClr val="tx1">
+                    <a:lumMod val="85000"/>
+                    <a:lumOff val="15000"/>
+                  </a:schemeClr>
+                </a:solidFill>
+                <a:latin typeface="+mn-lt"/>
+                <a:ea typeface="+mn-ea"/>
+                <a:cs typeface="+mn-cs"/>
+              </a:defRPr>
+            </a:lvl4pPr>
+            <a:lvl5pPr marL="1097280" indent="-1097280" algn="l" defTabSz="914400" rtl="0" eaLnBrk="1" latinLnBrk="0" hangingPunct="1">
+              <a:lnSpc>
+                <a:spcPct val="85000"/>
+              </a:lnSpc>
+              <a:spcBef>
+                <a:spcPts val="600"/>
+              </a:spcBef>
+              <a:buFont typeface="Arial" pitchFamily="34" charset="0"/>
+              <a:buChar char=" "/>
+              <a:defRPr sz="1800" kern="1200">
+                <a:solidFill>
+                  <a:schemeClr val="tx1">
+                    <a:lumMod val="85000"/>
+                    <a:lumOff val="15000"/>
+                  </a:schemeClr>
+                </a:solidFill>
+                <a:latin typeface="+mn-lt"/>
+                <a:ea typeface="+mn-ea"/>
+                <a:cs typeface="+mn-cs"/>
+              </a:defRPr>
+            </a:lvl5pPr>
+            <a:lvl6pPr marL="1200000" indent="-228600" algn="l" defTabSz="914400" rtl="0" eaLnBrk="1" latinLnBrk="0" hangingPunct="1">
+              <a:lnSpc>
+                <a:spcPct val="85000"/>
+              </a:lnSpc>
+              <a:spcBef>
+                <a:spcPts val="600"/>
+              </a:spcBef>
+              <a:buFont typeface="Arial" pitchFamily="34" charset="0"/>
+              <a:buChar char=" "/>
+              <a:defRPr sz="1800" kern="1200">
+                <a:solidFill>
+                  <a:schemeClr val="tx1">
+                    <a:lumMod val="85000"/>
+                    <a:lumOff val="15000"/>
+                  </a:schemeClr>
+                </a:solidFill>
+                <a:latin typeface="+mn-lt"/>
+                <a:ea typeface="+mn-ea"/>
+                <a:cs typeface="+mn-cs"/>
+              </a:defRPr>
+            </a:lvl6pPr>
+            <a:lvl7pPr marL="1400000" indent="-228600" algn="l" defTabSz="914400" rtl="0" eaLnBrk="1" latinLnBrk="0" hangingPunct="1">
+              <a:lnSpc>
+                <a:spcPct val="85000"/>
+              </a:lnSpc>
+              <a:spcBef>
+                <a:spcPts val="600"/>
+              </a:spcBef>
+              <a:buFont typeface="Arial" pitchFamily="34" charset="0"/>
+              <a:buChar char=" "/>
+              <a:defRPr sz="1800" kern="1200">
+                <a:solidFill>
+                  <a:schemeClr val="tx1">
+                    <a:lumMod val="85000"/>
+                    <a:lumOff val="15000"/>
+                  </a:schemeClr>
+                </a:solidFill>
+                <a:latin typeface="+mn-lt"/>
+                <a:ea typeface="+mn-ea"/>
+                <a:cs typeface="+mn-cs"/>
+              </a:defRPr>
+            </a:lvl7pPr>
+            <a:lvl8pPr marL="1600000" indent="-228600" algn="l" defTabSz="914400" rtl="0" eaLnBrk="1" latinLnBrk="0" hangingPunct="1">
+              <a:lnSpc>
+                <a:spcPct val="85000"/>
+              </a:lnSpc>
+              <a:spcBef>
+                <a:spcPts val="600"/>
+              </a:spcBef>
+              <a:buFont typeface="Arial" pitchFamily="34" charset="0"/>
+              <a:buChar char=" "/>
+              <a:defRPr sz="1800" kern="1200">
+                <a:solidFill>
+                  <a:schemeClr val="tx1">
+                    <a:lumMod val="85000"/>
+                    <a:lumOff val="15000"/>
+                  </a:schemeClr>
+                </a:solidFill>
+                <a:latin typeface="+mn-lt"/>
+                <a:ea typeface="+mn-ea"/>
+                <a:cs typeface="+mn-cs"/>
+              </a:defRPr>
+            </a:lvl8pPr>
+            <a:lvl9pPr marL="1800000" indent="-228600" algn="l" defTabSz="914400" rtl="0" eaLnBrk="1" latinLnBrk="0" hangingPunct="1">
+              <a:lnSpc>
+                <a:spcPct val="85000"/>
+              </a:lnSpc>
+              <a:spcBef>
+                <a:spcPts val="600"/>
+              </a:spcBef>
+              <a:buFont typeface="Arial" pitchFamily="34" charset="0"/>
+              <a:buChar char=" "/>
+              <a:defRPr sz="1800" kern="1200">
+                <a:solidFill>
+                  <a:schemeClr val="tx1">
+                    <a:lumMod val="85000"/>
+                    <a:lumOff val="15000"/>
+                  </a:schemeClr>
+                </a:solidFill>
+                <a:latin typeface="+mn-lt"/>
+                <a:ea typeface="+mn-ea"/>
+                <a:cs typeface="+mn-cs"/>
+              </a:defRPr>
+            </a:lvl9pPr>
+          </a:lstStyle>
+          <a:p>
+            <a:pPr marL="0" indent="0">
+              <a:buNone/>
+            </a:pPr>
+            <a:r>
+              <a:rPr lang="ru-RU" sz="1800" dirty="0"/>
+              <a:t>Тег — это специальное служебное слово, заключенное в угловые скобки. Его ещё называют «элемент HTML</a:t>
+            </a:r>
+            <a:r>
+              <a:rPr lang="ru-RU" sz="1800" dirty="0" smtClean="0"/>
+              <a:t>». </a:t>
+            </a:r>
+          </a:p>
+        </p:txBody>
+      </p:sp>
+      <p:pic>
+        <p:nvPicPr>
+          <p:cNvPr id="6" name="Рисунок 5"/>
+          <p:cNvPicPr>
+            <a:picLocks noChangeAspect="1"/>
+          </p:cNvPicPr>
+          <p:nvPr/>
+        </p:nvPicPr>
+        <p:blipFill>
+          <a:blip r:embed="rId3">
+            <a:extLst>
+              <a:ext uri="{28A0092B-C50C-407E-A947-70E740481C1C}">
+                <a14:useLocalDpi xmlns:a14="http://schemas.microsoft.com/office/drawing/2010/main" val="0"/>
+              </a:ext>
+            </a:extLst>
+          </a:blip>
+          <a:stretch>
+            <a:fillRect/>
+          </a:stretch>
+        </p:blipFill>
+        <p:spPr>
+          <a:xfrm>
+            <a:off x="162071" y="928863"/>
+            <a:ext cx="9140190" cy="4192659"/>
+          </a:xfrm>
+          <a:prstGeom prst="rect">
+            <a:avLst/>
+          </a:prstGeom>
+          <a:ln>
+            <a:noFill/>
+          </a:ln>
+          <a:effectLst>
+            <a:outerShdw blurRad="190500" algn="tl" rotWithShape="0">
+              <a:srgbClr val="000000">
+                <a:alpha val="70000"/>
+              </a:srgbClr>
+            </a:outerShdw>
+          </a:effectLst>
+        </p:spPr>
+      </p:pic>
+      <p:sp>
+        <p:nvSpPr>
+          <p:cNvPr id="10" name="Заголовок 1"/>
           <p:cNvSpPr>
             <a:spLocks noGrp="1"/>
           </p:cNvSpPr>
@@ -14365,7 +12411,7 @@
         <p:spPr>
           <a:xfrm>
             <a:off x="0" y="0"/>
-            <a:ext cx="11983915" cy="1019908"/>
+            <a:ext cx="2980591" cy="608793"/>
           </a:xfrm>
         </p:spPr>
         <p:txBody>
@@ -14375,189 +12421,61 @@
           <a:lstStyle/>
           <a:p>
             <a:r>
-              <a:rPr lang="ru-RU" sz="4400" dirty="0" smtClean="0"/>
-              <a:t>Рациональный </a:t>
-            </a:r>
-            <a:r>
-              <a:rPr lang="ru-RU" sz="4400" dirty="0"/>
-              <a:t>способ решения(Поляков</a:t>
-            </a:r>
-            <a:r>
-              <a:rPr lang="ru-RU" sz="4400" dirty="0" smtClean="0"/>
-              <a:t>)</a:t>
-            </a:r>
-            <a:endParaRPr lang="ru-RU" sz="4400" dirty="0"/>
-          </a:p>
-        </p:txBody>
-      </p:sp>
-      <p:sp>
-        <p:nvSpPr>
-          <p:cNvPr id="3" name="Объект 2"/>
-          <p:cNvSpPr>
-            <a:spLocks noGrp="1"/>
-          </p:cNvSpPr>
-          <p:nvPr>
-            <p:ph idx="1"/>
-          </p:nvPr>
-        </p:nvSpPr>
+              <a:rPr lang="en-US" sz="3200" dirty="0" smtClean="0"/>
+              <a:t>WEB-</a:t>
+            </a:r>
+            <a:r>
+              <a:rPr lang="ru-RU" sz="3200" dirty="0" smtClean="0"/>
+              <a:t>Технологии</a:t>
+            </a:r>
+            <a:endParaRPr lang="ru-RU" sz="3200" dirty="0"/>
+          </a:p>
+        </p:txBody>
+      </p:sp>
+      <p:pic>
+        <p:nvPicPr>
+          <p:cNvPr id="4" name="Рисунок 3"/>
+          <p:cNvPicPr>
+            <a:picLocks noChangeAspect="1"/>
+          </p:cNvPicPr>
+          <p:nvPr/>
+        </p:nvPicPr>
+        <p:blipFill>
+          <a:blip r:embed="rId4">
+            <a:extLst>
+              <a:ext uri="{28A0092B-C50C-407E-A947-70E740481C1C}">
+                <a14:useLocalDpi xmlns:a14="http://schemas.microsoft.com/office/drawing/2010/main" val="0"/>
+              </a:ext>
+            </a:extLst>
+          </a:blip>
+          <a:stretch>
+            <a:fillRect/>
+          </a:stretch>
+        </p:blipFill>
         <p:spPr>
           <a:xfrm>
-            <a:off x="285573" y="1318846"/>
-            <a:ext cx="11412767" cy="4572000"/>
+            <a:off x="5758962" y="1476282"/>
+            <a:ext cx="6310092" cy="4167920"/>
           </a:xfrm>
+          <a:prstGeom prst="rect">
+            <a:avLst/>
+          </a:prstGeom>
+          <a:ln>
+            <a:noFill/>
+          </a:ln>
+          <a:effectLst>
+            <a:outerShdw blurRad="190500" algn="tl" rotWithShape="0">
+              <a:srgbClr val="000000">
+                <a:alpha val="70000"/>
+              </a:srgbClr>
+            </a:outerShdw>
+          </a:effectLst>
         </p:spPr>
-        <p:txBody>
-          <a:bodyPr>
-            <a:normAutofit fontScale="70000" lnSpcReduction="20000"/>
-          </a:bodyPr>
-          <a:lstStyle/>
-          <a:p>
-            <a:pPr marL="0" indent="0">
-              <a:buNone/>
-            </a:pPr>
-            <a:r>
-              <a:rPr lang="ru-RU" dirty="0" smtClean="0"/>
-              <a:t>Два </a:t>
-            </a:r>
-            <a:r>
-              <a:rPr lang="ru-RU" dirty="0"/>
-              <a:t>игрока, Петя и Ваня, играют в следующую игру. Перед игроками лежит куча камней. Игроки ходят по очереди, первый ход делает Петя. За один ход игрок может добавить в кучу один камень или увеличить количество камней в куче в два раза. Для того чтобы делать ходы, у каждого игрока есть неограниченное количество камней. Игра завершается в тот момент, когда количество камней в куче становится не менее 29. Победителем считается игрок, сделавший последний ход, т. е. первым получивший кучу, в которой будет 29 или больше камней. В начальный момент в куче было S камней, 1 ≤ S ≤ 28.</a:t>
-            </a:r>
-            <a:br>
-              <a:rPr lang="ru-RU" dirty="0"/>
-            </a:br>
-            <a:r>
-              <a:rPr lang="ru-RU" dirty="0"/>
-              <a:t/>
-            </a:r>
-            <a:br>
-              <a:rPr lang="ru-RU" dirty="0"/>
-            </a:br>
-            <a:r>
-              <a:rPr lang="ru-RU" b="1" dirty="0"/>
-              <a:t>Задание 19.</a:t>
-            </a:r>
-            <a:r>
-              <a:rPr lang="ru-RU" dirty="0"/>
-              <a:t/>
-            </a:r>
-            <a:br>
-              <a:rPr lang="ru-RU" dirty="0"/>
-            </a:br>
-            <a:r>
-              <a:rPr lang="ru-RU" dirty="0"/>
-              <a:t>Укажите такое значение S, при котором Петя не может выиграть за один ход, но при любом ходе Пети Ваня может выиграть своим первым ходом</a:t>
-            </a:r>
-            <a:r>
-              <a:rPr lang="ru-RU" dirty="0" smtClean="0"/>
-              <a:t>.</a:t>
-            </a:r>
-          </a:p>
-          <a:p>
-            <a:pPr marL="0" indent="0">
-              <a:buNone/>
-            </a:pPr>
-            <a:r>
-              <a:rPr lang="ru-RU" dirty="0"/>
-              <a:t/>
-            </a:r>
-            <a:br>
-              <a:rPr lang="ru-RU" dirty="0"/>
-            </a:br>
-            <a:r>
-              <a:rPr lang="ru-RU" b="1" dirty="0"/>
-              <a:t>Задание 20.</a:t>
-            </a:r>
-            <a:br>
-              <a:rPr lang="ru-RU" b="1" dirty="0"/>
-            </a:br>
-            <a:r>
-              <a:rPr lang="ru-RU" dirty="0"/>
-              <a:t>Найдите два таких значения S, при которых у Пети есть выигрышная стратегия, причём одновременно выполняются два условия:</a:t>
-            </a:r>
-            <a:br>
-              <a:rPr lang="ru-RU" dirty="0"/>
-            </a:br>
-            <a:r>
-              <a:rPr lang="ru-RU" dirty="0"/>
-              <a:t>— Петя не может выиграть за один ход;</a:t>
-            </a:r>
-            <a:br>
-              <a:rPr lang="ru-RU" dirty="0"/>
-            </a:br>
-            <a:r>
-              <a:rPr lang="ru-RU" dirty="0"/>
-              <a:t>— Петя может выиграть своим вторым ходом независимо от того, как будет ходить Ваня.</a:t>
-            </a:r>
-            <a:br>
-              <a:rPr lang="ru-RU" dirty="0"/>
-            </a:br>
-            <a:r>
-              <a:rPr lang="ru-RU" dirty="0"/>
-              <a:t>Найденные значения запишите в ответе в порядке возрастания</a:t>
-            </a:r>
-            <a:r>
-              <a:rPr lang="ru-RU" dirty="0" smtClean="0"/>
-              <a:t>.</a:t>
-            </a:r>
-          </a:p>
-          <a:p>
-            <a:pPr marL="0" indent="0">
-              <a:buNone/>
-            </a:pPr>
-            <a:r>
-              <a:rPr lang="ru-RU" dirty="0"/>
-              <a:t/>
-            </a:r>
-            <a:br>
-              <a:rPr lang="ru-RU" dirty="0"/>
-            </a:br>
-            <a:r>
-              <a:rPr lang="ru-RU" b="1" dirty="0"/>
-              <a:t>Задание 21.</a:t>
-            </a:r>
-            <a:r>
-              <a:rPr lang="ru-RU" dirty="0"/>
-              <a:t/>
-            </a:r>
-            <a:br>
-              <a:rPr lang="ru-RU" dirty="0"/>
-            </a:br>
-            <a:r>
-              <a:rPr lang="ru-RU" dirty="0"/>
-              <a:t>Для игры, описанной в задании 19, найдите значение S, при котором одновременно выполняются два условия:</a:t>
-            </a:r>
-            <a:br>
-              <a:rPr lang="ru-RU" dirty="0"/>
-            </a:br>
-            <a:r>
-              <a:rPr lang="ru-RU" dirty="0"/>
-              <a:t>— у Вани есть выигрышная стратегия, позволяющая ему выиграть первым или вторым ходом при любой игре Пети;</a:t>
-            </a:r>
-            <a:br>
-              <a:rPr lang="ru-RU" dirty="0"/>
-            </a:br>
-            <a:r>
-              <a:rPr lang="ru-RU" dirty="0"/>
-              <a:t>— у Вани нет стратегии, которая позволит ему гарантированно выиграть первым ходом.</a:t>
-            </a:r>
-            <a:br>
-              <a:rPr lang="ru-RU" dirty="0"/>
-            </a:br>
-            <a:r>
-              <a:rPr lang="ru-RU" dirty="0"/>
-              <a:t>Если найдено несколько значений S, в ответе запишите минимальное из них.</a:t>
-            </a:r>
-          </a:p>
-          <a:p>
-            <a:endParaRPr lang="ru-RU" dirty="0"/>
-          </a:p>
-        </p:txBody>
-      </p:sp>
+      </p:pic>
     </p:spTree>
     <p:extLst>
       <p:ext uri="{BB962C8B-B14F-4D97-AF65-F5344CB8AC3E}">
-        <p14:creationId xmlns:p14="http://schemas.microsoft.com/office/powerpoint/2010/main" val="2462958394"/>
+        <p14:creationId xmlns:p14="http://schemas.microsoft.com/office/powerpoint/2010/main" val="231311159"/>
       </p:ext>
     </p:extLst>
   </p:cSld>
@@ -14593,37 +12511,7 @@
       </p:grpSpPr>
       <p:sp>
         <p:nvSpPr>
-          <p:cNvPr id="3" name="Объект 2"/>
-          <p:cNvSpPr>
-            <a:spLocks noGrp="1"/>
-          </p:cNvSpPr>
-          <p:nvPr>
-            <p:ph idx="1"/>
-          </p:nvPr>
-        </p:nvSpPr>
-        <p:spPr>
-          <a:xfrm>
-            <a:off x="0" y="2138697"/>
-            <a:ext cx="12192000" cy="639671"/>
-          </a:xfrm>
-        </p:spPr>
-        <p:txBody>
-          <a:bodyPr/>
-          <a:lstStyle/>
-          <a:p>
-            <a:r>
-              <a:rPr lang="ru-RU" dirty="0"/>
-              <a:t>Для решения нам понадобиться четыре библиотеки – это iostream, algorithm, vector, climits.</a:t>
-            </a:r>
-          </a:p>
-          <a:p>
-            <a:endParaRPr lang="ru-RU" dirty="0"/>
-          </a:p>
-        </p:txBody>
-      </p:sp>
-      <p:sp>
-        <p:nvSpPr>
-          <p:cNvPr id="4" name="Заголовок 1"/>
+          <p:cNvPr id="5" name="Объект 1"/>
           <p:cNvSpPr txBox="1">
             <a:spLocks/>
           </p:cNvSpPr>
@@ -14631,48 +12519,277 @@
         </p:nvSpPr>
         <p:spPr>
           <a:xfrm>
-            <a:off x="0" y="0"/>
-            <a:ext cx="11983915" cy="1019908"/>
+            <a:off x="620245" y="6211891"/>
+            <a:ext cx="6037732" cy="568518"/>
           </a:xfrm>
           <a:prstGeom prst="rect">
             <a:avLst/>
           </a:prstGeom>
         </p:spPr>
         <p:txBody>
-          <a:bodyPr vert="horz" lIns="91440" tIns="45720" rIns="91440" bIns="45720" rtlCol="0" anchor="ctr">
-            <a:normAutofit/>
+          <a:bodyPr vert="horz" lIns="91440" tIns="45720" rIns="91440" bIns="45720" rtlCol="0">
+            <a:noAutofit/>
           </a:bodyPr>
           <a:lstStyle>
-            <a:lvl1pPr algn="l" defTabSz="914400" rtl="0" eaLnBrk="1" latinLnBrk="0" hangingPunct="1">
-              <a:lnSpc>
-                <a:spcPct val="85000"/>
-              </a:lnSpc>
-              <a:spcBef>
-                <a:spcPct val="0"/>
-              </a:spcBef>
+            <a:lvl1pPr marL="228600" indent="-228600" algn="l" defTabSz="914400" rtl="0" eaLnBrk="1" latinLnBrk="0" hangingPunct="1">
+              <a:lnSpc>
+                <a:spcPct val="90000"/>
+              </a:lnSpc>
+              <a:spcBef>
+                <a:spcPts val="1000"/>
+              </a:spcBef>
+              <a:buFont typeface="Arial" panose="020B0604020202020204" pitchFamily="34" charset="0"/>
+              <a:buChar char="•"/>
+              <a:defRPr sz="2800" kern="1200">
+                <a:solidFill>
+                  <a:schemeClr val="tx1"/>
+                </a:solidFill>
+                <a:latin typeface="+mn-lt"/>
+                <a:ea typeface="+mn-ea"/>
+                <a:cs typeface="+mn-cs"/>
+              </a:defRPr>
+            </a:lvl1pPr>
+            <a:lvl2pPr marL="685800" indent="-228600" algn="l" defTabSz="914400" rtl="0" eaLnBrk="1" latinLnBrk="0" hangingPunct="1">
+              <a:lnSpc>
+                <a:spcPct val="90000"/>
+              </a:lnSpc>
+              <a:spcBef>
+                <a:spcPts val="500"/>
+              </a:spcBef>
+              <a:buFont typeface="Arial" panose="020B0604020202020204" pitchFamily="34" charset="0"/>
+              <a:buChar char="•"/>
+              <a:defRPr sz="2400" kern="1200">
+                <a:solidFill>
+                  <a:schemeClr val="tx1"/>
+                </a:solidFill>
+                <a:latin typeface="+mn-lt"/>
+                <a:ea typeface="+mn-ea"/>
+                <a:cs typeface="+mn-cs"/>
+              </a:defRPr>
+            </a:lvl2pPr>
+            <a:lvl3pPr marL="1143000" indent="-228600" algn="l" defTabSz="914400" rtl="0" eaLnBrk="1" latinLnBrk="0" hangingPunct="1">
+              <a:lnSpc>
+                <a:spcPct val="90000"/>
+              </a:lnSpc>
+              <a:spcBef>
+                <a:spcPts val="500"/>
+              </a:spcBef>
+              <a:buFont typeface="Arial" panose="020B0604020202020204" pitchFamily="34" charset="0"/>
+              <a:buChar char="•"/>
+              <a:defRPr sz="2000" kern="1200">
+                <a:solidFill>
+                  <a:schemeClr val="tx1"/>
+                </a:solidFill>
+                <a:latin typeface="+mn-lt"/>
+                <a:ea typeface="+mn-ea"/>
+                <a:cs typeface="+mn-cs"/>
+              </a:defRPr>
+            </a:lvl3pPr>
+            <a:lvl4pPr marL="1600200" indent="-228600" algn="l" defTabSz="914400" rtl="0" eaLnBrk="1" latinLnBrk="0" hangingPunct="1">
+              <a:lnSpc>
+                <a:spcPct val="90000"/>
+              </a:lnSpc>
+              <a:spcBef>
+                <a:spcPts val="500"/>
+              </a:spcBef>
+              <a:buFont typeface="Arial" panose="020B0604020202020204" pitchFamily="34" charset="0"/>
+              <a:buChar char="•"/>
+              <a:defRPr sz="1800" kern="1200">
+                <a:solidFill>
+                  <a:schemeClr val="tx1"/>
+                </a:solidFill>
+                <a:latin typeface="+mn-lt"/>
+                <a:ea typeface="+mn-ea"/>
+                <a:cs typeface="+mn-cs"/>
+              </a:defRPr>
+            </a:lvl4pPr>
+            <a:lvl5pPr marL="2057400" indent="-228600" algn="l" defTabSz="914400" rtl="0" eaLnBrk="1" latinLnBrk="0" hangingPunct="1">
+              <a:lnSpc>
+                <a:spcPct val="90000"/>
+              </a:lnSpc>
+              <a:spcBef>
+                <a:spcPts val="500"/>
+              </a:spcBef>
+              <a:buFont typeface="Arial" panose="020B0604020202020204" pitchFamily="34" charset="0"/>
+              <a:buChar char="•"/>
+              <a:defRPr sz="1800" kern="1200">
+                <a:solidFill>
+                  <a:schemeClr val="tx1"/>
+                </a:solidFill>
+                <a:latin typeface="+mn-lt"/>
+                <a:ea typeface="+mn-ea"/>
+                <a:cs typeface="+mn-cs"/>
+              </a:defRPr>
+            </a:lvl5pPr>
+            <a:lvl6pPr marL="2514600" indent="-228600" algn="l" defTabSz="914400" rtl="0" eaLnBrk="1" latinLnBrk="0" hangingPunct="1">
+              <a:lnSpc>
+                <a:spcPct val="90000"/>
+              </a:lnSpc>
+              <a:spcBef>
+                <a:spcPts val="500"/>
+              </a:spcBef>
+              <a:buFont typeface="Arial" panose="020B0604020202020204" pitchFamily="34" charset="0"/>
+              <a:buChar char="•"/>
+              <a:defRPr sz="1800" kern="1200">
+                <a:solidFill>
+                  <a:schemeClr val="tx1"/>
+                </a:solidFill>
+                <a:latin typeface="+mn-lt"/>
+                <a:ea typeface="+mn-ea"/>
+                <a:cs typeface="+mn-cs"/>
+              </a:defRPr>
+            </a:lvl6pPr>
+            <a:lvl7pPr marL="2971800" indent="-228600" algn="l" defTabSz="914400" rtl="0" eaLnBrk="1" latinLnBrk="0" hangingPunct="1">
+              <a:lnSpc>
+                <a:spcPct val="90000"/>
+              </a:lnSpc>
+              <a:spcBef>
+                <a:spcPts val="500"/>
+              </a:spcBef>
+              <a:buFont typeface="Arial" panose="020B0604020202020204" pitchFamily="34" charset="0"/>
+              <a:buChar char="•"/>
+              <a:defRPr sz="1800" kern="1200">
+                <a:solidFill>
+                  <a:schemeClr val="tx1"/>
+                </a:solidFill>
+                <a:latin typeface="+mn-lt"/>
+                <a:ea typeface="+mn-ea"/>
+                <a:cs typeface="+mn-cs"/>
+              </a:defRPr>
+            </a:lvl7pPr>
+            <a:lvl8pPr marL="3429000" indent="-228600" algn="l" defTabSz="914400" rtl="0" eaLnBrk="1" latinLnBrk="0" hangingPunct="1">
+              <a:lnSpc>
+                <a:spcPct val="90000"/>
+              </a:lnSpc>
+              <a:spcBef>
+                <a:spcPts val="500"/>
+              </a:spcBef>
+              <a:buFont typeface="Arial" panose="020B0604020202020204" pitchFamily="34" charset="0"/>
+              <a:buChar char="•"/>
+              <a:defRPr sz="1800" kern="1200">
+                <a:solidFill>
+                  <a:schemeClr val="tx1"/>
+                </a:solidFill>
+                <a:latin typeface="+mn-lt"/>
+                <a:ea typeface="+mn-ea"/>
+                <a:cs typeface="+mn-cs"/>
+              </a:defRPr>
+            </a:lvl8pPr>
+            <a:lvl9pPr marL="3886200" indent="-228600" algn="l" defTabSz="914400" rtl="0" eaLnBrk="1" latinLnBrk="0" hangingPunct="1">
+              <a:lnSpc>
+                <a:spcPct val="90000"/>
+              </a:lnSpc>
+              <a:spcBef>
+                <a:spcPts val="500"/>
+              </a:spcBef>
+              <a:buFont typeface="Arial" panose="020B0604020202020204" pitchFamily="34" charset="0"/>
+              <a:buChar char="•"/>
+              <a:defRPr sz="1800" kern="1200">
+                <a:solidFill>
+                  <a:schemeClr val="tx1"/>
+                </a:solidFill>
+                <a:latin typeface="+mn-lt"/>
+                <a:ea typeface="+mn-ea"/>
+                <a:cs typeface="+mn-cs"/>
+              </a:defRPr>
+            </a:lvl9pPr>
+          </a:lstStyle>
+          <a:p>
+            <a:pPr marL="0" indent="0">
               <a:buNone/>
-              <a:defRPr sz="5400" kern="1200" spc="-120" baseline="0">
-                <a:solidFill>
-                  <a:schemeClr val="accent1"/>
-                </a:solidFill>
-                <a:latin typeface="+mj-lt"/>
-                <a:ea typeface="+mj-ea"/>
-                <a:cs typeface="+mj-cs"/>
-              </a:defRPr>
-            </a:lvl1pPr>
-          </a:lstStyle>
-          <a:p>
-            <a:r>
-              <a:rPr lang="ru-RU" sz="4400" smtClean="0"/>
-              <a:t>Рациональный способ решения(Поляков)</a:t>
-            </a:r>
-            <a:endParaRPr lang="ru-RU" sz="4400" dirty="0"/>
-          </a:p>
-        </p:txBody>
-      </p:sp>
-      <p:sp>
-        <p:nvSpPr>
-          <p:cNvPr id="5" name="Объект 2"/>
+            </a:pPr>
+            <a:r>
+              <a:rPr lang="en-US" sz="1900" b="1" dirty="0" smtClean="0"/>
+              <a:t>CSS</a:t>
+            </a:r>
+            <a:r>
+              <a:rPr lang="ru-RU" sz="1900" b="1" dirty="0" smtClean="0"/>
+              <a:t> </a:t>
+            </a:r>
+            <a:r>
+              <a:rPr lang="ru-RU" sz="1900" i="1" dirty="0" smtClean="0"/>
+              <a:t>(</a:t>
+            </a:r>
+            <a:r>
+              <a:rPr lang="en-US" sz="1900" i="1" dirty="0" smtClean="0"/>
+              <a:t>Cascading </a:t>
+            </a:r>
+            <a:r>
+              <a:rPr lang="en-US" sz="1900" i="1" dirty="0"/>
+              <a:t>Style </a:t>
+            </a:r>
+            <a:r>
+              <a:rPr lang="en-US" sz="1900" i="1" dirty="0" smtClean="0"/>
+              <a:t>Sheets</a:t>
+            </a:r>
+            <a:r>
+              <a:rPr lang="ru-RU" sz="1900" i="1" dirty="0" smtClean="0"/>
+              <a:t>)</a:t>
+            </a:r>
+            <a:r>
+              <a:rPr lang="en-US" sz="1900" i="1" dirty="0" smtClean="0"/>
+              <a:t> </a:t>
+            </a:r>
+            <a:r>
+              <a:rPr lang="en-US" sz="1900" dirty="0"/>
+              <a:t>– </a:t>
+            </a:r>
+            <a:r>
+              <a:rPr lang="ru-RU" sz="1900" dirty="0"/>
+              <a:t>Это язык разметки, используемый для визуального оформления </a:t>
+            </a:r>
+            <a:r>
+              <a:rPr lang="ru-RU" sz="1900" dirty="0" smtClean="0"/>
+              <a:t>веб-сайтов</a:t>
+            </a:r>
+            <a:endParaRPr lang="ru-RU" sz="1900" dirty="0"/>
+          </a:p>
+        </p:txBody>
+      </p:sp>
+      <p:pic>
+        <p:nvPicPr>
+          <p:cNvPr id="8" name="Picture 4" descr="https://upload.wikimedia.org/wikipedia/commons/thumb/7/70/Devicon-css3-plain.svg/1200px-Devicon-css3-plain.svg.png"/>
+          <p:cNvPicPr>
+            <a:picLocks noChangeAspect="1" noChangeArrowheads="1"/>
+          </p:cNvPicPr>
+          <p:nvPr/>
+        </p:nvPicPr>
+        <p:blipFill>
+          <a:blip r:embed="rId3" cstate="print">
+            <a:extLst>
+              <a:ext uri="{28A0092B-C50C-407E-A947-70E740481C1C}">
+                <a14:useLocalDpi xmlns:a14="http://schemas.microsoft.com/office/drawing/2010/main" val="0"/>
+              </a:ext>
+            </a:extLst>
+          </a:blip>
+          <a:srcRect/>
+          <a:stretch>
+            <a:fillRect/>
+          </a:stretch>
+        </p:blipFill>
+        <p:spPr bwMode="auto">
+          <a:xfrm>
+            <a:off x="0" y="6211891"/>
+            <a:ext cx="620245" cy="620245"/>
+          </a:xfrm>
+          <a:prstGeom prst="rect">
+            <a:avLst/>
+          </a:prstGeom>
+          <a:noFill/>
+          <a:extLst>
+            <a:ext uri="{909E8E84-426E-40DD-AFC4-6F175D3DCCD1}">
+              <a14:hiddenFill xmlns:a14="http://schemas.microsoft.com/office/drawing/2010/main">
+                <a:solidFill>
+                  <a:srgbClr val="FFFFFF"/>
+                </a:solidFill>
+              </a14:hiddenFill>
+            </a:ext>
+          </a:extLst>
+        </p:spPr>
+      </p:pic>
+      <p:sp>
+        <p:nvSpPr>
+          <p:cNvPr id="13" name="Объект 2"/>
           <p:cNvSpPr txBox="1">
             <a:spLocks/>
           </p:cNvSpPr>
@@ -14680,8 +12797,8 @@
         </p:nvSpPr>
         <p:spPr>
           <a:xfrm>
-            <a:off x="-105905" y="1019908"/>
-            <a:ext cx="7130959" cy="520913"/>
+            <a:off x="0" y="755324"/>
+            <a:ext cx="8440615" cy="488257"/>
           </a:xfrm>
           <a:prstGeom prst="rect">
             <a:avLst/>
@@ -14689,7 +12806,7 @@
         </p:spPr>
         <p:txBody>
           <a:bodyPr vert="horz" lIns="91440" tIns="45720" rIns="91440" bIns="45720" rtlCol="0">
-            <a:normAutofit fontScale="85000" lnSpcReduction="10000"/>
+            <a:noAutofit/>
           </a:bodyPr>
           <a:lstStyle>
             <a:lvl1pPr marL="91440" indent="-91440" algn="l" defTabSz="914400" rtl="0" eaLnBrk="1" latinLnBrk="0" hangingPunct="1">
@@ -14883,44 +13000,145 @@
             </a:lvl9pPr>
           </a:lstStyle>
           <a:p>
-            <a:r>
-              <a:rPr lang="ru-RU" dirty="0"/>
-              <a:t>Реализация будет описана на языке программирования С</a:t>
-            </a:r>
-            <a:r>
-              <a:rPr lang="ru-RU" dirty="0" smtClean="0"/>
-              <a:t>++ </a:t>
-            </a:r>
-            <a:endParaRPr lang="ru-RU" dirty="0"/>
+            <a:pPr marL="0" indent="0">
+              <a:buNone/>
+            </a:pPr>
+            <a:r>
+              <a:rPr lang="ru-RU" sz="2700" dirty="0" smtClean="0">
+                <a:latin typeface="+mj-lt"/>
+              </a:rPr>
+              <a:t>Для внешнего вида страницы был применен </a:t>
+            </a:r>
+            <a:r>
+              <a:rPr lang="en-US" sz="2700" dirty="0" smtClean="0">
+                <a:latin typeface="+mj-lt"/>
+              </a:rPr>
+              <a:t>CSS*</a:t>
+            </a:r>
+            <a:endParaRPr lang="ru-RU" sz="2700" dirty="0" smtClean="0">
+              <a:latin typeface="+mj-lt"/>
+            </a:endParaRPr>
           </a:p>
         </p:txBody>
       </p:sp>
       <p:pic>
         <p:nvPicPr>
-          <p:cNvPr id="19" name="Рисунок 18"/>
-          <p:cNvPicPr/>
+          <p:cNvPr id="10" name="Рисунок 9"/>
+          <p:cNvPicPr>
+            <a:picLocks noChangeAspect="1"/>
+          </p:cNvPicPr>
           <p:nvPr/>
         </p:nvPicPr>
         <p:blipFill>
-          <a:blip r:embed="rId3"/>
+          <a:blip r:embed="rId4">
+            <a:extLst>
+              <a:ext uri="{28A0092B-C50C-407E-A947-70E740481C1C}">
+                <a14:useLocalDpi xmlns:a14="http://schemas.microsoft.com/office/drawing/2010/main" val="0"/>
+              </a:ext>
+            </a:extLst>
+          </a:blip>
           <a:stretch>
             <a:fillRect/>
           </a:stretch>
         </p:blipFill>
         <p:spPr>
           <a:xfrm>
-            <a:off x="3536014" y="3058575"/>
-            <a:ext cx="4911885" cy="1677163"/>
+            <a:off x="2720095" y="3151352"/>
+            <a:ext cx="2934109" cy="1305107"/>
           </a:xfrm>
           <a:prstGeom prst="rect">
             <a:avLst/>
           </a:prstGeom>
+          <a:ln>
+            <a:noFill/>
+          </a:ln>
+          <a:effectLst>
+            <a:outerShdw blurRad="190500" algn="tl" rotWithShape="0">
+              <a:srgbClr val="000000">
+                <a:alpha val="70000"/>
+              </a:srgbClr>
+            </a:outerShdw>
+          </a:effectLst>
         </p:spPr>
       </p:pic>
+      <p:pic>
+        <p:nvPicPr>
+          <p:cNvPr id="11" name="Рисунок 10"/>
+          <p:cNvPicPr>
+            <a:picLocks noChangeAspect="1"/>
+          </p:cNvPicPr>
+          <p:nvPr/>
+        </p:nvPicPr>
+        <p:blipFill>
+          <a:blip r:embed="rId5">
+            <a:extLst>
+              <a:ext uri="{28A0092B-C50C-407E-A947-70E740481C1C}">
+                <a14:useLocalDpi xmlns:a14="http://schemas.microsoft.com/office/drawing/2010/main" val="0"/>
+              </a:ext>
+            </a:extLst>
+          </a:blip>
+          <a:stretch>
+            <a:fillRect/>
+          </a:stretch>
+        </p:blipFill>
+        <p:spPr>
+          <a:xfrm>
+            <a:off x="6431906" y="1935906"/>
+            <a:ext cx="2210603" cy="3736001"/>
+          </a:xfrm>
+          <a:prstGeom prst="rect">
+            <a:avLst/>
+          </a:prstGeom>
+          <a:ln>
+            <a:noFill/>
+          </a:ln>
+          <a:effectLst>
+            <a:outerShdw blurRad="190500" algn="tl" rotWithShape="0">
+              <a:srgbClr val="000000">
+                <a:alpha val="70000"/>
+              </a:srgbClr>
+            </a:outerShdw>
+          </a:effectLst>
+        </p:spPr>
+      </p:pic>
+      <p:sp>
+        <p:nvSpPr>
+          <p:cNvPr id="14" name="Заголовок 1"/>
+          <p:cNvSpPr>
+            <a:spLocks noGrp="1"/>
+          </p:cNvSpPr>
+          <p:nvPr>
+            <p:ph type="title"/>
+          </p:nvPr>
+        </p:nvSpPr>
+        <p:spPr>
+          <a:xfrm>
+            <a:off x="1" y="15461"/>
+            <a:ext cx="2980591" cy="608793"/>
+          </a:xfrm>
+        </p:spPr>
+        <p:txBody>
+          <a:bodyPr>
+            <a:normAutofit/>
+          </a:bodyPr>
+          <a:lstStyle/>
+          <a:p>
+            <a:r>
+              <a:rPr lang="en-US" sz="3200" dirty="0" smtClean="0"/>
+              <a:t>WEB-</a:t>
+            </a:r>
+            <a:r>
+              <a:rPr lang="ru-RU" sz="3200" dirty="0" smtClean="0"/>
+              <a:t>Технологии</a:t>
+            </a:r>
+            <a:endParaRPr lang="ru-RU" sz="3200" dirty="0"/>
+          </a:p>
+        </p:txBody>
+      </p:sp>
     </p:spTree>
     <p:extLst>
       <p:ext uri="{BB962C8B-B14F-4D97-AF65-F5344CB8AC3E}">
-        <p14:creationId xmlns:p14="http://schemas.microsoft.com/office/powerpoint/2010/main" val="1346818273"/>
+        <p14:creationId xmlns:p14="http://schemas.microsoft.com/office/powerpoint/2010/main" val="2940939795"/>
       </p:ext>
     </p:extLst>
   </p:cSld>

--- a/Организация проекта/Теория игр.pptx
+++ b/Организация проекта/Теория игр.pptx
@@ -222,7 +222,7 @@
           <a:p>
             <a:fld id="{94E1C538-87E4-4DE4-99E6-9B8ECB63D56D}" type="datetimeFigureOut">
               <a:rPr lang="ru-RU" smtClean="0"/>
-              <a:t>22.10.2022</a:t>
+              <a:t>28.10.2022</a:t>
             </a:fld>
             <a:endParaRPr lang="ru-RU"/>
           </a:p>
@@ -1026,7 +1026,7 @@
           <a:p>
             <a:fld id="{58587613-E176-4450-A606-FD9966C4FF53}" type="datetimeFigureOut">
               <a:rPr lang="ru-RU" smtClean="0"/>
-              <a:t>22.10.2022</a:t>
+              <a:t>28.10.2022</a:t>
             </a:fld>
             <a:endParaRPr lang="ru-RU"/>
           </a:p>
@@ -1216,7 +1216,7 @@
           <a:p>
             <a:fld id="{58587613-E176-4450-A606-FD9966C4FF53}" type="datetimeFigureOut">
               <a:rPr lang="ru-RU" smtClean="0"/>
-              <a:t>22.10.2022</a:t>
+              <a:t>28.10.2022</a:t>
             </a:fld>
             <a:endParaRPr lang="ru-RU"/>
           </a:p>
@@ -1396,7 +1396,7 @@
           <a:p>
             <a:fld id="{58587613-E176-4450-A606-FD9966C4FF53}" type="datetimeFigureOut">
               <a:rPr lang="ru-RU" smtClean="0"/>
-              <a:t>22.10.2022</a:t>
+              <a:t>28.10.2022</a:t>
             </a:fld>
             <a:endParaRPr lang="ru-RU"/>
           </a:p>
@@ -1566,7 +1566,7 @@
           <a:p>
             <a:fld id="{58587613-E176-4450-A606-FD9966C4FF53}" type="datetimeFigureOut">
               <a:rPr lang="ru-RU" smtClean="0"/>
-              <a:t>22.10.2022</a:t>
+              <a:t>28.10.2022</a:t>
             </a:fld>
             <a:endParaRPr lang="ru-RU"/>
           </a:p>
@@ -1822,7 +1822,7 @@
           <a:p>
             <a:fld id="{58587613-E176-4450-A606-FD9966C4FF53}" type="datetimeFigureOut">
               <a:rPr lang="ru-RU" smtClean="0"/>
-              <a:t>22.10.2022</a:t>
+              <a:t>28.10.2022</a:t>
             </a:fld>
             <a:endParaRPr lang="ru-RU"/>
           </a:p>
@@ -2110,7 +2110,7 @@
           <a:p>
             <a:fld id="{58587613-E176-4450-A606-FD9966C4FF53}" type="datetimeFigureOut">
               <a:rPr lang="ru-RU" smtClean="0"/>
-              <a:t>22.10.2022</a:t>
+              <a:t>28.10.2022</a:t>
             </a:fld>
             <a:endParaRPr lang="ru-RU"/>
           </a:p>
@@ -2548,7 +2548,7 @@
           <a:p>
             <a:fld id="{58587613-E176-4450-A606-FD9966C4FF53}" type="datetimeFigureOut">
               <a:rPr lang="ru-RU" smtClean="0"/>
-              <a:t>22.10.2022</a:t>
+              <a:t>28.10.2022</a:t>
             </a:fld>
             <a:endParaRPr lang="ru-RU"/>
           </a:p>
@@ -2666,7 +2666,7 @@
           <a:p>
             <a:fld id="{58587613-E176-4450-A606-FD9966C4FF53}" type="datetimeFigureOut">
               <a:rPr lang="ru-RU" smtClean="0"/>
-              <a:t>22.10.2022</a:t>
+              <a:t>28.10.2022</a:t>
             </a:fld>
             <a:endParaRPr lang="ru-RU"/>
           </a:p>
@@ -2761,7 +2761,7 @@
           <a:p>
             <a:fld id="{58587613-E176-4450-A606-FD9966C4FF53}" type="datetimeFigureOut">
               <a:rPr lang="ru-RU" smtClean="0"/>
-              <a:t>22.10.2022</a:t>
+              <a:t>28.10.2022</a:t>
             </a:fld>
             <a:endParaRPr lang="ru-RU"/>
           </a:p>
@@ -3117,7 +3117,7 @@
           <a:p>
             <a:fld id="{58587613-E176-4450-A606-FD9966C4FF53}" type="datetimeFigureOut">
               <a:rPr lang="ru-RU" smtClean="0"/>
-              <a:t>22.10.2022</a:t>
+              <a:t>28.10.2022</a:t>
             </a:fld>
             <a:endParaRPr lang="ru-RU"/>
           </a:p>
@@ -3433,7 +3433,7 @@
           <a:p>
             <a:fld id="{58587613-E176-4450-A606-FD9966C4FF53}" type="datetimeFigureOut">
               <a:rPr lang="ru-RU" smtClean="0"/>
-              <a:t>22.10.2022</a:t>
+              <a:t>28.10.2022</a:t>
             </a:fld>
             <a:endParaRPr lang="ru-RU"/>
           </a:p>
@@ -3666,7 +3666,7 @@
           <a:p>
             <a:fld id="{58587613-E176-4450-A606-FD9966C4FF53}" type="datetimeFigureOut">
               <a:rPr lang="ru-RU" smtClean="0"/>
-              <a:t>22.10.2022</a:t>
+              <a:t>28.10.2022</a:t>
             </a:fld>
             <a:endParaRPr lang="ru-RU"/>
           </a:p>
@@ -9708,7 +9708,15 @@
             </a:pPr>
             <a:r>
               <a:rPr lang="ru-RU" altLang="ru-RU" sz="2600" dirty="0" smtClean="0"/>
-              <a:t>Описан алгоритм всех способ решения задач 19-21.</a:t>
+              <a:t>Описан алгоритм всех </a:t>
+            </a:r>
+            <a:r>
+              <a:rPr lang="ru-RU" altLang="ru-RU" sz="2600" dirty="0" smtClean="0"/>
+              <a:t>способов </a:t>
+            </a:r>
+            <a:r>
+              <a:rPr lang="ru-RU" altLang="ru-RU" sz="2600" dirty="0" smtClean="0"/>
+              <a:t>решения задач 19-21.</a:t>
             </a:r>
           </a:p>
           <a:p>
@@ -10226,6 +10234,13 @@
   <p:clrMapOvr>
     <a:masterClrMapping/>
   </p:clrMapOvr>
+  <p:timing>
+    <p:tnLst>
+      <p:par>
+        <p:cTn id="1" dur="indefinite" restart="never" nodeType="tmRoot"/>
+      </p:par>
+    </p:tnLst>
+  </p:timing>
 </p:sld>
 </file>
 
